--- a/その他/UI案.pptx
+++ b/その他/UI案.pptx
@@ -5,9 +5,11 @@
     <p:sldMasterId id="2147483648" r:id="rId1"/>
   </p:sldMasterIdLst>
   <p:sldIdLst>
-    <p:sldId id="256" r:id="rId2"/>
-    <p:sldId id="258" r:id="rId3"/>
-    <p:sldId id="259" r:id="rId4"/>
+    <p:sldId id="260" r:id="rId2"/>
+    <p:sldId id="261" r:id="rId3"/>
+    <p:sldId id="256" r:id="rId4"/>
+    <p:sldId id="258" r:id="rId5"/>
+    <p:sldId id="259" r:id="rId6"/>
   </p:sldIdLst>
   <p:sldSz cx="12192000" cy="6858000"/>
   <p:notesSz cx="6858000" cy="9144000"/>
@@ -106,6 +108,11 @@
       </a:defRPr>
     </a:lvl9pPr>
   </p:defaultTextStyle>
+  <p:extLst>
+    <p:ext uri="{EFAFB233-063F-42B5-8137-9DF3F51BA10A}">
+      <p15:sldGuideLst xmlns:p15="http://schemas.microsoft.com/office/powerpoint/2012/main"/>
+    </p:ext>
+  </p:extLst>
 </p:presentation>
 </file>
 
@@ -256,7 +263,7 @@
           <a:p>
             <a:fld id="{DA0CFA65-567C-48A8-954C-5C833A80D1C3}" type="datetimeFigureOut">
               <a:rPr kumimoji="1" lang="ja-JP" altLang="en-US" smtClean="0"/>
-              <a:t>2021/5/28</a:t>
+              <a:t>2021/6/1</a:t>
             </a:fld>
             <a:endParaRPr kumimoji="1" lang="ja-JP" altLang="en-US"/>
           </a:p>
@@ -486,7 +493,7 @@
           <a:p>
             <a:fld id="{DA0CFA65-567C-48A8-954C-5C833A80D1C3}" type="datetimeFigureOut">
               <a:rPr kumimoji="1" lang="ja-JP" altLang="en-US" smtClean="0"/>
-              <a:t>2021/5/28</a:t>
+              <a:t>2021/6/1</a:t>
             </a:fld>
             <a:endParaRPr kumimoji="1" lang="ja-JP" altLang="en-US"/>
           </a:p>
@@ -726,7 +733,7 @@
           <a:p>
             <a:fld id="{DA0CFA65-567C-48A8-954C-5C833A80D1C3}" type="datetimeFigureOut">
               <a:rPr kumimoji="1" lang="ja-JP" altLang="en-US" smtClean="0"/>
-              <a:t>2021/5/28</a:t>
+              <a:t>2021/6/1</a:t>
             </a:fld>
             <a:endParaRPr kumimoji="1" lang="ja-JP" altLang="en-US"/>
           </a:p>
@@ -956,7 +963,7 @@
           <a:p>
             <a:fld id="{DA0CFA65-567C-48A8-954C-5C833A80D1C3}" type="datetimeFigureOut">
               <a:rPr kumimoji="1" lang="ja-JP" altLang="en-US" smtClean="0"/>
-              <a:t>2021/5/28</a:t>
+              <a:t>2021/6/1</a:t>
             </a:fld>
             <a:endParaRPr kumimoji="1" lang="ja-JP" altLang="en-US"/>
           </a:p>
@@ -1231,7 +1238,7 @@
           <a:p>
             <a:fld id="{DA0CFA65-567C-48A8-954C-5C833A80D1C3}" type="datetimeFigureOut">
               <a:rPr kumimoji="1" lang="ja-JP" altLang="en-US" smtClean="0"/>
-              <a:t>2021/5/28</a:t>
+              <a:t>2021/6/1</a:t>
             </a:fld>
             <a:endParaRPr kumimoji="1" lang="ja-JP" altLang="en-US"/>
           </a:p>
@@ -1560,7 +1567,7 @@
           <a:p>
             <a:fld id="{DA0CFA65-567C-48A8-954C-5C833A80D1C3}" type="datetimeFigureOut">
               <a:rPr kumimoji="1" lang="ja-JP" altLang="en-US" smtClean="0"/>
-              <a:t>2021/5/28</a:t>
+              <a:t>2021/6/1</a:t>
             </a:fld>
             <a:endParaRPr kumimoji="1" lang="ja-JP" altLang="en-US"/>
           </a:p>
@@ -2036,7 +2043,7 @@
           <a:p>
             <a:fld id="{DA0CFA65-567C-48A8-954C-5C833A80D1C3}" type="datetimeFigureOut">
               <a:rPr kumimoji="1" lang="ja-JP" altLang="en-US" smtClean="0"/>
-              <a:t>2021/5/28</a:t>
+              <a:t>2021/6/1</a:t>
             </a:fld>
             <a:endParaRPr kumimoji="1" lang="ja-JP" altLang="en-US"/>
           </a:p>
@@ -2177,7 +2184,7 @@
           <a:p>
             <a:fld id="{DA0CFA65-567C-48A8-954C-5C833A80D1C3}" type="datetimeFigureOut">
               <a:rPr kumimoji="1" lang="ja-JP" altLang="en-US" smtClean="0"/>
-              <a:t>2021/5/28</a:t>
+              <a:t>2021/6/1</a:t>
             </a:fld>
             <a:endParaRPr kumimoji="1" lang="ja-JP" altLang="en-US"/>
           </a:p>
@@ -2290,7 +2297,7 @@
           <a:p>
             <a:fld id="{DA0CFA65-567C-48A8-954C-5C833A80D1C3}" type="datetimeFigureOut">
               <a:rPr kumimoji="1" lang="ja-JP" altLang="en-US" smtClean="0"/>
-              <a:t>2021/5/28</a:t>
+              <a:t>2021/6/1</a:t>
             </a:fld>
             <a:endParaRPr kumimoji="1" lang="ja-JP" altLang="en-US"/>
           </a:p>
@@ -2633,7 +2640,7 @@
           <a:p>
             <a:fld id="{DA0CFA65-567C-48A8-954C-5C833A80D1C3}" type="datetimeFigureOut">
               <a:rPr kumimoji="1" lang="ja-JP" altLang="en-US" smtClean="0"/>
-              <a:t>2021/5/28</a:t>
+              <a:t>2021/6/1</a:t>
             </a:fld>
             <a:endParaRPr kumimoji="1" lang="ja-JP" altLang="en-US"/>
           </a:p>
@@ -2921,7 +2928,7 @@
           <a:p>
             <a:fld id="{DA0CFA65-567C-48A8-954C-5C833A80D1C3}" type="datetimeFigureOut">
               <a:rPr kumimoji="1" lang="ja-JP" altLang="en-US" smtClean="0"/>
-              <a:t>2021/5/28</a:t>
+              <a:t>2021/6/1</a:t>
             </a:fld>
             <a:endParaRPr kumimoji="1" lang="ja-JP" altLang="en-US"/>
           </a:p>
@@ -3194,7 +3201,7 @@
           <a:p>
             <a:fld id="{DA0CFA65-567C-48A8-954C-5C833A80D1C3}" type="datetimeFigureOut">
               <a:rPr kumimoji="1" lang="ja-JP" altLang="en-US" smtClean="0"/>
-              <a:t>2021/5/28</a:t>
+              <a:t>2021/6/1</a:t>
             </a:fld>
             <a:endParaRPr kumimoji="1" lang="ja-JP" altLang="en-US"/>
           </a:p>
@@ -3597,6 +3604,14 @@
 <file path=ppt/slides/slide1.xml><?xml version="1.0" encoding="utf-8"?>
 <p:sld xmlns:a="http://schemas.openxmlformats.org/drawingml/2006/main" xmlns:r="http://schemas.openxmlformats.org/officeDocument/2006/relationships" xmlns:p="http://schemas.openxmlformats.org/presentationml/2006/main">
   <p:cSld>
+    <p:bg>
+      <p:bgPr>
+        <a:solidFill>
+          <a:schemeClr val="tx1"/>
+        </a:solidFill>
+        <a:effectLst/>
+      </p:bgPr>
+    </p:bg>
     <p:spTree>
       <p:nvGrpSpPr>
         <p:cNvPr id="1" name=""/>
@@ -3611,12 +3626,192 @@
           <a:chExt cx="0" cy="0"/>
         </a:xfrm>
       </p:grpSpPr>
+      <p:sp>
+        <p:nvSpPr>
+          <p:cNvPr id="2" name="テキスト ボックス 1">
+            <a:extLst>
+              <a:ext uri="{FF2B5EF4-FFF2-40B4-BE49-F238E27FC236}">
+                <a16:creationId xmlns:a16="http://schemas.microsoft.com/office/drawing/2014/main" id="{0D4653D4-B4EE-4650-B76E-9C0D76CEA2D7}"/>
+              </a:ext>
+            </a:extLst>
+          </p:cNvPr>
+          <p:cNvSpPr txBox="1"/>
+          <p:nvPr/>
+        </p:nvSpPr>
+        <p:spPr>
+          <a:xfrm>
+            <a:off x="9103659" y="5836024"/>
+            <a:ext cx="45719" cy="369332"/>
+          </a:xfrm>
+          <a:prstGeom prst="rect">
+            <a:avLst/>
+          </a:prstGeom>
+          <a:noFill/>
+        </p:spPr>
+        <p:txBody>
+          <a:bodyPr wrap="square" rtlCol="0">
+            <a:spAutoFit/>
+          </a:bodyPr>
+          <a:lstStyle/>
+          <a:p>
+            <a:endParaRPr kumimoji="1" lang="ja-JP" altLang="en-US" dirty="0"/>
+          </a:p>
+        </p:txBody>
+      </p:sp>
+      <p:sp>
+        <p:nvSpPr>
+          <p:cNvPr id="9" name="テキスト ボックス 8">
+            <a:extLst>
+              <a:ext uri="{FF2B5EF4-FFF2-40B4-BE49-F238E27FC236}">
+                <a16:creationId xmlns:a16="http://schemas.microsoft.com/office/drawing/2014/main" id="{8DA53FAD-38AF-4154-BFCC-AC81275F3C22}"/>
+              </a:ext>
+            </a:extLst>
+          </p:cNvPr>
+          <p:cNvSpPr txBox="1"/>
+          <p:nvPr/>
+        </p:nvSpPr>
+        <p:spPr>
+          <a:xfrm flipH="1">
+            <a:off x="9835179" y="6198171"/>
+            <a:ext cx="1729293" cy="523220"/>
+          </a:xfrm>
+          <a:prstGeom prst="rect">
+            <a:avLst/>
+          </a:prstGeom>
+          <a:noFill/>
+        </p:spPr>
+        <p:txBody>
+          <a:bodyPr wrap="square" rtlCol="0">
+            <a:spAutoFit/>
+          </a:bodyPr>
+          <a:lstStyle/>
+          <a:p>
+            <a:r>
+              <a:rPr lang="en-US" altLang="ja-JP" sz="2800" b="0" i="0" dirty="0">
+                <a:solidFill>
+                  <a:schemeClr val="bg1"/>
+                </a:solidFill>
+                <a:effectLst/>
+                <a:latin typeface="ZCOOL KuaiLe script=latin rev=8"/>
+              </a:rPr>
+              <a:t>LOADING...</a:t>
+            </a:r>
+            <a:endParaRPr kumimoji="1" lang="ja-JP" altLang="en-US" sz="2800" dirty="0">
+              <a:solidFill>
+                <a:schemeClr val="bg1"/>
+              </a:solidFill>
+            </a:endParaRPr>
+          </a:p>
+        </p:txBody>
+      </p:sp>
+      <p:sp>
+        <p:nvSpPr>
+          <p:cNvPr id="13" name="テキスト ボックス 12">
+            <a:extLst>
+              <a:ext uri="{FF2B5EF4-FFF2-40B4-BE49-F238E27FC236}">
+                <a16:creationId xmlns:a16="http://schemas.microsoft.com/office/drawing/2014/main" id="{2A37A6AF-1BE3-4F0B-B504-C4B7733AD96D}"/>
+              </a:ext>
+            </a:extLst>
+          </p:cNvPr>
+          <p:cNvSpPr txBox="1"/>
+          <p:nvPr/>
+        </p:nvSpPr>
+        <p:spPr>
+          <a:xfrm>
+            <a:off x="497540" y="4782741"/>
+            <a:ext cx="2097742" cy="1477328"/>
+          </a:xfrm>
+          <a:prstGeom prst="rect">
+            <a:avLst/>
+          </a:prstGeom>
+          <a:noFill/>
+          <a:ln w="57150">
+            <a:solidFill>
+              <a:schemeClr val="bg1"/>
+            </a:solidFill>
+            <a:prstDash val="lgDashDot"/>
+          </a:ln>
+        </p:spPr>
+        <p:txBody>
+          <a:bodyPr wrap="square" rtlCol="0">
+            <a:spAutoFit/>
+          </a:bodyPr>
+          <a:lstStyle/>
+          <a:p>
+            <a:r>
+              <a:rPr kumimoji="1" lang="ja-JP" altLang="en-US" b="1" dirty="0">
+                <a:solidFill>
+                  <a:schemeClr val="bg1"/>
+                </a:solidFill>
+              </a:rPr>
+              <a:t>ぷよの操作</a:t>
+            </a:r>
+            <a:endParaRPr kumimoji="1" lang="en-US" altLang="ja-JP" b="1" dirty="0">
+              <a:solidFill>
+                <a:schemeClr val="bg1"/>
+              </a:solidFill>
+            </a:endParaRPr>
+          </a:p>
+          <a:p>
+            <a:endParaRPr kumimoji="1" lang="en-US" altLang="ja-JP" b="1" dirty="0">
+              <a:solidFill>
+                <a:schemeClr val="bg1"/>
+              </a:solidFill>
+            </a:endParaRPr>
+          </a:p>
+          <a:p>
+            <a:r>
+              <a:rPr lang="ja-JP" altLang="en-US" dirty="0">
+                <a:solidFill>
+                  <a:schemeClr val="bg1"/>
+                </a:solidFill>
+              </a:rPr>
+              <a:t>　→　右回転　</a:t>
+            </a:r>
+            <a:endParaRPr lang="en-US" altLang="ja-JP" dirty="0">
+              <a:solidFill>
+                <a:schemeClr val="bg1"/>
+              </a:solidFill>
+            </a:endParaRPr>
+          </a:p>
+          <a:p>
+            <a:r>
+              <a:rPr kumimoji="1" lang="ja-JP" altLang="en-US" dirty="0">
+                <a:solidFill>
+                  <a:schemeClr val="bg1"/>
+                </a:solidFill>
+              </a:rPr>
+              <a:t>　←　左回転　</a:t>
+            </a:r>
+            <a:endParaRPr kumimoji="1" lang="en-US" altLang="ja-JP" dirty="0">
+              <a:solidFill>
+                <a:schemeClr val="bg1"/>
+              </a:solidFill>
+            </a:endParaRPr>
+          </a:p>
+          <a:p>
+            <a:r>
+              <a:rPr lang="ja-JP" altLang="en-US" dirty="0">
+                <a:solidFill>
+                  <a:schemeClr val="bg1"/>
+                </a:solidFill>
+              </a:rPr>
+              <a:t>　↓　落下</a:t>
+            </a:r>
+            <a:endParaRPr kumimoji="1" lang="ja-JP" altLang="en-US" dirty="0">
+              <a:solidFill>
+                <a:schemeClr val="bg1"/>
+              </a:solidFill>
+            </a:endParaRPr>
+          </a:p>
+        </p:txBody>
+      </p:sp>
       <p:pic>
         <p:nvPicPr>
-          <p:cNvPr id="6" name="図 5" descr="建物, 屋外, ストリート, レンガ が含まれている画像&#10;&#10;自動的に生成された説明">
-            <a:extLst>
-              <a:ext uri="{FF2B5EF4-FFF2-40B4-BE49-F238E27FC236}">
-                <a16:creationId xmlns:a16="http://schemas.microsoft.com/office/drawing/2014/main" id="{20EB8AE7-1E83-47C9-8EF7-F0D753D96EC0}"/>
+          <p:cNvPr id="17" name="図 16" descr="アイコン&#10;&#10;自動的に生成された説明">
+            <a:extLst>
+              <a:ext uri="{FF2B5EF4-FFF2-40B4-BE49-F238E27FC236}">
+                <a16:creationId xmlns:a16="http://schemas.microsoft.com/office/drawing/2014/main" id="{6B84E25A-34D1-4444-B878-FD14AFE6B3F4}"/>
               </a:ext>
             </a:extLst>
           </p:cNvPr>
@@ -3627,7 +3822,6 @@
         </p:nvPicPr>
         <p:blipFill>
           <a:blip r:embed="rId2">
-            <a:alphaModFix/>
             <a:extLst>
               <a:ext uri="{28A0092B-C50C-407E-A947-70E740481C1C}">
                 <a14:useLocalDpi xmlns:a14="http://schemas.microsoft.com/office/drawing/2010/main" val="0"/>
@@ -3640,1416 +3834,18 @@
         </p:blipFill>
         <p:spPr>
           <a:xfrm>
-            <a:off x="135006" y="104360"/>
-            <a:ext cx="11911219" cy="6670283"/>
+            <a:off x="11564472" y="6020690"/>
+            <a:ext cx="609600" cy="609600"/>
           </a:xfrm>
           <a:prstGeom prst="rect">
             <a:avLst/>
           </a:prstGeom>
         </p:spPr>
       </p:pic>
-      <p:sp>
-        <p:nvSpPr>
-          <p:cNvPr id="7" name="正方形/長方形 6">
-            <a:extLst>
-              <a:ext uri="{FF2B5EF4-FFF2-40B4-BE49-F238E27FC236}">
-                <a16:creationId xmlns:a16="http://schemas.microsoft.com/office/drawing/2014/main" id="{307A6712-312C-48D8-B574-C8F8B9A43ED9}"/>
-              </a:ext>
-            </a:extLst>
-          </p:cNvPr>
-          <p:cNvSpPr/>
-          <p:nvPr/>
-        </p:nvSpPr>
-        <p:spPr>
-          <a:xfrm>
-            <a:off x="308180" y="536712"/>
-            <a:ext cx="4722220" cy="6115316"/>
-          </a:xfrm>
-          <a:prstGeom prst="rect">
-            <a:avLst/>
-          </a:prstGeom>
-          <a:solidFill>
-            <a:schemeClr val="accent2">
-              <a:lumMod val="40000"/>
-              <a:lumOff val="60000"/>
-              <a:alpha val="76000"/>
-            </a:schemeClr>
-          </a:solidFill>
-          <a:ln w="38100">
-            <a:solidFill>
-              <a:schemeClr val="accent6">
-                <a:lumMod val="75000"/>
-              </a:schemeClr>
-            </a:solidFill>
-          </a:ln>
-        </p:spPr>
-        <p:style>
-          <a:lnRef idx="2">
-            <a:schemeClr val="accent1">
-              <a:shade val="50000"/>
-            </a:schemeClr>
-          </a:lnRef>
-          <a:fillRef idx="1">
-            <a:schemeClr val="accent1"/>
-          </a:fillRef>
-          <a:effectRef idx="0">
-            <a:schemeClr val="accent1"/>
-          </a:effectRef>
-          <a:fontRef idx="minor">
-            <a:schemeClr val="lt1"/>
-          </a:fontRef>
-        </p:style>
-        <p:txBody>
-          <a:bodyPr rtlCol="0" anchor="ctr"/>
-          <a:lstStyle/>
-          <a:p>
-            <a:pPr algn="ctr"/>
-            <a:endParaRPr kumimoji="1" lang="ja-JP" altLang="en-US"/>
-          </a:p>
-        </p:txBody>
-      </p:sp>
-      <p:pic>
-        <p:nvPicPr>
-          <p:cNvPr id="9" name="図 8">
-            <a:extLst>
-              <a:ext uri="{FF2B5EF4-FFF2-40B4-BE49-F238E27FC236}">
-                <a16:creationId xmlns:a16="http://schemas.microsoft.com/office/drawing/2014/main" id="{C8655201-A6CD-4960-812F-260700BC9E12}"/>
-              </a:ext>
-            </a:extLst>
-          </p:cNvPr>
-          <p:cNvPicPr>
-            <a:picLocks noChangeAspect="1"/>
-          </p:cNvPicPr>
-          <p:nvPr/>
-        </p:nvPicPr>
-        <p:blipFill>
-          <a:blip r:embed="rId3">
-            <a:extLst>
-              <a:ext uri="{28A0092B-C50C-407E-A947-70E740481C1C}">
-                <a14:useLocalDpi xmlns:a14="http://schemas.microsoft.com/office/drawing/2010/main" val="0"/>
-              </a:ext>
-            </a:extLst>
-          </a:blip>
-          <a:stretch>
-            <a:fillRect/>
-          </a:stretch>
-        </p:blipFill>
-        <p:spPr>
-          <a:xfrm>
-            <a:off x="8895869" y="2822712"/>
-            <a:ext cx="2643461" cy="3749801"/>
-          </a:xfrm>
-          <a:prstGeom prst="rect">
-            <a:avLst/>
-          </a:prstGeom>
-        </p:spPr>
-      </p:pic>
-      <p:pic>
-        <p:nvPicPr>
-          <p:cNvPr id="21" name="図 20" descr="アイコン&#10;&#10;自動的に生成された説明">
-            <a:extLst>
-              <a:ext uri="{FF2B5EF4-FFF2-40B4-BE49-F238E27FC236}">
-                <a16:creationId xmlns:a16="http://schemas.microsoft.com/office/drawing/2014/main" id="{77EDF7BB-745B-4B00-988D-7D252A5CADB6}"/>
-              </a:ext>
-            </a:extLst>
-          </p:cNvPr>
-          <p:cNvPicPr>
-            <a:picLocks noChangeAspect="1"/>
-          </p:cNvPicPr>
-          <p:nvPr/>
-        </p:nvPicPr>
-        <p:blipFill>
-          <a:blip r:embed="rId4">
-            <a:extLst>
-              <a:ext uri="{28A0092B-C50C-407E-A947-70E740481C1C}">
-                <a14:useLocalDpi xmlns:a14="http://schemas.microsoft.com/office/drawing/2010/main" val="0"/>
-              </a:ext>
-            </a:extLst>
-          </a:blip>
-          <a:stretch>
-            <a:fillRect/>
-          </a:stretch>
-        </p:blipFill>
-        <p:spPr>
-          <a:xfrm>
-            <a:off x="1746002" y="5338007"/>
-            <a:ext cx="609600" cy="609600"/>
-          </a:xfrm>
-          <a:prstGeom prst="rect">
-            <a:avLst/>
-          </a:prstGeom>
-        </p:spPr>
-      </p:pic>
-      <p:pic>
-        <p:nvPicPr>
-          <p:cNvPr id="22" name="図 21" descr="アイコン&#10;&#10;自動的に生成された説明">
-            <a:extLst>
-              <a:ext uri="{FF2B5EF4-FFF2-40B4-BE49-F238E27FC236}">
-                <a16:creationId xmlns:a16="http://schemas.microsoft.com/office/drawing/2014/main" id="{0ACB5144-43FE-4797-99BE-01961535147A}"/>
-              </a:ext>
-            </a:extLst>
-          </p:cNvPr>
-          <p:cNvPicPr>
-            <a:picLocks noChangeAspect="1"/>
-          </p:cNvPicPr>
-          <p:nvPr/>
-        </p:nvPicPr>
-        <p:blipFill>
-          <a:blip r:embed="rId4">
-            <a:extLst>
-              <a:ext uri="{28A0092B-C50C-407E-A947-70E740481C1C}">
-                <a14:useLocalDpi xmlns:a14="http://schemas.microsoft.com/office/drawing/2010/main" val="0"/>
-              </a:ext>
-            </a:extLst>
-          </a:blip>
-          <a:stretch>
-            <a:fillRect/>
-          </a:stretch>
-        </p:blipFill>
-        <p:spPr>
-          <a:xfrm>
-            <a:off x="475117" y="5359905"/>
-            <a:ext cx="609600" cy="609600"/>
-          </a:xfrm>
-          <a:prstGeom prst="rect">
-            <a:avLst/>
-          </a:prstGeom>
-        </p:spPr>
-      </p:pic>
-      <p:pic>
-        <p:nvPicPr>
-          <p:cNvPr id="23" name="図 22" descr="アイコン&#10;&#10;自動的に生成された説明">
-            <a:extLst>
-              <a:ext uri="{FF2B5EF4-FFF2-40B4-BE49-F238E27FC236}">
-                <a16:creationId xmlns:a16="http://schemas.microsoft.com/office/drawing/2014/main" id="{90DFF7B7-929A-4160-B5C9-E8CDFA5D6347}"/>
-              </a:ext>
-            </a:extLst>
-          </p:cNvPr>
-          <p:cNvPicPr>
-            <a:picLocks noChangeAspect="1"/>
-          </p:cNvPicPr>
-          <p:nvPr/>
-        </p:nvPicPr>
-        <p:blipFill>
-          <a:blip r:embed="rId4">
-            <a:extLst>
-              <a:ext uri="{28A0092B-C50C-407E-A947-70E740481C1C}">
-                <a14:useLocalDpi xmlns:a14="http://schemas.microsoft.com/office/drawing/2010/main" val="0"/>
-              </a:ext>
-            </a:extLst>
-          </a:blip>
-          <a:stretch>
-            <a:fillRect/>
-          </a:stretch>
-        </p:blipFill>
-        <p:spPr>
-          <a:xfrm>
-            <a:off x="475117" y="5853583"/>
-            <a:ext cx="609600" cy="609600"/>
-          </a:xfrm>
-          <a:prstGeom prst="rect">
-            <a:avLst/>
-          </a:prstGeom>
-        </p:spPr>
-      </p:pic>
-      <p:pic>
-        <p:nvPicPr>
-          <p:cNvPr id="24" name="図 23">
-            <a:extLst>
-              <a:ext uri="{FF2B5EF4-FFF2-40B4-BE49-F238E27FC236}">
-                <a16:creationId xmlns:a16="http://schemas.microsoft.com/office/drawing/2014/main" id="{16342F97-719C-4F4C-860F-6C99E123DCA4}"/>
-              </a:ext>
-            </a:extLst>
-          </p:cNvPr>
-          <p:cNvPicPr>
-            <a:picLocks noChangeAspect="1"/>
-          </p:cNvPicPr>
-          <p:nvPr/>
-        </p:nvPicPr>
-        <p:blipFill>
-          <a:blip r:embed="rId5">
-            <a:extLst>
-              <a:ext uri="{28A0092B-C50C-407E-A947-70E740481C1C}">
-                <a14:useLocalDpi xmlns:a14="http://schemas.microsoft.com/office/drawing/2010/main" val="0"/>
-              </a:ext>
-            </a:extLst>
-          </a:blip>
-          <a:stretch>
-            <a:fillRect/>
-          </a:stretch>
-        </p:blipFill>
-        <p:spPr>
-          <a:xfrm>
-            <a:off x="489602" y="4848884"/>
-            <a:ext cx="609600" cy="609600"/>
-          </a:xfrm>
-          <a:prstGeom prst="rect">
-            <a:avLst/>
-          </a:prstGeom>
-        </p:spPr>
-      </p:pic>
-      <p:pic>
-        <p:nvPicPr>
-          <p:cNvPr id="25" name="図 24">
-            <a:extLst>
-              <a:ext uri="{FF2B5EF4-FFF2-40B4-BE49-F238E27FC236}">
-                <a16:creationId xmlns:a16="http://schemas.microsoft.com/office/drawing/2014/main" id="{847149EC-53F4-4DDC-A48D-4AD0A37C918D}"/>
-              </a:ext>
-            </a:extLst>
-          </p:cNvPr>
-          <p:cNvPicPr>
-            <a:picLocks noChangeAspect="1"/>
-          </p:cNvPicPr>
-          <p:nvPr/>
-        </p:nvPicPr>
-        <p:blipFill>
-          <a:blip r:embed="rId5">
-            <a:extLst>
-              <a:ext uri="{28A0092B-C50C-407E-A947-70E740481C1C}">
-                <a14:useLocalDpi xmlns:a14="http://schemas.microsoft.com/office/drawing/2010/main" val="0"/>
-              </a:ext>
-            </a:extLst>
-          </a:blip>
-          <a:stretch>
-            <a:fillRect/>
-          </a:stretch>
-        </p:blipFill>
-        <p:spPr>
-          <a:xfrm>
-            <a:off x="1778524" y="5853583"/>
-            <a:ext cx="609600" cy="609600"/>
-          </a:xfrm>
-          <a:prstGeom prst="rect">
-            <a:avLst/>
-          </a:prstGeom>
-        </p:spPr>
-      </p:pic>
-      <p:pic>
-        <p:nvPicPr>
-          <p:cNvPr id="26" name="図 25">
-            <a:extLst>
-              <a:ext uri="{FF2B5EF4-FFF2-40B4-BE49-F238E27FC236}">
-                <a16:creationId xmlns:a16="http://schemas.microsoft.com/office/drawing/2014/main" id="{5A01EE3E-E8C7-4372-A4C8-1A2358EA5F94}"/>
-              </a:ext>
-            </a:extLst>
-          </p:cNvPr>
-          <p:cNvPicPr>
-            <a:picLocks noChangeAspect="1"/>
-          </p:cNvPicPr>
-          <p:nvPr/>
-        </p:nvPicPr>
-        <p:blipFill>
-          <a:blip r:embed="rId5">
-            <a:extLst>
-              <a:ext uri="{28A0092B-C50C-407E-A947-70E740481C1C}">
-                <a14:useLocalDpi xmlns:a14="http://schemas.microsoft.com/office/drawing/2010/main" val="0"/>
-              </a:ext>
-            </a:extLst>
-          </a:blip>
-          <a:stretch>
-            <a:fillRect/>
-          </a:stretch>
-        </p:blipFill>
-        <p:spPr>
-          <a:xfrm>
-            <a:off x="1099202" y="5853583"/>
-            <a:ext cx="609600" cy="609600"/>
-          </a:xfrm>
-          <a:prstGeom prst="rect">
-            <a:avLst/>
-          </a:prstGeom>
-        </p:spPr>
-      </p:pic>
-      <p:pic>
-        <p:nvPicPr>
-          <p:cNvPr id="27" name="図 26" descr="アイコン&#10;&#10;自動的に生成された説明">
-            <a:extLst>
-              <a:ext uri="{FF2B5EF4-FFF2-40B4-BE49-F238E27FC236}">
-                <a16:creationId xmlns:a16="http://schemas.microsoft.com/office/drawing/2014/main" id="{A1B10F8C-1301-45B5-8A0A-44A846F9DE57}"/>
-              </a:ext>
-            </a:extLst>
-          </p:cNvPr>
-          <p:cNvPicPr>
-            <a:picLocks noChangeAspect="1"/>
-          </p:cNvPicPr>
-          <p:nvPr/>
-        </p:nvPicPr>
-        <p:blipFill>
-          <a:blip r:embed="rId6">
-            <a:extLst>
-              <a:ext uri="{28A0092B-C50C-407E-A947-70E740481C1C}">
-                <a14:useLocalDpi xmlns:a14="http://schemas.microsoft.com/office/drawing/2010/main" val="0"/>
-              </a:ext>
-            </a:extLst>
-          </a:blip>
-          <a:stretch>
-            <a:fillRect/>
-          </a:stretch>
-        </p:blipFill>
-        <p:spPr>
-          <a:xfrm>
-            <a:off x="1082633" y="5301911"/>
-            <a:ext cx="609600" cy="609600"/>
-          </a:xfrm>
-          <a:prstGeom prst="rect">
-            <a:avLst/>
-          </a:prstGeom>
-        </p:spPr>
-      </p:pic>
-      <p:pic>
-        <p:nvPicPr>
-          <p:cNvPr id="28" name="図 27" descr="アイコン&#10;&#10;自動的に生成された説明">
-            <a:extLst>
-              <a:ext uri="{FF2B5EF4-FFF2-40B4-BE49-F238E27FC236}">
-                <a16:creationId xmlns:a16="http://schemas.microsoft.com/office/drawing/2014/main" id="{8B53110A-376A-4A82-B786-E7177CF708BB}"/>
-              </a:ext>
-            </a:extLst>
-          </p:cNvPr>
-          <p:cNvPicPr>
-            <a:picLocks noChangeAspect="1"/>
-          </p:cNvPicPr>
-          <p:nvPr/>
-        </p:nvPicPr>
-        <p:blipFill>
-          <a:blip r:embed="rId7">
-            <a:extLst>
-              <a:ext uri="{28A0092B-C50C-407E-A947-70E740481C1C}">
-                <a14:useLocalDpi xmlns:a14="http://schemas.microsoft.com/office/drawing/2010/main" val="0"/>
-              </a:ext>
-            </a:extLst>
-          </a:blip>
-          <a:stretch>
-            <a:fillRect/>
-          </a:stretch>
-        </p:blipFill>
-        <p:spPr>
-          <a:xfrm>
-            <a:off x="4102565" y="5679647"/>
-            <a:ext cx="609600" cy="609600"/>
-          </a:xfrm>
-          <a:prstGeom prst="rect">
-            <a:avLst/>
-          </a:prstGeom>
-        </p:spPr>
-      </p:pic>
-      <p:pic>
-        <p:nvPicPr>
-          <p:cNvPr id="29" name="図 28" descr="アイコン&#10;&#10;自動的に生成された説明">
-            <a:extLst>
-              <a:ext uri="{FF2B5EF4-FFF2-40B4-BE49-F238E27FC236}">
-                <a16:creationId xmlns:a16="http://schemas.microsoft.com/office/drawing/2014/main" id="{0BA82064-F0A9-4F40-8863-C0ED8672E508}"/>
-              </a:ext>
-            </a:extLst>
-          </p:cNvPr>
-          <p:cNvPicPr>
-            <a:picLocks noChangeAspect="1"/>
-          </p:cNvPicPr>
-          <p:nvPr/>
-        </p:nvPicPr>
-        <p:blipFill>
-          <a:blip r:embed="rId7">
-            <a:extLst>
-              <a:ext uri="{28A0092B-C50C-407E-A947-70E740481C1C}">
-                <a14:useLocalDpi xmlns:a14="http://schemas.microsoft.com/office/drawing/2010/main" val="0"/>
-              </a:ext>
-            </a:extLst>
-          </a:blip>
-          <a:stretch>
-            <a:fillRect/>
-          </a:stretch>
-        </p:blipFill>
-        <p:spPr>
-          <a:xfrm>
-            <a:off x="1090918" y="4741634"/>
-            <a:ext cx="609600" cy="609600"/>
-          </a:xfrm>
-          <a:prstGeom prst="rect">
-            <a:avLst/>
-          </a:prstGeom>
-        </p:spPr>
-      </p:pic>
-      <p:pic>
-        <p:nvPicPr>
-          <p:cNvPr id="30" name="図 29" descr="アイコン&#10;&#10;自動的に生成された説明">
-            <a:extLst>
-              <a:ext uri="{FF2B5EF4-FFF2-40B4-BE49-F238E27FC236}">
-                <a16:creationId xmlns:a16="http://schemas.microsoft.com/office/drawing/2014/main" id="{51BBD268-D075-45B2-B728-9E7315FABC5B}"/>
-              </a:ext>
-            </a:extLst>
-          </p:cNvPr>
-          <p:cNvPicPr>
-            <a:picLocks noChangeAspect="1"/>
-          </p:cNvPicPr>
-          <p:nvPr/>
-        </p:nvPicPr>
-        <p:blipFill>
-          <a:blip r:embed="rId7">
-            <a:extLst>
-              <a:ext uri="{28A0092B-C50C-407E-A947-70E740481C1C}">
-                <a14:useLocalDpi xmlns:a14="http://schemas.microsoft.com/office/drawing/2010/main" val="0"/>
-              </a:ext>
-            </a:extLst>
-          </a:blip>
-          <a:stretch>
-            <a:fillRect/>
-          </a:stretch>
-        </p:blipFill>
-        <p:spPr>
-          <a:xfrm>
-            <a:off x="1743663" y="4708098"/>
-            <a:ext cx="609600" cy="609600"/>
-          </a:xfrm>
-          <a:prstGeom prst="rect">
-            <a:avLst/>
-          </a:prstGeom>
-        </p:spPr>
-      </p:pic>
-      <p:pic>
-        <p:nvPicPr>
-          <p:cNvPr id="31" name="図 30" descr="アイコン&#10;&#10;自動的に生成された説明">
-            <a:extLst>
-              <a:ext uri="{FF2B5EF4-FFF2-40B4-BE49-F238E27FC236}">
-                <a16:creationId xmlns:a16="http://schemas.microsoft.com/office/drawing/2014/main" id="{234AE3BD-1679-4115-AB95-5795B0131D97}"/>
-              </a:ext>
-            </a:extLst>
-          </p:cNvPr>
-          <p:cNvPicPr>
-            <a:picLocks noChangeAspect="1"/>
-          </p:cNvPicPr>
-          <p:nvPr/>
-        </p:nvPicPr>
-        <p:blipFill>
-          <a:blip r:embed="rId7">
-            <a:extLst>
-              <a:ext uri="{28A0092B-C50C-407E-A947-70E740481C1C}">
-                <a14:useLocalDpi xmlns:a14="http://schemas.microsoft.com/office/drawing/2010/main" val="0"/>
-              </a:ext>
-            </a:extLst>
-          </a:blip>
-          <a:stretch>
-            <a:fillRect/>
-          </a:stretch>
-        </p:blipFill>
-        <p:spPr>
-          <a:xfrm>
-            <a:off x="3555545" y="5679647"/>
-            <a:ext cx="609600" cy="609600"/>
-          </a:xfrm>
-          <a:prstGeom prst="rect">
-            <a:avLst/>
-          </a:prstGeom>
-        </p:spPr>
-      </p:pic>
-      <p:pic>
-        <p:nvPicPr>
-          <p:cNvPr id="32" name="図 31" descr="アイコン&#10;&#10;自動的に生成された説明">
-            <a:extLst>
-              <a:ext uri="{FF2B5EF4-FFF2-40B4-BE49-F238E27FC236}">
-                <a16:creationId xmlns:a16="http://schemas.microsoft.com/office/drawing/2014/main" id="{A2C013CF-3633-4712-95F4-660A221BB80F}"/>
-              </a:ext>
-            </a:extLst>
-          </p:cNvPr>
-          <p:cNvPicPr>
-            <a:picLocks noChangeAspect="1"/>
-          </p:cNvPicPr>
-          <p:nvPr/>
-        </p:nvPicPr>
-        <p:blipFill>
-          <a:blip r:embed="rId4">
-            <a:extLst>
-              <a:ext uri="{28A0092B-C50C-407E-A947-70E740481C1C}">
-                <a14:useLocalDpi xmlns:a14="http://schemas.microsoft.com/office/drawing/2010/main" val="0"/>
-              </a:ext>
-            </a:extLst>
-          </a:blip>
-          <a:stretch>
-            <a:fillRect/>
-          </a:stretch>
-        </p:blipFill>
-        <p:spPr>
-          <a:xfrm>
-            <a:off x="3008525" y="5772444"/>
-            <a:ext cx="609600" cy="609600"/>
-          </a:xfrm>
-          <a:prstGeom prst="rect">
-            <a:avLst/>
-          </a:prstGeom>
-        </p:spPr>
-      </p:pic>
-      <p:pic>
-        <p:nvPicPr>
-          <p:cNvPr id="33" name="図 32" descr="アイコン&#10;&#10;自動的に生成された説明">
-            <a:extLst>
-              <a:ext uri="{FF2B5EF4-FFF2-40B4-BE49-F238E27FC236}">
-                <a16:creationId xmlns:a16="http://schemas.microsoft.com/office/drawing/2014/main" id="{755168E3-C7B8-4A9F-8D4D-F2E5141F43DC}"/>
-              </a:ext>
-            </a:extLst>
-          </p:cNvPr>
-          <p:cNvPicPr>
-            <a:picLocks noChangeAspect="1"/>
-          </p:cNvPicPr>
-          <p:nvPr/>
-        </p:nvPicPr>
-        <p:blipFill>
-          <a:blip r:embed="rId4">
-            <a:extLst>
-              <a:ext uri="{28A0092B-C50C-407E-A947-70E740481C1C}">
-                <a14:useLocalDpi xmlns:a14="http://schemas.microsoft.com/office/drawing/2010/main" val="0"/>
-              </a:ext>
-            </a:extLst>
-          </a:blip>
-          <a:stretch>
-            <a:fillRect/>
-          </a:stretch>
-        </p:blipFill>
-        <p:spPr>
-          <a:xfrm>
-            <a:off x="2420032" y="5784027"/>
-            <a:ext cx="609600" cy="609600"/>
-          </a:xfrm>
-          <a:prstGeom prst="rect">
-            <a:avLst/>
-          </a:prstGeom>
-        </p:spPr>
-      </p:pic>
-      <p:pic>
-        <p:nvPicPr>
-          <p:cNvPr id="34" name="図 33" descr="アイコン&#10;&#10;自動的に生成された説明">
-            <a:extLst>
-              <a:ext uri="{FF2B5EF4-FFF2-40B4-BE49-F238E27FC236}">
-                <a16:creationId xmlns:a16="http://schemas.microsoft.com/office/drawing/2014/main" id="{41BF423E-3E02-4B24-99F8-AACB75F41F58}"/>
-              </a:ext>
-            </a:extLst>
-          </p:cNvPr>
-          <p:cNvPicPr>
-            <a:picLocks noChangeAspect="1"/>
-          </p:cNvPicPr>
-          <p:nvPr/>
-        </p:nvPicPr>
-        <p:blipFill>
-          <a:blip r:embed="rId4">
-            <a:extLst>
-              <a:ext uri="{28A0092B-C50C-407E-A947-70E740481C1C}">
-                <a14:useLocalDpi xmlns:a14="http://schemas.microsoft.com/office/drawing/2010/main" val="0"/>
-              </a:ext>
-            </a:extLst>
-          </a:blip>
-          <a:stretch>
-            <a:fillRect/>
-          </a:stretch>
-        </p:blipFill>
-        <p:spPr>
-          <a:xfrm>
-            <a:off x="1708802" y="4226057"/>
-            <a:ext cx="609600" cy="609600"/>
-          </a:xfrm>
-          <a:prstGeom prst="rect">
-            <a:avLst/>
-          </a:prstGeom>
-        </p:spPr>
-      </p:pic>
-      <p:pic>
-        <p:nvPicPr>
-          <p:cNvPr id="35" name="図 34" descr="アイコン&#10;&#10;自動的に生成された説明">
-            <a:extLst>
-              <a:ext uri="{FF2B5EF4-FFF2-40B4-BE49-F238E27FC236}">
-                <a16:creationId xmlns:a16="http://schemas.microsoft.com/office/drawing/2014/main" id="{1917167B-EAFD-421B-BF84-37487EBC71AA}"/>
-              </a:ext>
-            </a:extLst>
-          </p:cNvPr>
-          <p:cNvPicPr>
-            <a:picLocks noChangeAspect="1"/>
-          </p:cNvPicPr>
-          <p:nvPr/>
-        </p:nvPicPr>
-        <p:blipFill>
-          <a:blip r:embed="rId6">
-            <a:extLst>
-              <a:ext uri="{28A0092B-C50C-407E-A947-70E740481C1C}">
-                <a14:useLocalDpi xmlns:a14="http://schemas.microsoft.com/office/drawing/2010/main" val="0"/>
-              </a:ext>
-            </a:extLst>
-          </a:blip>
-          <a:stretch>
-            <a:fillRect/>
-          </a:stretch>
-        </p:blipFill>
-        <p:spPr>
-          <a:xfrm>
-            <a:off x="2358689" y="5276098"/>
-            <a:ext cx="609600" cy="609600"/>
-          </a:xfrm>
-          <a:prstGeom prst="rect">
-            <a:avLst/>
-          </a:prstGeom>
-        </p:spPr>
-      </p:pic>
-      <p:pic>
-        <p:nvPicPr>
-          <p:cNvPr id="36" name="図 35" descr="アイコン&#10;&#10;自動的に生成された説明">
-            <a:extLst>
-              <a:ext uri="{FF2B5EF4-FFF2-40B4-BE49-F238E27FC236}">
-                <a16:creationId xmlns:a16="http://schemas.microsoft.com/office/drawing/2014/main" id="{681D2A7D-02E2-4164-88F5-1E70FE58D681}"/>
-              </a:ext>
-            </a:extLst>
-          </p:cNvPr>
-          <p:cNvPicPr>
-            <a:picLocks noChangeAspect="1"/>
-          </p:cNvPicPr>
-          <p:nvPr/>
-        </p:nvPicPr>
-        <p:blipFill>
-          <a:blip r:embed="rId6">
-            <a:extLst>
-              <a:ext uri="{28A0092B-C50C-407E-A947-70E740481C1C}">
-                <a14:useLocalDpi xmlns:a14="http://schemas.microsoft.com/office/drawing/2010/main" val="0"/>
-              </a:ext>
-            </a:extLst>
-          </a:blip>
-          <a:stretch>
-            <a:fillRect/>
-          </a:stretch>
-        </p:blipFill>
-        <p:spPr>
-          <a:xfrm>
-            <a:off x="3533660" y="4534162"/>
-            <a:ext cx="609600" cy="609600"/>
-          </a:xfrm>
-          <a:prstGeom prst="rect">
-            <a:avLst/>
-          </a:prstGeom>
-        </p:spPr>
-      </p:pic>
-      <p:pic>
-        <p:nvPicPr>
-          <p:cNvPr id="37" name="図 36" descr="アイコン&#10;&#10;自動的に生成された説明">
-            <a:extLst>
-              <a:ext uri="{FF2B5EF4-FFF2-40B4-BE49-F238E27FC236}">
-                <a16:creationId xmlns:a16="http://schemas.microsoft.com/office/drawing/2014/main" id="{92B52A93-E361-4723-B62E-736F058EE340}"/>
-              </a:ext>
-            </a:extLst>
-          </p:cNvPr>
-          <p:cNvPicPr>
-            <a:picLocks noChangeAspect="1"/>
-          </p:cNvPicPr>
-          <p:nvPr/>
-        </p:nvPicPr>
-        <p:blipFill>
-          <a:blip r:embed="rId6">
-            <a:extLst>
-              <a:ext uri="{28A0092B-C50C-407E-A947-70E740481C1C}">
-                <a14:useLocalDpi xmlns:a14="http://schemas.microsoft.com/office/drawing/2010/main" val="0"/>
-              </a:ext>
-            </a:extLst>
-          </a:blip>
-          <a:stretch>
-            <a:fillRect/>
-          </a:stretch>
-        </p:blipFill>
-        <p:spPr>
-          <a:xfrm>
-            <a:off x="3542402" y="5197660"/>
-            <a:ext cx="609600" cy="609600"/>
-          </a:xfrm>
-          <a:prstGeom prst="rect">
-            <a:avLst/>
-          </a:prstGeom>
-        </p:spPr>
-      </p:pic>
-      <p:sp>
-        <p:nvSpPr>
-          <p:cNvPr id="38" name="正方形/長方形 37">
-            <a:extLst>
-              <a:ext uri="{FF2B5EF4-FFF2-40B4-BE49-F238E27FC236}">
-                <a16:creationId xmlns:a16="http://schemas.microsoft.com/office/drawing/2014/main" id="{66A5EB5B-EF76-41E1-8A65-2D6DB52726D1}"/>
-              </a:ext>
-            </a:extLst>
-          </p:cNvPr>
-          <p:cNvSpPr/>
-          <p:nvPr/>
-        </p:nvSpPr>
-        <p:spPr>
-          <a:xfrm>
-            <a:off x="5077400" y="536712"/>
-            <a:ext cx="660006" cy="1182758"/>
-          </a:xfrm>
-          <a:prstGeom prst="rect">
-            <a:avLst/>
-          </a:prstGeom>
-          <a:solidFill>
-            <a:schemeClr val="accent6">
-              <a:alpha val="40000"/>
-            </a:schemeClr>
-          </a:solidFill>
-        </p:spPr>
-        <p:style>
-          <a:lnRef idx="2">
-            <a:schemeClr val="accent6">
-              <a:shade val="50000"/>
-            </a:schemeClr>
-          </a:lnRef>
-          <a:fillRef idx="1">
-            <a:schemeClr val="accent6"/>
-          </a:fillRef>
-          <a:effectRef idx="0">
-            <a:schemeClr val="accent6"/>
-          </a:effectRef>
-          <a:fontRef idx="minor">
-            <a:schemeClr val="lt1"/>
-          </a:fontRef>
-        </p:style>
-        <p:txBody>
-          <a:bodyPr rtlCol="0" anchor="ctr"/>
-          <a:lstStyle/>
-          <a:p>
-            <a:pPr algn="ctr"/>
-            <a:endParaRPr kumimoji="1" lang="ja-JP" altLang="en-US"/>
-          </a:p>
-        </p:txBody>
-      </p:sp>
-      <p:pic>
-        <p:nvPicPr>
-          <p:cNvPr id="41" name="図 40" descr="アイコン&#10;&#10;自動的に生成された説明">
-            <a:extLst>
-              <a:ext uri="{FF2B5EF4-FFF2-40B4-BE49-F238E27FC236}">
-                <a16:creationId xmlns:a16="http://schemas.microsoft.com/office/drawing/2014/main" id="{E7828B94-83EA-4565-903C-E3A2F966D1EF}"/>
-              </a:ext>
-            </a:extLst>
-          </p:cNvPr>
-          <p:cNvPicPr>
-            <a:picLocks noChangeAspect="1"/>
-          </p:cNvPicPr>
-          <p:nvPr/>
-        </p:nvPicPr>
-        <p:blipFill>
-          <a:blip r:embed="rId6">
-            <a:extLst>
-              <a:ext uri="{28A0092B-C50C-407E-A947-70E740481C1C}">
-                <a14:useLocalDpi xmlns:a14="http://schemas.microsoft.com/office/drawing/2010/main" val="0"/>
-              </a:ext>
-            </a:extLst>
-          </a:blip>
-          <a:stretch>
-            <a:fillRect/>
-          </a:stretch>
-        </p:blipFill>
-        <p:spPr>
-          <a:xfrm>
-            <a:off x="1636713" y="1419009"/>
-            <a:ext cx="609600" cy="609600"/>
-          </a:xfrm>
-          <a:prstGeom prst="rect">
-            <a:avLst/>
-          </a:prstGeom>
-        </p:spPr>
-      </p:pic>
-      <p:pic>
-        <p:nvPicPr>
-          <p:cNvPr id="43" name="図 42" descr="アイコン&#10;&#10;自動的に生成された説明">
-            <a:extLst>
-              <a:ext uri="{FF2B5EF4-FFF2-40B4-BE49-F238E27FC236}">
-                <a16:creationId xmlns:a16="http://schemas.microsoft.com/office/drawing/2014/main" id="{126B1D97-23C8-49E8-8A6C-57B3B6DD35D3}"/>
-              </a:ext>
-            </a:extLst>
-          </p:cNvPr>
-          <p:cNvPicPr>
-            <a:picLocks noChangeAspect="1"/>
-          </p:cNvPicPr>
-          <p:nvPr/>
-        </p:nvPicPr>
-        <p:blipFill>
-          <a:blip r:embed="rId4">
-            <a:extLst>
-              <a:ext uri="{28A0092B-C50C-407E-A947-70E740481C1C}">
-                <a14:useLocalDpi xmlns:a14="http://schemas.microsoft.com/office/drawing/2010/main" val="0"/>
-              </a:ext>
-            </a:extLst>
-          </a:blip>
-          <a:stretch>
-            <a:fillRect/>
-          </a:stretch>
-        </p:blipFill>
-        <p:spPr>
-          <a:xfrm>
-            <a:off x="1636713" y="2007652"/>
-            <a:ext cx="609600" cy="609600"/>
-          </a:xfrm>
-          <a:prstGeom prst="rect">
-            <a:avLst/>
-          </a:prstGeom>
-        </p:spPr>
-      </p:pic>
-      <p:pic>
-        <p:nvPicPr>
-          <p:cNvPr id="44" name="図 43" descr="アイコン&#10;&#10;自動的に生成された説明">
-            <a:extLst>
-              <a:ext uri="{FF2B5EF4-FFF2-40B4-BE49-F238E27FC236}">
-                <a16:creationId xmlns:a16="http://schemas.microsoft.com/office/drawing/2014/main" id="{0BDF6C8D-EEA4-402D-9AA5-1CD6766069E0}"/>
-              </a:ext>
-            </a:extLst>
-          </p:cNvPr>
-          <p:cNvPicPr>
-            <a:picLocks noChangeAspect="1"/>
-          </p:cNvPicPr>
-          <p:nvPr/>
-        </p:nvPicPr>
-        <p:blipFill>
-          <a:blip r:embed="rId6">
-            <a:extLst>
-              <a:ext uri="{28A0092B-C50C-407E-A947-70E740481C1C}">
-                <a14:useLocalDpi xmlns:a14="http://schemas.microsoft.com/office/drawing/2010/main" val="0"/>
-              </a:ext>
-            </a:extLst>
-          </a:blip>
-          <a:stretch>
-            <a:fillRect/>
-          </a:stretch>
-        </p:blipFill>
-        <p:spPr>
-          <a:xfrm>
-            <a:off x="5048538" y="536712"/>
-            <a:ext cx="609600" cy="609600"/>
-          </a:xfrm>
-          <a:prstGeom prst="rect">
-            <a:avLst/>
-          </a:prstGeom>
-        </p:spPr>
-      </p:pic>
-      <p:pic>
-        <p:nvPicPr>
-          <p:cNvPr id="45" name="図 44" descr="アイコン&#10;&#10;自動的に生成された説明">
-            <a:extLst>
-              <a:ext uri="{FF2B5EF4-FFF2-40B4-BE49-F238E27FC236}">
-                <a16:creationId xmlns:a16="http://schemas.microsoft.com/office/drawing/2014/main" id="{156AC96F-6F10-48AD-8784-53F8C7BB2A8D}"/>
-              </a:ext>
-            </a:extLst>
-          </p:cNvPr>
-          <p:cNvPicPr>
-            <a:picLocks noChangeAspect="1"/>
-          </p:cNvPicPr>
-          <p:nvPr/>
-        </p:nvPicPr>
-        <p:blipFill>
-          <a:blip r:embed="rId7">
-            <a:extLst>
-              <a:ext uri="{28A0092B-C50C-407E-A947-70E740481C1C}">
-                <a14:useLocalDpi xmlns:a14="http://schemas.microsoft.com/office/drawing/2010/main" val="0"/>
-              </a:ext>
-            </a:extLst>
-          </a:blip>
-          <a:stretch>
-            <a:fillRect/>
-          </a:stretch>
-        </p:blipFill>
-        <p:spPr>
-          <a:xfrm>
-            <a:off x="5102603" y="975674"/>
-            <a:ext cx="609600" cy="609600"/>
-          </a:xfrm>
-          <a:prstGeom prst="rect">
-            <a:avLst/>
-          </a:prstGeom>
-        </p:spPr>
-      </p:pic>
-      <p:sp>
-        <p:nvSpPr>
-          <p:cNvPr id="46" name="吹き出し: 角を丸めた四角形 45">
-            <a:extLst>
-              <a:ext uri="{FF2B5EF4-FFF2-40B4-BE49-F238E27FC236}">
-                <a16:creationId xmlns:a16="http://schemas.microsoft.com/office/drawing/2014/main" id="{C286050C-76BB-4141-AFAD-BAAD5403DF15}"/>
-              </a:ext>
-            </a:extLst>
-          </p:cNvPr>
-          <p:cNvSpPr/>
-          <p:nvPr/>
-        </p:nvSpPr>
-        <p:spPr>
-          <a:xfrm>
-            <a:off x="6349152" y="518736"/>
-            <a:ext cx="3381257" cy="2462383"/>
-          </a:xfrm>
-          <a:prstGeom prst="wedgeRoundRectCallout">
-            <a:avLst>
-              <a:gd name="adj1" fmla="val 34373"/>
-              <a:gd name="adj2" fmla="val 61102"/>
-              <a:gd name="adj3" fmla="val 16667"/>
-            </a:avLst>
-          </a:prstGeom>
-          <a:ln w="25400"/>
-        </p:spPr>
-        <p:style>
-          <a:lnRef idx="2">
-            <a:schemeClr val="dk1"/>
-          </a:lnRef>
-          <a:fillRef idx="1">
-            <a:schemeClr val="lt1"/>
-          </a:fillRef>
-          <a:effectRef idx="0">
-            <a:schemeClr val="dk1"/>
-          </a:effectRef>
-          <a:fontRef idx="minor">
-            <a:schemeClr val="dk1"/>
-          </a:fontRef>
-        </p:style>
-        <p:txBody>
-          <a:bodyPr rtlCol="0" anchor="ctr"/>
-          <a:lstStyle/>
-          <a:p>
-            <a:pPr algn="ctr"/>
-            <a:endParaRPr kumimoji="1" lang="ja-JP" altLang="en-US"/>
-          </a:p>
-        </p:txBody>
-      </p:sp>
-      <p:pic>
-        <p:nvPicPr>
-          <p:cNvPr id="47" name="図 46" descr="アイコン&#10;&#10;自動的に生成された説明">
-            <a:extLst>
-              <a:ext uri="{FF2B5EF4-FFF2-40B4-BE49-F238E27FC236}">
-                <a16:creationId xmlns:a16="http://schemas.microsoft.com/office/drawing/2014/main" id="{29E53B29-542F-418F-9E96-32006A57A74C}"/>
-              </a:ext>
-            </a:extLst>
-          </p:cNvPr>
-          <p:cNvPicPr>
-            <a:picLocks noChangeAspect="1"/>
-          </p:cNvPicPr>
-          <p:nvPr/>
-        </p:nvPicPr>
-        <p:blipFill>
-          <a:blip r:embed="rId8">
-            <a:extLst>
-              <a:ext uri="{28A0092B-C50C-407E-A947-70E740481C1C}">
-                <a14:useLocalDpi xmlns:a14="http://schemas.microsoft.com/office/drawing/2010/main" val="0"/>
-              </a:ext>
-            </a:extLst>
-          </a:blip>
-          <a:stretch>
-            <a:fillRect/>
-          </a:stretch>
-        </p:blipFill>
-        <p:spPr>
-          <a:xfrm>
-            <a:off x="6732618" y="633743"/>
-            <a:ext cx="2574178" cy="1728590"/>
-          </a:xfrm>
-          <a:prstGeom prst="rect">
-            <a:avLst/>
-          </a:prstGeom>
-        </p:spPr>
-      </p:pic>
-      <p:pic>
-        <p:nvPicPr>
-          <p:cNvPr id="48" name="図 47" descr="アイコン&#10;&#10;自動的に生成された説明">
-            <a:extLst>
-              <a:ext uri="{FF2B5EF4-FFF2-40B4-BE49-F238E27FC236}">
-                <a16:creationId xmlns:a16="http://schemas.microsoft.com/office/drawing/2014/main" id="{D57F6B88-167E-41E3-94A8-1B58C1B12BA2}"/>
-              </a:ext>
-            </a:extLst>
-          </p:cNvPr>
-          <p:cNvPicPr>
-            <a:picLocks noChangeAspect="1"/>
-          </p:cNvPicPr>
-          <p:nvPr/>
-        </p:nvPicPr>
-        <p:blipFill>
-          <a:blip r:embed="rId4">
-            <a:alphaModFix/>
-            <a:grayscl/>
-            <a:extLst>
-              <a:ext uri="{28A0092B-C50C-407E-A947-70E740481C1C}">
-                <a14:useLocalDpi xmlns:a14="http://schemas.microsoft.com/office/drawing/2010/main" val="0"/>
-              </a:ext>
-            </a:extLst>
-          </a:blip>
-          <a:stretch>
-            <a:fillRect/>
-          </a:stretch>
-        </p:blipFill>
-        <p:spPr>
-          <a:xfrm>
-            <a:off x="6713586" y="2305716"/>
-            <a:ext cx="609600" cy="609600"/>
-          </a:xfrm>
-          <a:prstGeom prst="rect">
-            <a:avLst/>
-          </a:prstGeom>
-        </p:spPr>
-      </p:pic>
-      <p:pic>
-        <p:nvPicPr>
-          <p:cNvPr id="49" name="図 48">
-            <a:extLst>
-              <a:ext uri="{FF2B5EF4-FFF2-40B4-BE49-F238E27FC236}">
-                <a16:creationId xmlns:a16="http://schemas.microsoft.com/office/drawing/2014/main" id="{B2F783A4-9589-4EC1-8F0B-260101B58B5A}"/>
-              </a:ext>
-            </a:extLst>
-          </p:cNvPr>
-          <p:cNvPicPr>
-            <a:picLocks noChangeAspect="1"/>
-          </p:cNvPicPr>
-          <p:nvPr/>
-        </p:nvPicPr>
-        <p:blipFill>
-          <a:blip r:embed="rId5">
-            <a:extLst>
-              <a:ext uri="{28A0092B-C50C-407E-A947-70E740481C1C}">
-                <a14:useLocalDpi xmlns:a14="http://schemas.microsoft.com/office/drawing/2010/main" val="0"/>
-              </a:ext>
-            </a:extLst>
-          </a:blip>
-          <a:stretch>
-            <a:fillRect/>
-          </a:stretch>
-        </p:blipFill>
-        <p:spPr>
-          <a:xfrm>
-            <a:off x="7385772" y="2305716"/>
-            <a:ext cx="609600" cy="609600"/>
-          </a:xfrm>
-          <a:prstGeom prst="rect">
-            <a:avLst/>
-          </a:prstGeom>
-        </p:spPr>
-      </p:pic>
-      <p:pic>
-        <p:nvPicPr>
-          <p:cNvPr id="50" name="図 49" descr="アイコン&#10;&#10;自動的に生成された説明">
-            <a:extLst>
-              <a:ext uri="{FF2B5EF4-FFF2-40B4-BE49-F238E27FC236}">
-                <a16:creationId xmlns:a16="http://schemas.microsoft.com/office/drawing/2014/main" id="{92051EBD-5817-4532-A372-08169ABA627C}"/>
-              </a:ext>
-            </a:extLst>
-          </p:cNvPr>
-          <p:cNvPicPr>
-            <a:picLocks noChangeAspect="1"/>
-          </p:cNvPicPr>
-          <p:nvPr/>
-        </p:nvPicPr>
-        <p:blipFill>
-          <a:blip r:embed="rId6">
-            <a:extLst>
-              <a:ext uri="{28A0092B-C50C-407E-A947-70E740481C1C}">
-                <a14:useLocalDpi xmlns:a14="http://schemas.microsoft.com/office/drawing/2010/main" val="0"/>
-              </a:ext>
-            </a:extLst>
-          </a:blip>
-          <a:stretch>
-            <a:fillRect/>
-          </a:stretch>
-        </p:blipFill>
-        <p:spPr>
-          <a:xfrm>
-            <a:off x="7955771" y="2237793"/>
-            <a:ext cx="609600" cy="609600"/>
-          </a:xfrm>
-          <a:prstGeom prst="rect">
-            <a:avLst/>
-          </a:prstGeom>
-        </p:spPr>
-      </p:pic>
-      <p:pic>
-        <p:nvPicPr>
-          <p:cNvPr id="51" name="図 50" descr="アイコン&#10;&#10;自動的に生成された説明">
-            <a:extLst>
-              <a:ext uri="{FF2B5EF4-FFF2-40B4-BE49-F238E27FC236}">
-                <a16:creationId xmlns:a16="http://schemas.microsoft.com/office/drawing/2014/main" id="{17A48D30-F086-478F-ABEF-23037C173D33}"/>
-              </a:ext>
-            </a:extLst>
-          </p:cNvPr>
-          <p:cNvPicPr>
-            <a:picLocks noChangeAspect="1"/>
-          </p:cNvPicPr>
-          <p:nvPr/>
-        </p:nvPicPr>
-        <p:blipFill>
-          <a:blip r:embed="rId7">
-            <a:extLst>
-              <a:ext uri="{28A0092B-C50C-407E-A947-70E740481C1C}">
-                <a14:useLocalDpi xmlns:a14="http://schemas.microsoft.com/office/drawing/2010/main" val="0"/>
-              </a:ext>
-            </a:extLst>
-          </a:blip>
-          <a:stretch>
-            <a:fillRect/>
-          </a:stretch>
-        </p:blipFill>
-        <p:spPr>
-          <a:xfrm>
-            <a:off x="8525770" y="2237793"/>
-            <a:ext cx="609600" cy="609600"/>
-          </a:xfrm>
-          <a:prstGeom prst="rect">
-            <a:avLst/>
-          </a:prstGeom>
-        </p:spPr>
-      </p:pic>
-      <p:pic>
-        <p:nvPicPr>
-          <p:cNvPr id="52" name="図 51" descr="アイコン&#10;&#10;自動的に生成された説明">
-            <a:extLst>
-              <a:ext uri="{FF2B5EF4-FFF2-40B4-BE49-F238E27FC236}">
-                <a16:creationId xmlns:a16="http://schemas.microsoft.com/office/drawing/2014/main" id="{56610AEE-32FB-4F55-890D-39992CDD9D76}"/>
-              </a:ext>
-            </a:extLst>
-          </p:cNvPr>
-          <p:cNvPicPr>
-            <a:picLocks noChangeAspect="1"/>
-          </p:cNvPicPr>
-          <p:nvPr/>
-        </p:nvPicPr>
-        <p:blipFill>
-          <a:blip r:embed="rId4">
-            <a:extLst>
-              <a:ext uri="{28A0092B-C50C-407E-A947-70E740481C1C}">
-                <a14:useLocalDpi xmlns:a14="http://schemas.microsoft.com/office/drawing/2010/main" val="0"/>
-              </a:ext>
-            </a:extLst>
-          </a:blip>
-          <a:stretch>
-            <a:fillRect/>
-          </a:stretch>
-        </p:blipFill>
-        <p:spPr>
-          <a:xfrm>
-            <a:off x="6706306" y="2299518"/>
-            <a:ext cx="609600" cy="609600"/>
-          </a:xfrm>
-          <a:prstGeom prst="rect">
-            <a:avLst/>
-          </a:prstGeom>
-        </p:spPr>
-      </p:pic>
-      <p:sp>
-        <p:nvSpPr>
-          <p:cNvPr id="53" name="四角形: 角を丸くする 52">
-            <a:extLst>
-              <a:ext uri="{FF2B5EF4-FFF2-40B4-BE49-F238E27FC236}">
-                <a16:creationId xmlns:a16="http://schemas.microsoft.com/office/drawing/2014/main" id="{003E7592-F3B9-4A0E-B7EB-6325F4D957CC}"/>
-              </a:ext>
-            </a:extLst>
-          </p:cNvPr>
-          <p:cNvSpPr/>
-          <p:nvPr/>
-        </p:nvSpPr>
-        <p:spPr>
-          <a:xfrm>
-            <a:off x="1509717" y="154497"/>
-            <a:ext cx="1670884" cy="325102"/>
-          </a:xfrm>
-          <a:prstGeom prst="roundRect">
-            <a:avLst/>
-          </a:prstGeom>
-          <a:solidFill>
-            <a:schemeClr val="accent2">
-              <a:lumMod val="40000"/>
-              <a:lumOff val="60000"/>
-              <a:alpha val="60000"/>
-            </a:schemeClr>
-          </a:solidFill>
-          <a:ln>
-            <a:solidFill>
-              <a:schemeClr val="accent6">
-                <a:lumMod val="75000"/>
-              </a:schemeClr>
-            </a:solidFill>
-          </a:ln>
-        </p:spPr>
-        <p:style>
-          <a:lnRef idx="2">
-            <a:schemeClr val="accent1">
-              <a:shade val="50000"/>
-            </a:schemeClr>
-          </a:lnRef>
-          <a:fillRef idx="1">
-            <a:schemeClr val="accent1"/>
-          </a:fillRef>
-          <a:effectRef idx="0">
-            <a:schemeClr val="accent1"/>
-          </a:effectRef>
-          <a:fontRef idx="minor">
-            <a:schemeClr val="lt1"/>
-          </a:fontRef>
-        </p:style>
-        <p:txBody>
-          <a:bodyPr rtlCol="0" anchor="ctr"/>
-          <a:lstStyle/>
-          <a:p>
-            <a:pPr algn="ctr"/>
-            <a:endParaRPr kumimoji="1" lang="ja-JP" altLang="en-US" dirty="0"/>
-          </a:p>
-        </p:txBody>
-      </p:sp>
-      <p:sp>
-        <p:nvSpPr>
-          <p:cNvPr id="54" name="テキスト ボックス 53">
-            <a:extLst>
-              <a:ext uri="{FF2B5EF4-FFF2-40B4-BE49-F238E27FC236}">
-                <a16:creationId xmlns:a16="http://schemas.microsoft.com/office/drawing/2014/main" id="{37CDF2DF-7A7B-444E-9CF4-4163028A0250}"/>
-              </a:ext>
-            </a:extLst>
-          </p:cNvPr>
-          <p:cNvSpPr txBox="1"/>
-          <p:nvPr/>
-        </p:nvSpPr>
-        <p:spPr>
-          <a:xfrm>
-            <a:off x="2230225" y="135090"/>
-            <a:ext cx="1324575" cy="369332"/>
-          </a:xfrm>
-          <a:prstGeom prst="rect">
-            <a:avLst/>
-          </a:prstGeom>
-          <a:noFill/>
-        </p:spPr>
-        <p:txBody>
-          <a:bodyPr wrap="square" rtlCol="0">
-            <a:spAutoFit/>
-          </a:bodyPr>
-          <a:lstStyle/>
-          <a:p>
-            <a:r>
-              <a:rPr lang="en-US" altLang="ja-JP" dirty="0">
-                <a:latin typeface="Arial Black" panose="020B0A04020102020204" pitchFamily="34" charset="0"/>
-              </a:rPr>
-              <a:t>1,</a:t>
-            </a:r>
-            <a:r>
-              <a:rPr kumimoji="1" lang="en-US" altLang="ja-JP" dirty="0">
-                <a:latin typeface="Arial Black" panose="020B0A04020102020204" pitchFamily="34" charset="0"/>
-              </a:rPr>
-              <a:t>440</a:t>
-            </a:r>
-            <a:endParaRPr kumimoji="1" lang="ja-JP" altLang="en-US" dirty="0">
-              <a:latin typeface="Arial Black" panose="020B0A04020102020204" pitchFamily="34" charset="0"/>
-            </a:endParaRPr>
-          </a:p>
-        </p:txBody>
-      </p:sp>
-      <p:sp>
-        <p:nvSpPr>
-          <p:cNvPr id="55" name="テキスト ボックス 54">
-            <a:extLst>
-              <a:ext uri="{FF2B5EF4-FFF2-40B4-BE49-F238E27FC236}">
-                <a16:creationId xmlns:a16="http://schemas.microsoft.com/office/drawing/2014/main" id="{18B1B84B-6E14-41DF-9652-ACE88C45CDAB}"/>
-              </a:ext>
-            </a:extLst>
-          </p:cNvPr>
-          <p:cNvSpPr txBox="1"/>
-          <p:nvPr/>
-        </p:nvSpPr>
-        <p:spPr>
-          <a:xfrm>
-            <a:off x="375943" y="132382"/>
-            <a:ext cx="1324575" cy="369332"/>
-          </a:xfrm>
-          <a:prstGeom prst="rect">
-            <a:avLst/>
-          </a:prstGeom>
-          <a:noFill/>
-        </p:spPr>
-        <p:txBody>
-          <a:bodyPr wrap="square" rtlCol="0">
-            <a:spAutoFit/>
-          </a:bodyPr>
-          <a:lstStyle/>
-          <a:p>
-            <a:r>
-              <a:rPr kumimoji="1" lang="en-US" altLang="ja-JP" dirty="0">
-                <a:latin typeface="Arial Black" panose="020B0A04020102020204" pitchFamily="34" charset="0"/>
-              </a:rPr>
-              <a:t>SCORE</a:t>
-            </a:r>
-            <a:endParaRPr kumimoji="1" lang="ja-JP" altLang="en-US" dirty="0">
-              <a:latin typeface="Arial Black" panose="020B0A04020102020204" pitchFamily="34" charset="0"/>
-            </a:endParaRPr>
-          </a:p>
-        </p:txBody>
-      </p:sp>
-      <p:sp>
-        <p:nvSpPr>
-          <p:cNvPr id="56" name="四角形: 角を丸くする 55">
-            <a:extLst>
-              <a:ext uri="{FF2B5EF4-FFF2-40B4-BE49-F238E27FC236}">
-                <a16:creationId xmlns:a16="http://schemas.microsoft.com/office/drawing/2014/main" id="{5EE726D4-4C26-4B93-A6AB-72E8C5FA70D0}"/>
-              </a:ext>
-            </a:extLst>
-          </p:cNvPr>
-          <p:cNvSpPr/>
-          <p:nvPr/>
-        </p:nvSpPr>
-        <p:spPr>
-          <a:xfrm>
-            <a:off x="11589102" y="216473"/>
-            <a:ext cx="305412" cy="293614"/>
-          </a:xfrm>
-          <a:prstGeom prst="roundRect">
-            <a:avLst/>
-          </a:prstGeom>
-        </p:spPr>
-        <p:style>
-          <a:lnRef idx="2">
-            <a:schemeClr val="accent3">
-              <a:shade val="50000"/>
-            </a:schemeClr>
-          </a:lnRef>
-          <a:fillRef idx="1">
-            <a:schemeClr val="accent3"/>
-          </a:fillRef>
-          <a:effectRef idx="0">
-            <a:schemeClr val="accent3"/>
-          </a:effectRef>
-          <a:fontRef idx="minor">
-            <a:schemeClr val="lt1"/>
-          </a:fontRef>
-        </p:style>
-        <p:txBody>
-          <a:bodyPr rtlCol="0" anchor="ctr"/>
-          <a:lstStyle/>
-          <a:p>
-            <a:pPr algn="ctr"/>
-            <a:endParaRPr kumimoji="1" lang="ja-JP" altLang="en-US"/>
-          </a:p>
-        </p:txBody>
-      </p:sp>
-      <p:sp>
-        <p:nvSpPr>
-          <p:cNvPr id="57" name="テキスト ボックス 56">
-            <a:extLst>
-              <a:ext uri="{FF2B5EF4-FFF2-40B4-BE49-F238E27FC236}">
-                <a16:creationId xmlns:a16="http://schemas.microsoft.com/office/drawing/2014/main" id="{09D88AFF-D965-4A53-8833-65BFA96273E5}"/>
-              </a:ext>
-            </a:extLst>
-          </p:cNvPr>
-          <p:cNvSpPr txBox="1"/>
-          <p:nvPr/>
-        </p:nvSpPr>
-        <p:spPr>
-          <a:xfrm>
-            <a:off x="11563898" y="178614"/>
-            <a:ext cx="305412" cy="369332"/>
-          </a:xfrm>
-          <a:prstGeom prst="rect">
-            <a:avLst/>
-          </a:prstGeom>
-          <a:noFill/>
-        </p:spPr>
-        <p:txBody>
-          <a:bodyPr wrap="square" rtlCol="0">
-            <a:spAutoFit/>
-          </a:bodyPr>
-          <a:lstStyle/>
-          <a:p>
-            <a:r>
-              <a:rPr lang="en-US" altLang="ja-JP" b="1" dirty="0"/>
-              <a:t>+</a:t>
-            </a:r>
-            <a:endParaRPr kumimoji="1" lang="ja-JP" altLang="en-US" b="1" dirty="0"/>
-          </a:p>
-        </p:txBody>
-      </p:sp>
     </p:spTree>
     <p:extLst>
       <p:ext uri="{BB962C8B-B14F-4D97-AF65-F5344CB8AC3E}">
-        <p14:creationId xmlns:p14="http://schemas.microsoft.com/office/powerpoint/2010/main" val="90564127"/>
+        <p14:creationId xmlns:p14="http://schemas.microsoft.com/office/powerpoint/2010/main" val="1161436261"/>
       </p:ext>
     </p:extLst>
   </p:cSld>
@@ -5076,1373 +3872,80 @@
           <a:chExt cx="0" cy="0"/>
         </a:xfrm>
       </p:grpSpPr>
-      <p:pic>
-        <p:nvPicPr>
-          <p:cNvPr id="6" name="図 5" descr="建物, 屋外, ストリート, レンガ が含まれている画像&#10;&#10;自動的に生成された説明">
-            <a:extLst>
-              <a:ext uri="{FF2B5EF4-FFF2-40B4-BE49-F238E27FC236}">
-                <a16:creationId xmlns:a16="http://schemas.microsoft.com/office/drawing/2014/main" id="{20EB8AE7-1E83-47C9-8EF7-F0D753D96EC0}"/>
-              </a:ext>
-            </a:extLst>
-          </p:cNvPr>
-          <p:cNvPicPr>
-            <a:picLocks noChangeAspect="1"/>
-          </p:cNvPicPr>
-          <p:nvPr/>
-        </p:nvPicPr>
-        <p:blipFill>
-          <a:blip r:embed="rId2">
-            <a:alphaModFix/>
-            <a:extLst>
-              <a:ext uri="{28A0092B-C50C-407E-A947-70E740481C1C}">
-                <a14:useLocalDpi xmlns:a14="http://schemas.microsoft.com/office/drawing/2010/main" val="0"/>
-              </a:ext>
-            </a:extLst>
-          </a:blip>
-          <a:stretch>
-            <a:fillRect/>
-          </a:stretch>
-        </p:blipFill>
-        <p:spPr>
-          <a:xfrm>
-            <a:off x="135006" y="104360"/>
-            <a:ext cx="11911219" cy="6670283"/>
-          </a:xfrm>
-          <a:prstGeom prst="rect">
-            <a:avLst/>
-          </a:prstGeom>
-        </p:spPr>
-      </p:pic>
-      <p:sp>
-        <p:nvSpPr>
-          <p:cNvPr id="7" name="正方形/長方形 6">
-            <a:extLst>
-              <a:ext uri="{FF2B5EF4-FFF2-40B4-BE49-F238E27FC236}">
-                <a16:creationId xmlns:a16="http://schemas.microsoft.com/office/drawing/2014/main" id="{307A6712-312C-48D8-B574-C8F8B9A43ED9}"/>
-              </a:ext>
-            </a:extLst>
-          </p:cNvPr>
-          <p:cNvSpPr/>
-          <p:nvPr/>
-        </p:nvSpPr>
-        <p:spPr>
-          <a:xfrm>
-            <a:off x="308180" y="536712"/>
-            <a:ext cx="4722220" cy="6115316"/>
-          </a:xfrm>
-          <a:prstGeom prst="rect">
-            <a:avLst/>
-          </a:prstGeom>
-          <a:solidFill>
-            <a:schemeClr val="accent2">
-              <a:lumMod val="40000"/>
-              <a:lumOff val="60000"/>
-              <a:alpha val="76000"/>
-            </a:schemeClr>
-          </a:solidFill>
-          <a:ln w="38100">
-            <a:solidFill>
-              <a:schemeClr val="accent6">
-                <a:lumMod val="75000"/>
-              </a:schemeClr>
-            </a:solidFill>
-          </a:ln>
-        </p:spPr>
-        <p:style>
-          <a:lnRef idx="2">
-            <a:schemeClr val="accent1">
-              <a:shade val="50000"/>
-            </a:schemeClr>
-          </a:lnRef>
-          <a:fillRef idx="1">
-            <a:schemeClr val="accent1"/>
-          </a:fillRef>
-          <a:effectRef idx="0">
-            <a:schemeClr val="accent1"/>
-          </a:effectRef>
-          <a:fontRef idx="minor">
-            <a:schemeClr val="lt1"/>
-          </a:fontRef>
-        </p:style>
-        <p:txBody>
-          <a:bodyPr rtlCol="0" anchor="ctr"/>
+      <p:sp>
+        <p:nvSpPr>
+          <p:cNvPr id="2" name="タイトル 1">
+            <a:extLst>
+              <a:ext uri="{FF2B5EF4-FFF2-40B4-BE49-F238E27FC236}">
+                <a16:creationId xmlns:a16="http://schemas.microsoft.com/office/drawing/2014/main" id="{362DC3DA-5528-4288-82A5-7C742AD2D2B1}"/>
+              </a:ext>
+            </a:extLst>
+          </p:cNvPr>
+          <p:cNvSpPr>
+            <a:spLocks noGrp="1"/>
+          </p:cNvSpPr>
+          <p:nvPr>
+            <p:ph type="title"/>
+          </p:nvPr>
+        </p:nvSpPr>
+        <p:spPr/>
+        <p:txBody>
+          <a:bodyPr/>
           <a:lstStyle/>
           <a:p>
-            <a:pPr algn="ctr"/>
             <a:endParaRPr kumimoji="1" lang="ja-JP" altLang="en-US"/>
           </a:p>
         </p:txBody>
       </p:sp>
-      <p:pic>
-        <p:nvPicPr>
-          <p:cNvPr id="21" name="図 20" descr="アイコン&#10;&#10;自動的に生成された説明">
-            <a:extLst>
-              <a:ext uri="{FF2B5EF4-FFF2-40B4-BE49-F238E27FC236}">
-                <a16:creationId xmlns:a16="http://schemas.microsoft.com/office/drawing/2014/main" id="{77EDF7BB-745B-4B00-988D-7D252A5CADB6}"/>
-              </a:ext>
-            </a:extLst>
-          </p:cNvPr>
-          <p:cNvPicPr>
-            <a:picLocks noChangeAspect="1"/>
-          </p:cNvPicPr>
-          <p:nvPr/>
-        </p:nvPicPr>
-        <p:blipFill>
-          <a:blip r:embed="rId3">
-            <a:extLst>
-              <a:ext uri="{28A0092B-C50C-407E-A947-70E740481C1C}">
-                <a14:useLocalDpi xmlns:a14="http://schemas.microsoft.com/office/drawing/2010/main" val="0"/>
-              </a:ext>
-            </a:extLst>
-          </a:blip>
-          <a:stretch>
-            <a:fillRect/>
-          </a:stretch>
-        </p:blipFill>
-        <p:spPr>
-          <a:xfrm>
-            <a:off x="1746002" y="5338007"/>
-            <a:ext cx="609600" cy="609600"/>
-          </a:xfrm>
-          <a:prstGeom prst="rect">
-            <a:avLst/>
-          </a:prstGeom>
-        </p:spPr>
-      </p:pic>
-      <p:pic>
-        <p:nvPicPr>
-          <p:cNvPr id="22" name="図 21" descr="アイコン&#10;&#10;自動的に生成された説明">
-            <a:extLst>
-              <a:ext uri="{FF2B5EF4-FFF2-40B4-BE49-F238E27FC236}">
-                <a16:creationId xmlns:a16="http://schemas.microsoft.com/office/drawing/2014/main" id="{0ACB5144-43FE-4797-99BE-01961535147A}"/>
-              </a:ext>
-            </a:extLst>
-          </p:cNvPr>
-          <p:cNvPicPr>
-            <a:picLocks noChangeAspect="1"/>
-          </p:cNvPicPr>
-          <p:nvPr/>
-        </p:nvPicPr>
-        <p:blipFill>
-          <a:blip r:embed="rId3">
-            <a:extLst>
-              <a:ext uri="{28A0092B-C50C-407E-A947-70E740481C1C}">
-                <a14:useLocalDpi xmlns:a14="http://schemas.microsoft.com/office/drawing/2010/main" val="0"/>
-              </a:ext>
-            </a:extLst>
-          </a:blip>
-          <a:stretch>
-            <a:fillRect/>
-          </a:stretch>
-        </p:blipFill>
-        <p:spPr>
-          <a:xfrm>
-            <a:off x="475117" y="5359905"/>
-            <a:ext cx="609600" cy="609600"/>
-          </a:xfrm>
-          <a:prstGeom prst="rect">
-            <a:avLst/>
-          </a:prstGeom>
-        </p:spPr>
-      </p:pic>
-      <p:pic>
-        <p:nvPicPr>
-          <p:cNvPr id="23" name="図 22" descr="アイコン&#10;&#10;自動的に生成された説明">
-            <a:extLst>
-              <a:ext uri="{FF2B5EF4-FFF2-40B4-BE49-F238E27FC236}">
-                <a16:creationId xmlns:a16="http://schemas.microsoft.com/office/drawing/2014/main" id="{90DFF7B7-929A-4160-B5C9-E8CDFA5D6347}"/>
-              </a:ext>
-            </a:extLst>
-          </p:cNvPr>
-          <p:cNvPicPr>
-            <a:picLocks noChangeAspect="1"/>
-          </p:cNvPicPr>
-          <p:nvPr/>
-        </p:nvPicPr>
-        <p:blipFill>
-          <a:blip r:embed="rId3">
-            <a:extLst>
-              <a:ext uri="{28A0092B-C50C-407E-A947-70E740481C1C}">
-                <a14:useLocalDpi xmlns:a14="http://schemas.microsoft.com/office/drawing/2010/main" val="0"/>
-              </a:ext>
-            </a:extLst>
-          </a:blip>
-          <a:stretch>
-            <a:fillRect/>
-          </a:stretch>
-        </p:blipFill>
-        <p:spPr>
-          <a:xfrm>
-            <a:off x="475117" y="5853583"/>
-            <a:ext cx="609600" cy="609600"/>
-          </a:xfrm>
-          <a:prstGeom prst="rect">
-            <a:avLst/>
-          </a:prstGeom>
-        </p:spPr>
-      </p:pic>
-      <p:pic>
-        <p:nvPicPr>
-          <p:cNvPr id="24" name="図 23">
-            <a:extLst>
-              <a:ext uri="{FF2B5EF4-FFF2-40B4-BE49-F238E27FC236}">
-                <a16:creationId xmlns:a16="http://schemas.microsoft.com/office/drawing/2014/main" id="{16342F97-719C-4F4C-860F-6C99E123DCA4}"/>
-              </a:ext>
-            </a:extLst>
-          </p:cNvPr>
-          <p:cNvPicPr>
-            <a:picLocks noChangeAspect="1"/>
-          </p:cNvPicPr>
-          <p:nvPr/>
-        </p:nvPicPr>
-        <p:blipFill>
-          <a:blip r:embed="rId4">
-            <a:extLst>
-              <a:ext uri="{28A0092B-C50C-407E-A947-70E740481C1C}">
-                <a14:useLocalDpi xmlns:a14="http://schemas.microsoft.com/office/drawing/2010/main" val="0"/>
-              </a:ext>
-            </a:extLst>
-          </a:blip>
-          <a:stretch>
-            <a:fillRect/>
-          </a:stretch>
-        </p:blipFill>
-        <p:spPr>
-          <a:xfrm>
-            <a:off x="489602" y="4848884"/>
-            <a:ext cx="609600" cy="609600"/>
-          </a:xfrm>
-          <a:prstGeom prst="rect">
-            <a:avLst/>
-          </a:prstGeom>
-        </p:spPr>
-      </p:pic>
-      <p:pic>
-        <p:nvPicPr>
-          <p:cNvPr id="25" name="図 24">
-            <a:extLst>
-              <a:ext uri="{FF2B5EF4-FFF2-40B4-BE49-F238E27FC236}">
-                <a16:creationId xmlns:a16="http://schemas.microsoft.com/office/drawing/2014/main" id="{847149EC-53F4-4DDC-A48D-4AD0A37C918D}"/>
-              </a:ext>
-            </a:extLst>
-          </p:cNvPr>
-          <p:cNvPicPr>
-            <a:picLocks noChangeAspect="1"/>
-          </p:cNvPicPr>
-          <p:nvPr/>
-        </p:nvPicPr>
-        <p:blipFill>
-          <a:blip r:embed="rId4">
-            <a:extLst>
-              <a:ext uri="{28A0092B-C50C-407E-A947-70E740481C1C}">
-                <a14:useLocalDpi xmlns:a14="http://schemas.microsoft.com/office/drawing/2010/main" val="0"/>
-              </a:ext>
-            </a:extLst>
-          </a:blip>
-          <a:stretch>
-            <a:fillRect/>
-          </a:stretch>
-        </p:blipFill>
-        <p:spPr>
-          <a:xfrm>
-            <a:off x="1778524" y="5853583"/>
-            <a:ext cx="609600" cy="609600"/>
-          </a:xfrm>
-          <a:prstGeom prst="rect">
-            <a:avLst/>
-          </a:prstGeom>
-        </p:spPr>
-      </p:pic>
-      <p:pic>
-        <p:nvPicPr>
-          <p:cNvPr id="26" name="図 25">
-            <a:extLst>
-              <a:ext uri="{FF2B5EF4-FFF2-40B4-BE49-F238E27FC236}">
-                <a16:creationId xmlns:a16="http://schemas.microsoft.com/office/drawing/2014/main" id="{5A01EE3E-E8C7-4372-A4C8-1A2358EA5F94}"/>
-              </a:ext>
-            </a:extLst>
-          </p:cNvPr>
-          <p:cNvPicPr>
-            <a:picLocks noChangeAspect="1"/>
-          </p:cNvPicPr>
-          <p:nvPr/>
-        </p:nvPicPr>
-        <p:blipFill>
-          <a:blip r:embed="rId4">
-            <a:extLst>
-              <a:ext uri="{28A0092B-C50C-407E-A947-70E740481C1C}">
-                <a14:useLocalDpi xmlns:a14="http://schemas.microsoft.com/office/drawing/2010/main" val="0"/>
-              </a:ext>
-            </a:extLst>
-          </a:blip>
-          <a:stretch>
-            <a:fillRect/>
-          </a:stretch>
-        </p:blipFill>
-        <p:spPr>
-          <a:xfrm>
-            <a:off x="1099202" y="5853583"/>
-            <a:ext cx="609600" cy="609600"/>
-          </a:xfrm>
-          <a:prstGeom prst="rect">
-            <a:avLst/>
-          </a:prstGeom>
-        </p:spPr>
-      </p:pic>
-      <p:pic>
-        <p:nvPicPr>
-          <p:cNvPr id="27" name="図 26" descr="アイコン&#10;&#10;自動的に生成された説明">
-            <a:extLst>
-              <a:ext uri="{FF2B5EF4-FFF2-40B4-BE49-F238E27FC236}">
-                <a16:creationId xmlns:a16="http://schemas.microsoft.com/office/drawing/2014/main" id="{A1B10F8C-1301-45B5-8A0A-44A846F9DE57}"/>
-              </a:ext>
-            </a:extLst>
-          </p:cNvPr>
-          <p:cNvPicPr>
-            <a:picLocks noChangeAspect="1"/>
-          </p:cNvPicPr>
-          <p:nvPr/>
-        </p:nvPicPr>
-        <p:blipFill>
-          <a:blip r:embed="rId5">
-            <a:extLst>
-              <a:ext uri="{28A0092B-C50C-407E-A947-70E740481C1C}">
-                <a14:useLocalDpi xmlns:a14="http://schemas.microsoft.com/office/drawing/2010/main" val="0"/>
-              </a:ext>
-            </a:extLst>
-          </a:blip>
-          <a:stretch>
-            <a:fillRect/>
-          </a:stretch>
-        </p:blipFill>
-        <p:spPr>
-          <a:xfrm>
-            <a:off x="1082633" y="5301911"/>
-            <a:ext cx="609600" cy="609600"/>
-          </a:xfrm>
-          <a:prstGeom prst="rect">
-            <a:avLst/>
-          </a:prstGeom>
-        </p:spPr>
-      </p:pic>
-      <p:pic>
-        <p:nvPicPr>
-          <p:cNvPr id="28" name="図 27" descr="アイコン&#10;&#10;自動的に生成された説明">
-            <a:extLst>
-              <a:ext uri="{FF2B5EF4-FFF2-40B4-BE49-F238E27FC236}">
-                <a16:creationId xmlns:a16="http://schemas.microsoft.com/office/drawing/2014/main" id="{8B53110A-376A-4A82-B786-E7177CF708BB}"/>
-              </a:ext>
-            </a:extLst>
-          </p:cNvPr>
-          <p:cNvPicPr>
-            <a:picLocks noChangeAspect="1"/>
-          </p:cNvPicPr>
-          <p:nvPr/>
-        </p:nvPicPr>
-        <p:blipFill>
-          <a:blip r:embed="rId6">
-            <a:extLst>
-              <a:ext uri="{28A0092B-C50C-407E-A947-70E740481C1C}">
-                <a14:useLocalDpi xmlns:a14="http://schemas.microsoft.com/office/drawing/2010/main" val="0"/>
-              </a:ext>
-            </a:extLst>
-          </a:blip>
-          <a:stretch>
-            <a:fillRect/>
-          </a:stretch>
-        </p:blipFill>
-        <p:spPr>
-          <a:xfrm>
-            <a:off x="4102565" y="5679647"/>
-            <a:ext cx="609600" cy="609600"/>
-          </a:xfrm>
-          <a:prstGeom prst="rect">
-            <a:avLst/>
-          </a:prstGeom>
-        </p:spPr>
-      </p:pic>
-      <p:pic>
-        <p:nvPicPr>
-          <p:cNvPr id="29" name="図 28" descr="アイコン&#10;&#10;自動的に生成された説明">
-            <a:extLst>
-              <a:ext uri="{FF2B5EF4-FFF2-40B4-BE49-F238E27FC236}">
-                <a16:creationId xmlns:a16="http://schemas.microsoft.com/office/drawing/2014/main" id="{0BA82064-F0A9-4F40-8863-C0ED8672E508}"/>
-              </a:ext>
-            </a:extLst>
-          </p:cNvPr>
-          <p:cNvPicPr>
-            <a:picLocks noChangeAspect="1"/>
-          </p:cNvPicPr>
-          <p:nvPr/>
-        </p:nvPicPr>
-        <p:blipFill>
-          <a:blip r:embed="rId6">
-            <a:extLst>
-              <a:ext uri="{28A0092B-C50C-407E-A947-70E740481C1C}">
-                <a14:useLocalDpi xmlns:a14="http://schemas.microsoft.com/office/drawing/2010/main" val="0"/>
-              </a:ext>
-            </a:extLst>
-          </a:blip>
-          <a:stretch>
-            <a:fillRect/>
-          </a:stretch>
-        </p:blipFill>
-        <p:spPr>
-          <a:xfrm>
-            <a:off x="1090918" y="4741634"/>
-            <a:ext cx="609600" cy="609600"/>
-          </a:xfrm>
-          <a:prstGeom prst="rect">
-            <a:avLst/>
-          </a:prstGeom>
-        </p:spPr>
-      </p:pic>
-      <p:pic>
-        <p:nvPicPr>
-          <p:cNvPr id="30" name="図 29" descr="アイコン&#10;&#10;自動的に生成された説明">
-            <a:extLst>
-              <a:ext uri="{FF2B5EF4-FFF2-40B4-BE49-F238E27FC236}">
-                <a16:creationId xmlns:a16="http://schemas.microsoft.com/office/drawing/2014/main" id="{51BBD268-D075-45B2-B728-9E7315FABC5B}"/>
-              </a:ext>
-            </a:extLst>
-          </p:cNvPr>
-          <p:cNvPicPr>
-            <a:picLocks noChangeAspect="1"/>
-          </p:cNvPicPr>
-          <p:nvPr/>
-        </p:nvPicPr>
-        <p:blipFill>
-          <a:blip r:embed="rId6">
-            <a:extLst>
-              <a:ext uri="{28A0092B-C50C-407E-A947-70E740481C1C}">
-                <a14:useLocalDpi xmlns:a14="http://schemas.microsoft.com/office/drawing/2010/main" val="0"/>
-              </a:ext>
-            </a:extLst>
-          </a:blip>
-          <a:stretch>
-            <a:fillRect/>
-          </a:stretch>
-        </p:blipFill>
-        <p:spPr>
-          <a:xfrm>
-            <a:off x="1743663" y="4708098"/>
-            <a:ext cx="609600" cy="609600"/>
-          </a:xfrm>
-          <a:prstGeom prst="rect">
-            <a:avLst/>
-          </a:prstGeom>
-        </p:spPr>
-      </p:pic>
-      <p:pic>
-        <p:nvPicPr>
-          <p:cNvPr id="31" name="図 30" descr="アイコン&#10;&#10;自動的に生成された説明">
-            <a:extLst>
-              <a:ext uri="{FF2B5EF4-FFF2-40B4-BE49-F238E27FC236}">
-                <a16:creationId xmlns:a16="http://schemas.microsoft.com/office/drawing/2014/main" id="{234AE3BD-1679-4115-AB95-5795B0131D97}"/>
-              </a:ext>
-            </a:extLst>
-          </p:cNvPr>
-          <p:cNvPicPr>
-            <a:picLocks noChangeAspect="1"/>
-          </p:cNvPicPr>
-          <p:nvPr/>
-        </p:nvPicPr>
-        <p:blipFill>
-          <a:blip r:embed="rId6">
-            <a:extLst>
-              <a:ext uri="{28A0092B-C50C-407E-A947-70E740481C1C}">
-                <a14:useLocalDpi xmlns:a14="http://schemas.microsoft.com/office/drawing/2010/main" val="0"/>
-              </a:ext>
-            </a:extLst>
-          </a:blip>
-          <a:stretch>
-            <a:fillRect/>
-          </a:stretch>
-        </p:blipFill>
-        <p:spPr>
-          <a:xfrm>
-            <a:off x="3555545" y="5679647"/>
-            <a:ext cx="609600" cy="609600"/>
-          </a:xfrm>
-          <a:prstGeom prst="rect">
-            <a:avLst/>
-          </a:prstGeom>
-        </p:spPr>
-      </p:pic>
-      <p:pic>
-        <p:nvPicPr>
-          <p:cNvPr id="34" name="図 33" descr="アイコン&#10;&#10;自動的に生成された説明">
-            <a:extLst>
-              <a:ext uri="{FF2B5EF4-FFF2-40B4-BE49-F238E27FC236}">
-                <a16:creationId xmlns:a16="http://schemas.microsoft.com/office/drawing/2014/main" id="{41BF423E-3E02-4B24-99F8-AACB75F41F58}"/>
-              </a:ext>
-            </a:extLst>
-          </p:cNvPr>
-          <p:cNvPicPr>
-            <a:picLocks noChangeAspect="1"/>
-          </p:cNvPicPr>
-          <p:nvPr/>
-        </p:nvPicPr>
-        <p:blipFill>
-          <a:blip r:embed="rId3">
-            <a:extLst>
-              <a:ext uri="{28A0092B-C50C-407E-A947-70E740481C1C}">
-                <a14:useLocalDpi xmlns:a14="http://schemas.microsoft.com/office/drawing/2010/main" val="0"/>
-              </a:ext>
-            </a:extLst>
-          </a:blip>
-          <a:stretch>
-            <a:fillRect/>
-          </a:stretch>
-        </p:blipFill>
-        <p:spPr>
-          <a:xfrm>
-            <a:off x="1708802" y="4226057"/>
-            <a:ext cx="609600" cy="609600"/>
-          </a:xfrm>
-          <a:prstGeom prst="rect">
-            <a:avLst/>
-          </a:prstGeom>
-        </p:spPr>
-      </p:pic>
-      <p:pic>
-        <p:nvPicPr>
-          <p:cNvPr id="35" name="図 34" descr="アイコン&#10;&#10;自動的に生成された説明">
-            <a:extLst>
-              <a:ext uri="{FF2B5EF4-FFF2-40B4-BE49-F238E27FC236}">
-                <a16:creationId xmlns:a16="http://schemas.microsoft.com/office/drawing/2014/main" id="{1917167B-EAFD-421B-BF84-37487EBC71AA}"/>
-              </a:ext>
-            </a:extLst>
-          </p:cNvPr>
-          <p:cNvPicPr>
-            <a:picLocks noChangeAspect="1"/>
-          </p:cNvPicPr>
-          <p:nvPr/>
-        </p:nvPicPr>
-        <p:blipFill>
-          <a:blip r:embed="rId5">
-            <a:extLst>
-              <a:ext uri="{28A0092B-C50C-407E-A947-70E740481C1C}">
-                <a14:useLocalDpi xmlns:a14="http://schemas.microsoft.com/office/drawing/2010/main" val="0"/>
-              </a:ext>
-            </a:extLst>
-          </a:blip>
-          <a:stretch>
-            <a:fillRect/>
-          </a:stretch>
-        </p:blipFill>
-        <p:spPr>
-          <a:xfrm>
-            <a:off x="2329712" y="5747783"/>
-            <a:ext cx="609600" cy="609600"/>
-          </a:xfrm>
-          <a:prstGeom prst="rect">
-            <a:avLst/>
-          </a:prstGeom>
-        </p:spPr>
-      </p:pic>
-      <p:pic>
-        <p:nvPicPr>
-          <p:cNvPr id="36" name="図 35" descr="アイコン&#10;&#10;自動的に生成された説明">
-            <a:extLst>
-              <a:ext uri="{FF2B5EF4-FFF2-40B4-BE49-F238E27FC236}">
-                <a16:creationId xmlns:a16="http://schemas.microsoft.com/office/drawing/2014/main" id="{681D2A7D-02E2-4164-88F5-1E70FE58D681}"/>
-              </a:ext>
-            </a:extLst>
-          </p:cNvPr>
-          <p:cNvPicPr>
-            <a:picLocks noChangeAspect="1"/>
-          </p:cNvPicPr>
-          <p:nvPr/>
-        </p:nvPicPr>
-        <p:blipFill>
-          <a:blip r:embed="rId5">
-            <a:extLst>
-              <a:ext uri="{28A0092B-C50C-407E-A947-70E740481C1C}">
-                <a14:useLocalDpi xmlns:a14="http://schemas.microsoft.com/office/drawing/2010/main" val="0"/>
-              </a:ext>
-            </a:extLst>
-          </a:blip>
-          <a:stretch>
-            <a:fillRect/>
-          </a:stretch>
-        </p:blipFill>
-        <p:spPr>
-          <a:xfrm>
-            <a:off x="3533660" y="4534162"/>
-            <a:ext cx="609600" cy="609600"/>
-          </a:xfrm>
-          <a:prstGeom prst="rect">
-            <a:avLst/>
-          </a:prstGeom>
-        </p:spPr>
-      </p:pic>
-      <p:pic>
-        <p:nvPicPr>
-          <p:cNvPr id="37" name="図 36" descr="アイコン&#10;&#10;自動的に生成された説明">
-            <a:extLst>
-              <a:ext uri="{FF2B5EF4-FFF2-40B4-BE49-F238E27FC236}">
-                <a16:creationId xmlns:a16="http://schemas.microsoft.com/office/drawing/2014/main" id="{92B52A93-E361-4723-B62E-736F058EE340}"/>
-              </a:ext>
-            </a:extLst>
-          </p:cNvPr>
-          <p:cNvPicPr>
-            <a:picLocks noChangeAspect="1"/>
-          </p:cNvPicPr>
-          <p:nvPr/>
-        </p:nvPicPr>
-        <p:blipFill>
-          <a:blip r:embed="rId5">
-            <a:extLst>
-              <a:ext uri="{28A0092B-C50C-407E-A947-70E740481C1C}">
-                <a14:useLocalDpi xmlns:a14="http://schemas.microsoft.com/office/drawing/2010/main" val="0"/>
-              </a:ext>
-            </a:extLst>
-          </a:blip>
-          <a:stretch>
-            <a:fillRect/>
-          </a:stretch>
-        </p:blipFill>
-        <p:spPr>
-          <a:xfrm>
-            <a:off x="3542402" y="5197660"/>
-            <a:ext cx="609600" cy="609600"/>
-          </a:xfrm>
-          <a:prstGeom prst="rect">
-            <a:avLst/>
-          </a:prstGeom>
-        </p:spPr>
-      </p:pic>
-      <p:sp>
-        <p:nvSpPr>
-          <p:cNvPr id="38" name="正方形/長方形 37">
-            <a:extLst>
-              <a:ext uri="{FF2B5EF4-FFF2-40B4-BE49-F238E27FC236}">
-                <a16:creationId xmlns:a16="http://schemas.microsoft.com/office/drawing/2014/main" id="{66A5EB5B-EF76-41E1-8A65-2D6DB52726D1}"/>
-              </a:ext>
-            </a:extLst>
-          </p:cNvPr>
-          <p:cNvSpPr/>
-          <p:nvPr/>
-        </p:nvSpPr>
-        <p:spPr>
-          <a:xfrm>
-            <a:off x="5077400" y="536712"/>
-            <a:ext cx="660006" cy="1182758"/>
-          </a:xfrm>
-          <a:prstGeom prst="rect">
-            <a:avLst/>
-          </a:prstGeom>
-          <a:solidFill>
-            <a:schemeClr val="accent6">
-              <a:alpha val="40000"/>
-            </a:schemeClr>
-          </a:solidFill>
-        </p:spPr>
-        <p:style>
-          <a:lnRef idx="2">
-            <a:schemeClr val="accent6">
-              <a:shade val="50000"/>
-            </a:schemeClr>
-          </a:lnRef>
-          <a:fillRef idx="1">
-            <a:schemeClr val="accent6"/>
-          </a:fillRef>
-          <a:effectRef idx="0">
-            <a:schemeClr val="accent6"/>
-          </a:effectRef>
-          <a:fontRef idx="minor">
-            <a:schemeClr val="lt1"/>
-          </a:fontRef>
-        </p:style>
-        <p:txBody>
-          <a:bodyPr rtlCol="0" anchor="ctr"/>
+      <p:sp>
+        <p:nvSpPr>
+          <p:cNvPr id="3" name="コンテンツ プレースホルダー 2">
+            <a:extLst>
+              <a:ext uri="{FF2B5EF4-FFF2-40B4-BE49-F238E27FC236}">
+                <a16:creationId xmlns:a16="http://schemas.microsoft.com/office/drawing/2014/main" id="{153F1A56-A868-4D8C-9086-B0FBD269C2FF}"/>
+              </a:ext>
+            </a:extLst>
+          </p:cNvPr>
+          <p:cNvSpPr>
+            <a:spLocks noGrp="1"/>
+          </p:cNvSpPr>
+          <p:nvPr>
+            <p:ph idx="1"/>
+          </p:nvPr>
+        </p:nvSpPr>
+        <p:spPr/>
+        <p:txBody>
+          <a:bodyPr/>
           <a:lstStyle/>
           <a:p>
-            <a:pPr algn="ctr"/>
+            <a:r>
+              <a:rPr kumimoji="1" lang="en-US" altLang="ja-JP" dirty="0"/>
+              <a:t>https://fonts.google.com/specimen/</a:t>
+            </a:r>
+            <a:r>
+              <a:rPr kumimoji="1" lang="en-US" altLang="ja-JP" dirty="0" err="1"/>
+              <a:t>ZCOOL+KuaiLe?preview.text</a:t>
+            </a:r>
+            <a:r>
+              <a:rPr kumimoji="1" lang="en-US" altLang="ja-JP" dirty="0"/>
+              <a:t>=LOADING...&amp;</a:t>
+            </a:r>
+            <a:r>
+              <a:rPr kumimoji="1" lang="en-US" altLang="ja-JP" dirty="0" err="1"/>
+              <a:t>preview.text_type</a:t>
+            </a:r>
+            <a:r>
+              <a:rPr kumimoji="1" lang="en-US" altLang="ja-JP"/>
+              <a:t>=custom</a:t>
+            </a:r>
             <a:endParaRPr kumimoji="1" lang="ja-JP" altLang="en-US"/>
-          </a:p>
-        </p:txBody>
-      </p:sp>
-      <p:pic>
-        <p:nvPicPr>
-          <p:cNvPr id="39" name="図 38" descr="アイコン&#10;&#10;自動的に生成された説明">
-            <a:extLst>
-              <a:ext uri="{FF2B5EF4-FFF2-40B4-BE49-F238E27FC236}">
-                <a16:creationId xmlns:a16="http://schemas.microsoft.com/office/drawing/2014/main" id="{2714CD68-BA7E-499F-9E1E-1E7CAE07FA37}"/>
-              </a:ext>
-            </a:extLst>
-          </p:cNvPr>
-          <p:cNvPicPr>
-            <a:picLocks noChangeAspect="1"/>
-          </p:cNvPicPr>
-          <p:nvPr/>
-        </p:nvPicPr>
-        <p:blipFill>
-          <a:blip r:embed="rId3">
-            <a:extLst>
-              <a:ext uri="{28A0092B-C50C-407E-A947-70E740481C1C}">
-                <a14:useLocalDpi xmlns:a14="http://schemas.microsoft.com/office/drawing/2010/main" val="0"/>
-              </a:ext>
-            </a:extLst>
-          </a:blip>
-          <a:stretch>
-            <a:fillRect/>
-          </a:stretch>
-        </p:blipFill>
-        <p:spPr>
-          <a:xfrm>
-            <a:off x="5102603" y="1136385"/>
-            <a:ext cx="609600" cy="609600"/>
-          </a:xfrm>
-          <a:prstGeom prst="rect">
-            <a:avLst/>
-          </a:prstGeom>
-        </p:spPr>
-      </p:pic>
-      <p:pic>
-        <p:nvPicPr>
-          <p:cNvPr id="40" name="図 39">
-            <a:extLst>
-              <a:ext uri="{FF2B5EF4-FFF2-40B4-BE49-F238E27FC236}">
-                <a16:creationId xmlns:a16="http://schemas.microsoft.com/office/drawing/2014/main" id="{E2AA02A0-A457-46B3-AFB6-59AAC56F7F12}"/>
-              </a:ext>
-            </a:extLst>
-          </p:cNvPr>
-          <p:cNvPicPr>
-            <a:picLocks noChangeAspect="1"/>
-          </p:cNvPicPr>
-          <p:nvPr/>
-        </p:nvPicPr>
-        <p:blipFill>
-          <a:blip r:embed="rId4">
-            <a:extLst>
-              <a:ext uri="{28A0092B-C50C-407E-A947-70E740481C1C}">
-                <a14:useLocalDpi xmlns:a14="http://schemas.microsoft.com/office/drawing/2010/main" val="0"/>
-              </a:ext>
-            </a:extLst>
-          </a:blip>
-          <a:stretch>
-            <a:fillRect/>
-          </a:stretch>
-        </p:blipFill>
-        <p:spPr>
-          <a:xfrm>
-            <a:off x="5102603" y="571506"/>
-            <a:ext cx="609600" cy="609600"/>
-          </a:xfrm>
-          <a:prstGeom prst="rect">
-            <a:avLst/>
-          </a:prstGeom>
-        </p:spPr>
-      </p:pic>
-      <p:pic>
-        <p:nvPicPr>
-          <p:cNvPr id="41" name="図 40" descr="アイコン&#10;&#10;自動的に生成された説明">
-            <a:extLst>
-              <a:ext uri="{FF2B5EF4-FFF2-40B4-BE49-F238E27FC236}">
-                <a16:creationId xmlns:a16="http://schemas.microsoft.com/office/drawing/2014/main" id="{E7828B94-83EA-4565-903C-E3A2F966D1EF}"/>
-              </a:ext>
-            </a:extLst>
-          </p:cNvPr>
-          <p:cNvPicPr>
-            <a:picLocks noChangeAspect="1"/>
-          </p:cNvPicPr>
-          <p:nvPr/>
-        </p:nvPicPr>
-        <p:blipFill>
-          <a:blip r:embed="rId5">
-            <a:extLst>
-              <a:ext uri="{28A0092B-C50C-407E-A947-70E740481C1C}">
-                <a14:useLocalDpi xmlns:a14="http://schemas.microsoft.com/office/drawing/2010/main" val="0"/>
-              </a:ext>
-            </a:extLst>
-          </a:blip>
-          <a:stretch>
-            <a:fillRect/>
-          </a:stretch>
-        </p:blipFill>
-        <p:spPr>
-          <a:xfrm>
-            <a:off x="1636713" y="1419009"/>
-            <a:ext cx="609600" cy="609600"/>
-          </a:xfrm>
-          <a:prstGeom prst="rect">
-            <a:avLst/>
-          </a:prstGeom>
-        </p:spPr>
-      </p:pic>
-      <p:pic>
-        <p:nvPicPr>
-          <p:cNvPr id="42" name="図 41" descr="アイコン&#10;&#10;自動的に生成された説明">
-            <a:extLst>
-              <a:ext uri="{FF2B5EF4-FFF2-40B4-BE49-F238E27FC236}">
-                <a16:creationId xmlns:a16="http://schemas.microsoft.com/office/drawing/2014/main" id="{7FF013D9-1977-40DB-9769-69FF76F31670}"/>
-              </a:ext>
-            </a:extLst>
-          </p:cNvPr>
-          <p:cNvPicPr>
-            <a:picLocks noChangeAspect="1"/>
-          </p:cNvPicPr>
-          <p:nvPr/>
-        </p:nvPicPr>
-        <p:blipFill>
-          <a:blip r:embed="rId6">
-            <a:extLst>
-              <a:ext uri="{28A0092B-C50C-407E-A947-70E740481C1C}">
-                <a14:useLocalDpi xmlns:a14="http://schemas.microsoft.com/office/drawing/2010/main" val="0"/>
-              </a:ext>
-            </a:extLst>
-          </a:blip>
-          <a:stretch>
-            <a:fillRect/>
-          </a:stretch>
-        </p:blipFill>
-        <p:spPr>
-          <a:xfrm>
-            <a:off x="1626932" y="1939571"/>
-            <a:ext cx="609600" cy="609600"/>
-          </a:xfrm>
-          <a:prstGeom prst="rect">
-            <a:avLst/>
-          </a:prstGeom>
-        </p:spPr>
-      </p:pic>
-      <p:pic>
-        <p:nvPicPr>
-          <p:cNvPr id="43" name="図 42" descr="アイコン&#10;&#10;自動的に生成された説明">
-            <a:extLst>
-              <a:ext uri="{FF2B5EF4-FFF2-40B4-BE49-F238E27FC236}">
-                <a16:creationId xmlns:a16="http://schemas.microsoft.com/office/drawing/2014/main" id="{33B82B44-35EF-4D83-B893-206A8E7BF528}"/>
-              </a:ext>
-            </a:extLst>
-          </p:cNvPr>
-          <p:cNvPicPr>
-            <a:picLocks noChangeAspect="1"/>
-          </p:cNvPicPr>
-          <p:nvPr/>
-        </p:nvPicPr>
-        <p:blipFill>
-          <a:blip r:embed="rId5">
-            <a:extLst>
-              <a:ext uri="{28A0092B-C50C-407E-A947-70E740481C1C}">
-                <a14:useLocalDpi xmlns:a14="http://schemas.microsoft.com/office/drawing/2010/main" val="0"/>
-              </a:ext>
-            </a:extLst>
-          </a:blip>
-          <a:stretch>
-            <a:fillRect/>
-          </a:stretch>
-        </p:blipFill>
-        <p:spPr>
-          <a:xfrm>
-            <a:off x="2880900" y="5740142"/>
-            <a:ext cx="609600" cy="609600"/>
-          </a:xfrm>
-          <a:prstGeom prst="rect">
-            <a:avLst/>
-          </a:prstGeom>
-        </p:spPr>
-      </p:pic>
-      <p:pic>
-        <p:nvPicPr>
-          <p:cNvPr id="3" name="図 2">
-            <a:extLst>
-              <a:ext uri="{FF2B5EF4-FFF2-40B4-BE49-F238E27FC236}">
-                <a16:creationId xmlns:a16="http://schemas.microsoft.com/office/drawing/2014/main" id="{7D324DAC-83C1-4DD6-88E4-188446EE465D}"/>
-              </a:ext>
-            </a:extLst>
-          </p:cNvPr>
-          <p:cNvPicPr>
-            <a:picLocks noChangeAspect="1"/>
-          </p:cNvPicPr>
-          <p:nvPr/>
-        </p:nvPicPr>
-        <p:blipFill>
-          <a:blip r:embed="rId7">
-            <a:extLst>
-              <a:ext uri="{28A0092B-C50C-407E-A947-70E740481C1C}">
-                <a14:useLocalDpi xmlns:a14="http://schemas.microsoft.com/office/drawing/2010/main" val="0"/>
-              </a:ext>
-            </a:extLst>
-          </a:blip>
-          <a:stretch>
-            <a:fillRect/>
-          </a:stretch>
-        </p:blipFill>
-        <p:spPr>
-          <a:xfrm>
-            <a:off x="8887824" y="2843603"/>
-            <a:ext cx="2676074" cy="3796062"/>
-          </a:xfrm>
-          <a:prstGeom prst="rect">
-            <a:avLst/>
-          </a:prstGeom>
-        </p:spPr>
-      </p:pic>
-      <p:sp>
-        <p:nvSpPr>
-          <p:cNvPr id="44" name="吹き出し: 角を丸めた四角形 43">
-            <a:extLst>
-              <a:ext uri="{FF2B5EF4-FFF2-40B4-BE49-F238E27FC236}">
-                <a16:creationId xmlns:a16="http://schemas.microsoft.com/office/drawing/2014/main" id="{C3D1D372-5913-4DE4-86BB-B5E81886C38E}"/>
-              </a:ext>
-            </a:extLst>
-          </p:cNvPr>
-          <p:cNvSpPr/>
-          <p:nvPr/>
-        </p:nvSpPr>
-        <p:spPr>
-          <a:xfrm>
-            <a:off x="6349152" y="538614"/>
-            <a:ext cx="3381257" cy="2462383"/>
-          </a:xfrm>
-          <a:prstGeom prst="wedgeRoundRectCallout">
-            <a:avLst>
-              <a:gd name="adj1" fmla="val 34373"/>
-              <a:gd name="adj2" fmla="val 61102"/>
-              <a:gd name="adj3" fmla="val 16667"/>
-            </a:avLst>
-          </a:prstGeom>
-          <a:ln w="25400"/>
-        </p:spPr>
-        <p:style>
-          <a:lnRef idx="2">
-            <a:schemeClr val="dk1"/>
-          </a:lnRef>
-          <a:fillRef idx="1">
-            <a:schemeClr val="lt1"/>
-          </a:fillRef>
-          <a:effectRef idx="0">
-            <a:schemeClr val="dk1"/>
-          </a:effectRef>
-          <a:fontRef idx="minor">
-            <a:schemeClr val="dk1"/>
-          </a:fontRef>
-        </p:style>
-        <p:txBody>
-          <a:bodyPr rtlCol="0" anchor="ctr"/>
-          <a:lstStyle/>
-          <a:p>
-            <a:pPr algn="ctr"/>
-            <a:endParaRPr kumimoji="1" lang="ja-JP" altLang="en-US"/>
-          </a:p>
-        </p:txBody>
-      </p:sp>
-      <p:pic>
-        <p:nvPicPr>
-          <p:cNvPr id="45" name="図 44" descr="アイコン&#10;&#10;自動的に生成された説明">
-            <a:extLst>
-              <a:ext uri="{FF2B5EF4-FFF2-40B4-BE49-F238E27FC236}">
-                <a16:creationId xmlns:a16="http://schemas.microsoft.com/office/drawing/2014/main" id="{684EDBB6-9FB0-4D27-95A9-FDA55B576B17}"/>
-              </a:ext>
-            </a:extLst>
-          </p:cNvPr>
-          <p:cNvPicPr>
-            <a:picLocks noChangeAspect="1"/>
-          </p:cNvPicPr>
-          <p:nvPr/>
-        </p:nvPicPr>
-        <p:blipFill>
-          <a:blip r:embed="rId8">
-            <a:extLst>
-              <a:ext uri="{28A0092B-C50C-407E-A947-70E740481C1C}">
-                <a14:useLocalDpi xmlns:a14="http://schemas.microsoft.com/office/drawing/2010/main" val="0"/>
-              </a:ext>
-            </a:extLst>
-          </a:blip>
-          <a:stretch>
-            <a:fillRect/>
-          </a:stretch>
-        </p:blipFill>
-        <p:spPr>
-          <a:xfrm>
-            <a:off x="6732618" y="653621"/>
-            <a:ext cx="2574178" cy="1728590"/>
-          </a:xfrm>
-          <a:prstGeom prst="rect">
-            <a:avLst/>
-          </a:prstGeom>
-        </p:spPr>
-      </p:pic>
-      <p:pic>
-        <p:nvPicPr>
-          <p:cNvPr id="46" name="図 45" descr="アイコン&#10;&#10;自動的に生成された説明">
-            <a:extLst>
-              <a:ext uri="{FF2B5EF4-FFF2-40B4-BE49-F238E27FC236}">
-                <a16:creationId xmlns:a16="http://schemas.microsoft.com/office/drawing/2014/main" id="{42AD5AAF-4DB6-48DC-ADC8-84F626902BB8}"/>
-              </a:ext>
-            </a:extLst>
-          </p:cNvPr>
-          <p:cNvPicPr>
-            <a:picLocks noChangeAspect="1"/>
-          </p:cNvPicPr>
-          <p:nvPr/>
-        </p:nvPicPr>
-        <p:blipFill>
-          <a:blip r:embed="rId3">
-            <a:alphaModFix/>
-            <a:grayscl/>
-            <a:extLst>
-              <a:ext uri="{28A0092B-C50C-407E-A947-70E740481C1C}">
-                <a14:useLocalDpi xmlns:a14="http://schemas.microsoft.com/office/drawing/2010/main" val="0"/>
-              </a:ext>
-            </a:extLst>
-          </a:blip>
-          <a:stretch>
-            <a:fillRect/>
-          </a:stretch>
-        </p:blipFill>
-        <p:spPr>
-          <a:xfrm>
-            <a:off x="6713586" y="2325594"/>
-            <a:ext cx="609600" cy="609600"/>
-          </a:xfrm>
-          <a:prstGeom prst="rect">
-            <a:avLst/>
-          </a:prstGeom>
-        </p:spPr>
-      </p:pic>
-      <p:pic>
-        <p:nvPicPr>
-          <p:cNvPr id="47" name="図 46">
-            <a:extLst>
-              <a:ext uri="{FF2B5EF4-FFF2-40B4-BE49-F238E27FC236}">
-                <a16:creationId xmlns:a16="http://schemas.microsoft.com/office/drawing/2014/main" id="{A47B1919-DF6B-4332-8E22-503FE24D6BE8}"/>
-              </a:ext>
-            </a:extLst>
-          </p:cNvPr>
-          <p:cNvPicPr>
-            <a:picLocks noChangeAspect="1"/>
-          </p:cNvPicPr>
-          <p:nvPr/>
-        </p:nvPicPr>
-        <p:blipFill>
-          <a:blip r:embed="rId4">
-            <a:extLst>
-              <a:ext uri="{28A0092B-C50C-407E-A947-70E740481C1C}">
-                <a14:useLocalDpi xmlns:a14="http://schemas.microsoft.com/office/drawing/2010/main" val="0"/>
-              </a:ext>
-            </a:extLst>
-          </a:blip>
-          <a:stretch>
-            <a:fillRect/>
-          </a:stretch>
-        </p:blipFill>
-        <p:spPr>
-          <a:xfrm>
-            <a:off x="7385772" y="2325594"/>
-            <a:ext cx="609600" cy="609600"/>
-          </a:xfrm>
-          <a:prstGeom prst="rect">
-            <a:avLst/>
-          </a:prstGeom>
-        </p:spPr>
-      </p:pic>
-      <p:pic>
-        <p:nvPicPr>
-          <p:cNvPr id="48" name="図 47" descr="アイコン&#10;&#10;自動的に生成された説明">
-            <a:extLst>
-              <a:ext uri="{FF2B5EF4-FFF2-40B4-BE49-F238E27FC236}">
-                <a16:creationId xmlns:a16="http://schemas.microsoft.com/office/drawing/2014/main" id="{2DEEB281-D2E0-4B7B-8BC7-67B1861C6B21}"/>
-              </a:ext>
-            </a:extLst>
-          </p:cNvPr>
-          <p:cNvPicPr>
-            <a:picLocks noChangeAspect="1"/>
-          </p:cNvPicPr>
-          <p:nvPr/>
-        </p:nvPicPr>
-        <p:blipFill>
-          <a:blip r:embed="rId5">
-            <a:extLst>
-              <a:ext uri="{28A0092B-C50C-407E-A947-70E740481C1C}">
-                <a14:useLocalDpi xmlns:a14="http://schemas.microsoft.com/office/drawing/2010/main" val="0"/>
-              </a:ext>
-            </a:extLst>
-          </a:blip>
-          <a:stretch>
-            <a:fillRect/>
-          </a:stretch>
-        </p:blipFill>
-        <p:spPr>
-          <a:xfrm>
-            <a:off x="7955771" y="2257671"/>
-            <a:ext cx="609600" cy="609600"/>
-          </a:xfrm>
-          <a:prstGeom prst="rect">
-            <a:avLst/>
-          </a:prstGeom>
-        </p:spPr>
-      </p:pic>
-      <p:pic>
-        <p:nvPicPr>
-          <p:cNvPr id="49" name="図 48" descr="アイコン&#10;&#10;自動的に生成された説明">
-            <a:extLst>
-              <a:ext uri="{FF2B5EF4-FFF2-40B4-BE49-F238E27FC236}">
-                <a16:creationId xmlns:a16="http://schemas.microsoft.com/office/drawing/2014/main" id="{C2861846-AC26-4EFD-93AE-CD36B5B62090}"/>
-              </a:ext>
-            </a:extLst>
-          </p:cNvPr>
-          <p:cNvPicPr>
-            <a:picLocks noChangeAspect="1"/>
-          </p:cNvPicPr>
-          <p:nvPr/>
-        </p:nvPicPr>
-        <p:blipFill>
-          <a:blip r:embed="rId6">
-            <a:extLst>
-              <a:ext uri="{28A0092B-C50C-407E-A947-70E740481C1C}">
-                <a14:useLocalDpi xmlns:a14="http://schemas.microsoft.com/office/drawing/2010/main" val="0"/>
-              </a:ext>
-            </a:extLst>
-          </a:blip>
-          <a:stretch>
-            <a:fillRect/>
-          </a:stretch>
-        </p:blipFill>
-        <p:spPr>
-          <a:xfrm>
-            <a:off x="8525770" y="2257671"/>
-            <a:ext cx="609600" cy="609600"/>
-          </a:xfrm>
-          <a:prstGeom prst="rect">
-            <a:avLst/>
-          </a:prstGeom>
-        </p:spPr>
-      </p:pic>
-      <p:sp>
-        <p:nvSpPr>
-          <p:cNvPr id="50" name="四角形: 角を丸くする 49">
-            <a:extLst>
-              <a:ext uri="{FF2B5EF4-FFF2-40B4-BE49-F238E27FC236}">
-                <a16:creationId xmlns:a16="http://schemas.microsoft.com/office/drawing/2014/main" id="{3B673FF1-D8AC-45A7-9B0F-034FEA8F6A12}"/>
-              </a:ext>
-            </a:extLst>
-          </p:cNvPr>
-          <p:cNvSpPr/>
-          <p:nvPr/>
-        </p:nvSpPr>
-        <p:spPr>
-          <a:xfrm>
-            <a:off x="1509717" y="154497"/>
-            <a:ext cx="1670884" cy="325102"/>
-          </a:xfrm>
-          <a:prstGeom prst="roundRect">
-            <a:avLst/>
-          </a:prstGeom>
-          <a:solidFill>
-            <a:schemeClr val="accent2">
-              <a:lumMod val="40000"/>
-              <a:lumOff val="60000"/>
-              <a:alpha val="60000"/>
-            </a:schemeClr>
-          </a:solidFill>
-          <a:ln>
-            <a:solidFill>
-              <a:schemeClr val="accent6">
-                <a:lumMod val="75000"/>
-              </a:schemeClr>
-            </a:solidFill>
-          </a:ln>
-        </p:spPr>
-        <p:style>
-          <a:lnRef idx="2">
-            <a:schemeClr val="accent1">
-              <a:shade val="50000"/>
-            </a:schemeClr>
-          </a:lnRef>
-          <a:fillRef idx="1">
-            <a:schemeClr val="accent1"/>
-          </a:fillRef>
-          <a:effectRef idx="0">
-            <a:schemeClr val="accent1"/>
-          </a:effectRef>
-          <a:fontRef idx="minor">
-            <a:schemeClr val="lt1"/>
-          </a:fontRef>
-        </p:style>
-        <p:txBody>
-          <a:bodyPr rtlCol="0" anchor="ctr"/>
-          <a:lstStyle/>
-          <a:p>
-            <a:pPr algn="ctr"/>
-            <a:endParaRPr kumimoji="1" lang="ja-JP" altLang="en-US" dirty="0"/>
-          </a:p>
-        </p:txBody>
-      </p:sp>
-      <p:sp>
-        <p:nvSpPr>
-          <p:cNvPr id="51" name="テキスト ボックス 50">
-            <a:extLst>
-              <a:ext uri="{FF2B5EF4-FFF2-40B4-BE49-F238E27FC236}">
-                <a16:creationId xmlns:a16="http://schemas.microsoft.com/office/drawing/2014/main" id="{B845838D-6AF3-4259-A1B4-29A2C0E0DCFA}"/>
-              </a:ext>
-            </a:extLst>
-          </p:cNvPr>
-          <p:cNvSpPr txBox="1"/>
-          <p:nvPr/>
-        </p:nvSpPr>
-        <p:spPr>
-          <a:xfrm>
-            <a:off x="2230225" y="135090"/>
-            <a:ext cx="1324575" cy="369332"/>
-          </a:xfrm>
-          <a:prstGeom prst="rect">
-            <a:avLst/>
-          </a:prstGeom>
-          <a:noFill/>
-        </p:spPr>
-        <p:txBody>
-          <a:bodyPr wrap="square" rtlCol="0">
-            <a:spAutoFit/>
-          </a:bodyPr>
-          <a:lstStyle/>
-          <a:p>
-            <a:r>
-              <a:rPr lang="en-US" altLang="ja-JP" dirty="0">
-                <a:latin typeface="Arial Black" panose="020B0A04020102020204" pitchFamily="34" charset="0"/>
-              </a:rPr>
-              <a:t>1,</a:t>
-            </a:r>
-            <a:r>
-              <a:rPr kumimoji="1" lang="en-US" altLang="ja-JP" dirty="0">
-                <a:latin typeface="Arial Black" panose="020B0A04020102020204" pitchFamily="34" charset="0"/>
-              </a:rPr>
-              <a:t>440</a:t>
-            </a:r>
-            <a:endParaRPr kumimoji="1" lang="ja-JP" altLang="en-US" dirty="0">
-              <a:latin typeface="Arial Black" panose="020B0A04020102020204" pitchFamily="34" charset="0"/>
-            </a:endParaRPr>
-          </a:p>
-        </p:txBody>
-      </p:sp>
-      <p:sp>
-        <p:nvSpPr>
-          <p:cNvPr id="52" name="テキスト ボックス 51">
-            <a:extLst>
-              <a:ext uri="{FF2B5EF4-FFF2-40B4-BE49-F238E27FC236}">
-                <a16:creationId xmlns:a16="http://schemas.microsoft.com/office/drawing/2014/main" id="{95283D46-1D7B-483F-BDCA-5386DCF1A517}"/>
-              </a:ext>
-            </a:extLst>
-          </p:cNvPr>
-          <p:cNvSpPr txBox="1"/>
-          <p:nvPr/>
-        </p:nvSpPr>
-        <p:spPr>
-          <a:xfrm>
-            <a:off x="375943" y="132382"/>
-            <a:ext cx="1324575" cy="369332"/>
-          </a:xfrm>
-          <a:prstGeom prst="rect">
-            <a:avLst/>
-          </a:prstGeom>
-          <a:noFill/>
-        </p:spPr>
-        <p:txBody>
-          <a:bodyPr wrap="square" rtlCol="0">
-            <a:spAutoFit/>
-          </a:bodyPr>
-          <a:lstStyle/>
-          <a:p>
-            <a:r>
-              <a:rPr kumimoji="1" lang="en-US" altLang="ja-JP" dirty="0">
-                <a:latin typeface="Arial Black" panose="020B0A04020102020204" pitchFamily="34" charset="0"/>
-              </a:rPr>
-              <a:t>SCORE</a:t>
-            </a:r>
-            <a:endParaRPr kumimoji="1" lang="ja-JP" altLang="en-US" dirty="0">
-              <a:latin typeface="Arial Black" panose="020B0A04020102020204" pitchFamily="34" charset="0"/>
-            </a:endParaRPr>
-          </a:p>
-        </p:txBody>
-      </p:sp>
-      <p:sp>
-        <p:nvSpPr>
-          <p:cNvPr id="53" name="四角形: 角を丸くする 52">
-            <a:extLst>
-              <a:ext uri="{FF2B5EF4-FFF2-40B4-BE49-F238E27FC236}">
-                <a16:creationId xmlns:a16="http://schemas.microsoft.com/office/drawing/2014/main" id="{20638920-F5A1-4254-A734-F991957FD8D9}"/>
-              </a:ext>
-            </a:extLst>
-          </p:cNvPr>
-          <p:cNvSpPr/>
-          <p:nvPr/>
-        </p:nvSpPr>
-        <p:spPr>
-          <a:xfrm>
-            <a:off x="11589102" y="216473"/>
-            <a:ext cx="305412" cy="293614"/>
-          </a:xfrm>
-          <a:prstGeom prst="roundRect">
-            <a:avLst/>
-          </a:prstGeom>
-        </p:spPr>
-        <p:style>
-          <a:lnRef idx="2">
-            <a:schemeClr val="accent3">
-              <a:shade val="50000"/>
-            </a:schemeClr>
-          </a:lnRef>
-          <a:fillRef idx="1">
-            <a:schemeClr val="accent3"/>
-          </a:fillRef>
-          <a:effectRef idx="0">
-            <a:schemeClr val="accent3"/>
-          </a:effectRef>
-          <a:fontRef idx="minor">
-            <a:schemeClr val="lt1"/>
-          </a:fontRef>
-        </p:style>
-        <p:txBody>
-          <a:bodyPr rtlCol="0" anchor="ctr"/>
-          <a:lstStyle/>
-          <a:p>
-            <a:pPr algn="ctr"/>
-            <a:endParaRPr kumimoji="1" lang="ja-JP" altLang="en-US"/>
-          </a:p>
-        </p:txBody>
-      </p:sp>
-      <p:sp>
-        <p:nvSpPr>
-          <p:cNvPr id="54" name="テキスト ボックス 53">
-            <a:extLst>
-              <a:ext uri="{FF2B5EF4-FFF2-40B4-BE49-F238E27FC236}">
-                <a16:creationId xmlns:a16="http://schemas.microsoft.com/office/drawing/2014/main" id="{63FFBC57-4426-4A8C-9353-CBC006A19CB9}"/>
-              </a:ext>
-            </a:extLst>
-          </p:cNvPr>
-          <p:cNvSpPr txBox="1"/>
-          <p:nvPr/>
-        </p:nvSpPr>
-        <p:spPr>
-          <a:xfrm>
-            <a:off x="11563898" y="178614"/>
-            <a:ext cx="305412" cy="369332"/>
-          </a:xfrm>
-          <a:prstGeom prst="rect">
-            <a:avLst/>
-          </a:prstGeom>
-          <a:noFill/>
-        </p:spPr>
-        <p:txBody>
-          <a:bodyPr wrap="square" rtlCol="0">
-            <a:spAutoFit/>
-          </a:bodyPr>
-          <a:lstStyle/>
-          <a:p>
-            <a:r>
-              <a:rPr lang="en-US" altLang="ja-JP" b="1" dirty="0"/>
-              <a:t>+</a:t>
-            </a:r>
-            <a:endParaRPr kumimoji="1" lang="ja-JP" altLang="en-US" b="1" dirty="0"/>
           </a:p>
         </p:txBody>
       </p:sp>
     </p:spTree>
     <p:extLst>
       <p:ext uri="{BB962C8B-B14F-4D97-AF65-F5344CB8AC3E}">
-        <p14:creationId xmlns:p14="http://schemas.microsoft.com/office/powerpoint/2010/main" val="4129815324"/>
+        <p14:creationId xmlns:p14="http://schemas.microsoft.com/office/powerpoint/2010/main" val="4223424792"/>
       </p:ext>
     </p:extLst>
   </p:cSld>
@@ -6498,7 +4001,2865 @@
         </p:blipFill>
         <p:spPr>
           <a:xfrm>
-            <a:off x="794402" y="1677756"/>
+            <a:off x="135006" y="104360"/>
+            <a:ext cx="11911219" cy="6670283"/>
+          </a:xfrm>
+          <a:prstGeom prst="rect">
+            <a:avLst/>
+          </a:prstGeom>
+        </p:spPr>
+      </p:pic>
+      <p:sp>
+        <p:nvSpPr>
+          <p:cNvPr id="7" name="正方形/長方形 6">
+            <a:extLst>
+              <a:ext uri="{FF2B5EF4-FFF2-40B4-BE49-F238E27FC236}">
+                <a16:creationId xmlns:a16="http://schemas.microsoft.com/office/drawing/2014/main" id="{307A6712-312C-48D8-B574-C8F8B9A43ED9}"/>
+              </a:ext>
+            </a:extLst>
+          </p:cNvPr>
+          <p:cNvSpPr/>
+          <p:nvPr/>
+        </p:nvSpPr>
+        <p:spPr>
+          <a:xfrm>
+            <a:off x="308180" y="536712"/>
+            <a:ext cx="4722220" cy="6115316"/>
+          </a:xfrm>
+          <a:prstGeom prst="rect">
+            <a:avLst/>
+          </a:prstGeom>
+          <a:solidFill>
+            <a:schemeClr val="accent2">
+              <a:lumMod val="40000"/>
+              <a:lumOff val="60000"/>
+              <a:alpha val="76000"/>
+            </a:schemeClr>
+          </a:solidFill>
+          <a:ln w="38100">
+            <a:solidFill>
+              <a:schemeClr val="accent6">
+                <a:lumMod val="75000"/>
+              </a:schemeClr>
+            </a:solidFill>
+          </a:ln>
+        </p:spPr>
+        <p:style>
+          <a:lnRef idx="2">
+            <a:schemeClr val="accent1">
+              <a:shade val="50000"/>
+            </a:schemeClr>
+          </a:lnRef>
+          <a:fillRef idx="1">
+            <a:schemeClr val="accent1"/>
+          </a:fillRef>
+          <a:effectRef idx="0">
+            <a:schemeClr val="accent1"/>
+          </a:effectRef>
+          <a:fontRef idx="minor">
+            <a:schemeClr val="lt1"/>
+          </a:fontRef>
+        </p:style>
+        <p:txBody>
+          <a:bodyPr rtlCol="0" anchor="ctr"/>
+          <a:lstStyle/>
+          <a:p>
+            <a:pPr algn="ctr"/>
+            <a:endParaRPr kumimoji="1" lang="ja-JP" altLang="en-US"/>
+          </a:p>
+        </p:txBody>
+      </p:sp>
+      <p:pic>
+        <p:nvPicPr>
+          <p:cNvPr id="9" name="図 8">
+            <a:extLst>
+              <a:ext uri="{FF2B5EF4-FFF2-40B4-BE49-F238E27FC236}">
+                <a16:creationId xmlns:a16="http://schemas.microsoft.com/office/drawing/2014/main" id="{C8655201-A6CD-4960-812F-260700BC9E12}"/>
+              </a:ext>
+            </a:extLst>
+          </p:cNvPr>
+          <p:cNvPicPr>
+            <a:picLocks noChangeAspect="1"/>
+          </p:cNvPicPr>
+          <p:nvPr/>
+        </p:nvPicPr>
+        <p:blipFill>
+          <a:blip r:embed="rId3">
+            <a:extLst>
+              <a:ext uri="{28A0092B-C50C-407E-A947-70E740481C1C}">
+                <a14:useLocalDpi xmlns:a14="http://schemas.microsoft.com/office/drawing/2010/main" val="0"/>
+              </a:ext>
+            </a:extLst>
+          </a:blip>
+          <a:stretch>
+            <a:fillRect/>
+          </a:stretch>
+        </p:blipFill>
+        <p:spPr>
+          <a:xfrm>
+            <a:off x="8895869" y="2822712"/>
+            <a:ext cx="2643461" cy="3749801"/>
+          </a:xfrm>
+          <a:prstGeom prst="rect">
+            <a:avLst/>
+          </a:prstGeom>
+        </p:spPr>
+      </p:pic>
+      <p:pic>
+        <p:nvPicPr>
+          <p:cNvPr id="21" name="図 20" descr="アイコン&#10;&#10;自動的に生成された説明">
+            <a:extLst>
+              <a:ext uri="{FF2B5EF4-FFF2-40B4-BE49-F238E27FC236}">
+                <a16:creationId xmlns:a16="http://schemas.microsoft.com/office/drawing/2014/main" id="{77EDF7BB-745B-4B00-988D-7D252A5CADB6}"/>
+              </a:ext>
+            </a:extLst>
+          </p:cNvPr>
+          <p:cNvPicPr>
+            <a:picLocks noChangeAspect="1"/>
+          </p:cNvPicPr>
+          <p:nvPr/>
+        </p:nvPicPr>
+        <p:blipFill>
+          <a:blip r:embed="rId4">
+            <a:extLst>
+              <a:ext uri="{28A0092B-C50C-407E-A947-70E740481C1C}">
+                <a14:useLocalDpi xmlns:a14="http://schemas.microsoft.com/office/drawing/2010/main" val="0"/>
+              </a:ext>
+            </a:extLst>
+          </a:blip>
+          <a:stretch>
+            <a:fillRect/>
+          </a:stretch>
+        </p:blipFill>
+        <p:spPr>
+          <a:xfrm>
+            <a:off x="1746002" y="5338007"/>
+            <a:ext cx="609600" cy="609600"/>
+          </a:xfrm>
+          <a:prstGeom prst="rect">
+            <a:avLst/>
+          </a:prstGeom>
+        </p:spPr>
+      </p:pic>
+      <p:pic>
+        <p:nvPicPr>
+          <p:cNvPr id="22" name="図 21" descr="アイコン&#10;&#10;自動的に生成された説明">
+            <a:extLst>
+              <a:ext uri="{FF2B5EF4-FFF2-40B4-BE49-F238E27FC236}">
+                <a16:creationId xmlns:a16="http://schemas.microsoft.com/office/drawing/2014/main" id="{0ACB5144-43FE-4797-99BE-01961535147A}"/>
+              </a:ext>
+            </a:extLst>
+          </p:cNvPr>
+          <p:cNvPicPr>
+            <a:picLocks noChangeAspect="1"/>
+          </p:cNvPicPr>
+          <p:nvPr/>
+        </p:nvPicPr>
+        <p:blipFill>
+          <a:blip r:embed="rId4">
+            <a:extLst>
+              <a:ext uri="{28A0092B-C50C-407E-A947-70E740481C1C}">
+                <a14:useLocalDpi xmlns:a14="http://schemas.microsoft.com/office/drawing/2010/main" val="0"/>
+              </a:ext>
+            </a:extLst>
+          </a:blip>
+          <a:stretch>
+            <a:fillRect/>
+          </a:stretch>
+        </p:blipFill>
+        <p:spPr>
+          <a:xfrm>
+            <a:off x="475117" y="5359905"/>
+            <a:ext cx="609600" cy="609600"/>
+          </a:xfrm>
+          <a:prstGeom prst="rect">
+            <a:avLst/>
+          </a:prstGeom>
+        </p:spPr>
+      </p:pic>
+      <p:pic>
+        <p:nvPicPr>
+          <p:cNvPr id="23" name="図 22" descr="アイコン&#10;&#10;自動的に生成された説明">
+            <a:extLst>
+              <a:ext uri="{FF2B5EF4-FFF2-40B4-BE49-F238E27FC236}">
+                <a16:creationId xmlns:a16="http://schemas.microsoft.com/office/drawing/2014/main" id="{90DFF7B7-929A-4160-B5C9-E8CDFA5D6347}"/>
+              </a:ext>
+            </a:extLst>
+          </p:cNvPr>
+          <p:cNvPicPr>
+            <a:picLocks noChangeAspect="1"/>
+          </p:cNvPicPr>
+          <p:nvPr/>
+        </p:nvPicPr>
+        <p:blipFill>
+          <a:blip r:embed="rId4">
+            <a:extLst>
+              <a:ext uri="{28A0092B-C50C-407E-A947-70E740481C1C}">
+                <a14:useLocalDpi xmlns:a14="http://schemas.microsoft.com/office/drawing/2010/main" val="0"/>
+              </a:ext>
+            </a:extLst>
+          </a:blip>
+          <a:stretch>
+            <a:fillRect/>
+          </a:stretch>
+        </p:blipFill>
+        <p:spPr>
+          <a:xfrm>
+            <a:off x="475117" y="5853583"/>
+            <a:ext cx="609600" cy="609600"/>
+          </a:xfrm>
+          <a:prstGeom prst="rect">
+            <a:avLst/>
+          </a:prstGeom>
+        </p:spPr>
+      </p:pic>
+      <p:pic>
+        <p:nvPicPr>
+          <p:cNvPr id="24" name="図 23">
+            <a:extLst>
+              <a:ext uri="{FF2B5EF4-FFF2-40B4-BE49-F238E27FC236}">
+                <a16:creationId xmlns:a16="http://schemas.microsoft.com/office/drawing/2014/main" id="{16342F97-719C-4F4C-860F-6C99E123DCA4}"/>
+              </a:ext>
+            </a:extLst>
+          </p:cNvPr>
+          <p:cNvPicPr>
+            <a:picLocks noChangeAspect="1"/>
+          </p:cNvPicPr>
+          <p:nvPr/>
+        </p:nvPicPr>
+        <p:blipFill>
+          <a:blip r:embed="rId5">
+            <a:extLst>
+              <a:ext uri="{28A0092B-C50C-407E-A947-70E740481C1C}">
+                <a14:useLocalDpi xmlns:a14="http://schemas.microsoft.com/office/drawing/2010/main" val="0"/>
+              </a:ext>
+            </a:extLst>
+          </a:blip>
+          <a:stretch>
+            <a:fillRect/>
+          </a:stretch>
+        </p:blipFill>
+        <p:spPr>
+          <a:xfrm>
+            <a:off x="489602" y="4848884"/>
+            <a:ext cx="609600" cy="609600"/>
+          </a:xfrm>
+          <a:prstGeom prst="rect">
+            <a:avLst/>
+          </a:prstGeom>
+        </p:spPr>
+      </p:pic>
+      <p:pic>
+        <p:nvPicPr>
+          <p:cNvPr id="25" name="図 24">
+            <a:extLst>
+              <a:ext uri="{FF2B5EF4-FFF2-40B4-BE49-F238E27FC236}">
+                <a16:creationId xmlns:a16="http://schemas.microsoft.com/office/drawing/2014/main" id="{847149EC-53F4-4DDC-A48D-4AD0A37C918D}"/>
+              </a:ext>
+            </a:extLst>
+          </p:cNvPr>
+          <p:cNvPicPr>
+            <a:picLocks noChangeAspect="1"/>
+          </p:cNvPicPr>
+          <p:nvPr/>
+        </p:nvPicPr>
+        <p:blipFill>
+          <a:blip r:embed="rId5">
+            <a:extLst>
+              <a:ext uri="{28A0092B-C50C-407E-A947-70E740481C1C}">
+                <a14:useLocalDpi xmlns:a14="http://schemas.microsoft.com/office/drawing/2010/main" val="0"/>
+              </a:ext>
+            </a:extLst>
+          </a:blip>
+          <a:stretch>
+            <a:fillRect/>
+          </a:stretch>
+        </p:blipFill>
+        <p:spPr>
+          <a:xfrm>
+            <a:off x="1778524" y="5853583"/>
+            <a:ext cx="609600" cy="609600"/>
+          </a:xfrm>
+          <a:prstGeom prst="rect">
+            <a:avLst/>
+          </a:prstGeom>
+        </p:spPr>
+      </p:pic>
+      <p:pic>
+        <p:nvPicPr>
+          <p:cNvPr id="26" name="図 25">
+            <a:extLst>
+              <a:ext uri="{FF2B5EF4-FFF2-40B4-BE49-F238E27FC236}">
+                <a16:creationId xmlns:a16="http://schemas.microsoft.com/office/drawing/2014/main" id="{5A01EE3E-E8C7-4372-A4C8-1A2358EA5F94}"/>
+              </a:ext>
+            </a:extLst>
+          </p:cNvPr>
+          <p:cNvPicPr>
+            <a:picLocks noChangeAspect="1"/>
+          </p:cNvPicPr>
+          <p:nvPr/>
+        </p:nvPicPr>
+        <p:blipFill>
+          <a:blip r:embed="rId5">
+            <a:extLst>
+              <a:ext uri="{28A0092B-C50C-407E-A947-70E740481C1C}">
+                <a14:useLocalDpi xmlns:a14="http://schemas.microsoft.com/office/drawing/2010/main" val="0"/>
+              </a:ext>
+            </a:extLst>
+          </a:blip>
+          <a:stretch>
+            <a:fillRect/>
+          </a:stretch>
+        </p:blipFill>
+        <p:spPr>
+          <a:xfrm>
+            <a:off x="1099202" y="5853583"/>
+            <a:ext cx="609600" cy="609600"/>
+          </a:xfrm>
+          <a:prstGeom prst="rect">
+            <a:avLst/>
+          </a:prstGeom>
+        </p:spPr>
+      </p:pic>
+      <p:pic>
+        <p:nvPicPr>
+          <p:cNvPr id="27" name="図 26" descr="アイコン&#10;&#10;自動的に生成された説明">
+            <a:extLst>
+              <a:ext uri="{FF2B5EF4-FFF2-40B4-BE49-F238E27FC236}">
+                <a16:creationId xmlns:a16="http://schemas.microsoft.com/office/drawing/2014/main" id="{A1B10F8C-1301-45B5-8A0A-44A846F9DE57}"/>
+              </a:ext>
+            </a:extLst>
+          </p:cNvPr>
+          <p:cNvPicPr>
+            <a:picLocks noChangeAspect="1"/>
+          </p:cNvPicPr>
+          <p:nvPr/>
+        </p:nvPicPr>
+        <p:blipFill>
+          <a:blip r:embed="rId6">
+            <a:extLst>
+              <a:ext uri="{28A0092B-C50C-407E-A947-70E740481C1C}">
+                <a14:useLocalDpi xmlns:a14="http://schemas.microsoft.com/office/drawing/2010/main" val="0"/>
+              </a:ext>
+            </a:extLst>
+          </a:blip>
+          <a:stretch>
+            <a:fillRect/>
+          </a:stretch>
+        </p:blipFill>
+        <p:spPr>
+          <a:xfrm>
+            <a:off x="1082633" y="5301911"/>
+            <a:ext cx="609600" cy="609600"/>
+          </a:xfrm>
+          <a:prstGeom prst="rect">
+            <a:avLst/>
+          </a:prstGeom>
+        </p:spPr>
+      </p:pic>
+      <p:pic>
+        <p:nvPicPr>
+          <p:cNvPr id="28" name="図 27" descr="アイコン&#10;&#10;自動的に生成された説明">
+            <a:extLst>
+              <a:ext uri="{FF2B5EF4-FFF2-40B4-BE49-F238E27FC236}">
+                <a16:creationId xmlns:a16="http://schemas.microsoft.com/office/drawing/2014/main" id="{8B53110A-376A-4A82-B786-E7177CF708BB}"/>
+              </a:ext>
+            </a:extLst>
+          </p:cNvPr>
+          <p:cNvPicPr>
+            <a:picLocks noChangeAspect="1"/>
+          </p:cNvPicPr>
+          <p:nvPr/>
+        </p:nvPicPr>
+        <p:blipFill>
+          <a:blip r:embed="rId7">
+            <a:extLst>
+              <a:ext uri="{28A0092B-C50C-407E-A947-70E740481C1C}">
+                <a14:useLocalDpi xmlns:a14="http://schemas.microsoft.com/office/drawing/2010/main" val="0"/>
+              </a:ext>
+            </a:extLst>
+          </a:blip>
+          <a:stretch>
+            <a:fillRect/>
+          </a:stretch>
+        </p:blipFill>
+        <p:spPr>
+          <a:xfrm>
+            <a:off x="4102565" y="5679647"/>
+            <a:ext cx="609600" cy="609600"/>
+          </a:xfrm>
+          <a:prstGeom prst="rect">
+            <a:avLst/>
+          </a:prstGeom>
+        </p:spPr>
+      </p:pic>
+      <p:pic>
+        <p:nvPicPr>
+          <p:cNvPr id="29" name="図 28" descr="アイコン&#10;&#10;自動的に生成された説明">
+            <a:extLst>
+              <a:ext uri="{FF2B5EF4-FFF2-40B4-BE49-F238E27FC236}">
+                <a16:creationId xmlns:a16="http://schemas.microsoft.com/office/drawing/2014/main" id="{0BA82064-F0A9-4F40-8863-C0ED8672E508}"/>
+              </a:ext>
+            </a:extLst>
+          </p:cNvPr>
+          <p:cNvPicPr>
+            <a:picLocks noChangeAspect="1"/>
+          </p:cNvPicPr>
+          <p:nvPr/>
+        </p:nvPicPr>
+        <p:blipFill>
+          <a:blip r:embed="rId7">
+            <a:extLst>
+              <a:ext uri="{28A0092B-C50C-407E-A947-70E740481C1C}">
+                <a14:useLocalDpi xmlns:a14="http://schemas.microsoft.com/office/drawing/2010/main" val="0"/>
+              </a:ext>
+            </a:extLst>
+          </a:blip>
+          <a:stretch>
+            <a:fillRect/>
+          </a:stretch>
+        </p:blipFill>
+        <p:spPr>
+          <a:xfrm>
+            <a:off x="1090918" y="4741634"/>
+            <a:ext cx="609600" cy="609600"/>
+          </a:xfrm>
+          <a:prstGeom prst="rect">
+            <a:avLst/>
+          </a:prstGeom>
+        </p:spPr>
+      </p:pic>
+      <p:pic>
+        <p:nvPicPr>
+          <p:cNvPr id="30" name="図 29" descr="アイコン&#10;&#10;自動的に生成された説明">
+            <a:extLst>
+              <a:ext uri="{FF2B5EF4-FFF2-40B4-BE49-F238E27FC236}">
+                <a16:creationId xmlns:a16="http://schemas.microsoft.com/office/drawing/2014/main" id="{51BBD268-D075-45B2-B728-9E7315FABC5B}"/>
+              </a:ext>
+            </a:extLst>
+          </p:cNvPr>
+          <p:cNvPicPr>
+            <a:picLocks noChangeAspect="1"/>
+          </p:cNvPicPr>
+          <p:nvPr/>
+        </p:nvPicPr>
+        <p:blipFill>
+          <a:blip r:embed="rId7">
+            <a:extLst>
+              <a:ext uri="{28A0092B-C50C-407E-A947-70E740481C1C}">
+                <a14:useLocalDpi xmlns:a14="http://schemas.microsoft.com/office/drawing/2010/main" val="0"/>
+              </a:ext>
+            </a:extLst>
+          </a:blip>
+          <a:stretch>
+            <a:fillRect/>
+          </a:stretch>
+        </p:blipFill>
+        <p:spPr>
+          <a:xfrm>
+            <a:off x="1743663" y="4708098"/>
+            <a:ext cx="609600" cy="609600"/>
+          </a:xfrm>
+          <a:prstGeom prst="rect">
+            <a:avLst/>
+          </a:prstGeom>
+        </p:spPr>
+      </p:pic>
+      <p:pic>
+        <p:nvPicPr>
+          <p:cNvPr id="31" name="図 30" descr="アイコン&#10;&#10;自動的に生成された説明">
+            <a:extLst>
+              <a:ext uri="{FF2B5EF4-FFF2-40B4-BE49-F238E27FC236}">
+                <a16:creationId xmlns:a16="http://schemas.microsoft.com/office/drawing/2014/main" id="{234AE3BD-1679-4115-AB95-5795B0131D97}"/>
+              </a:ext>
+            </a:extLst>
+          </p:cNvPr>
+          <p:cNvPicPr>
+            <a:picLocks noChangeAspect="1"/>
+          </p:cNvPicPr>
+          <p:nvPr/>
+        </p:nvPicPr>
+        <p:blipFill>
+          <a:blip r:embed="rId7">
+            <a:extLst>
+              <a:ext uri="{28A0092B-C50C-407E-A947-70E740481C1C}">
+                <a14:useLocalDpi xmlns:a14="http://schemas.microsoft.com/office/drawing/2010/main" val="0"/>
+              </a:ext>
+            </a:extLst>
+          </a:blip>
+          <a:stretch>
+            <a:fillRect/>
+          </a:stretch>
+        </p:blipFill>
+        <p:spPr>
+          <a:xfrm>
+            <a:off x="3555545" y="5679647"/>
+            <a:ext cx="609600" cy="609600"/>
+          </a:xfrm>
+          <a:prstGeom prst="rect">
+            <a:avLst/>
+          </a:prstGeom>
+        </p:spPr>
+      </p:pic>
+      <p:pic>
+        <p:nvPicPr>
+          <p:cNvPr id="32" name="図 31" descr="アイコン&#10;&#10;自動的に生成された説明">
+            <a:extLst>
+              <a:ext uri="{FF2B5EF4-FFF2-40B4-BE49-F238E27FC236}">
+                <a16:creationId xmlns:a16="http://schemas.microsoft.com/office/drawing/2014/main" id="{A2C013CF-3633-4712-95F4-660A221BB80F}"/>
+              </a:ext>
+            </a:extLst>
+          </p:cNvPr>
+          <p:cNvPicPr>
+            <a:picLocks noChangeAspect="1"/>
+          </p:cNvPicPr>
+          <p:nvPr/>
+        </p:nvPicPr>
+        <p:blipFill>
+          <a:blip r:embed="rId4">
+            <a:extLst>
+              <a:ext uri="{28A0092B-C50C-407E-A947-70E740481C1C}">
+                <a14:useLocalDpi xmlns:a14="http://schemas.microsoft.com/office/drawing/2010/main" val="0"/>
+              </a:ext>
+            </a:extLst>
+          </a:blip>
+          <a:stretch>
+            <a:fillRect/>
+          </a:stretch>
+        </p:blipFill>
+        <p:spPr>
+          <a:xfrm>
+            <a:off x="3008525" y="5772444"/>
+            <a:ext cx="609600" cy="609600"/>
+          </a:xfrm>
+          <a:prstGeom prst="rect">
+            <a:avLst/>
+          </a:prstGeom>
+        </p:spPr>
+      </p:pic>
+      <p:pic>
+        <p:nvPicPr>
+          <p:cNvPr id="33" name="図 32" descr="アイコン&#10;&#10;自動的に生成された説明">
+            <a:extLst>
+              <a:ext uri="{FF2B5EF4-FFF2-40B4-BE49-F238E27FC236}">
+                <a16:creationId xmlns:a16="http://schemas.microsoft.com/office/drawing/2014/main" id="{755168E3-C7B8-4A9F-8D4D-F2E5141F43DC}"/>
+              </a:ext>
+            </a:extLst>
+          </p:cNvPr>
+          <p:cNvPicPr>
+            <a:picLocks noChangeAspect="1"/>
+          </p:cNvPicPr>
+          <p:nvPr/>
+        </p:nvPicPr>
+        <p:blipFill>
+          <a:blip r:embed="rId4">
+            <a:extLst>
+              <a:ext uri="{28A0092B-C50C-407E-A947-70E740481C1C}">
+                <a14:useLocalDpi xmlns:a14="http://schemas.microsoft.com/office/drawing/2010/main" val="0"/>
+              </a:ext>
+            </a:extLst>
+          </a:blip>
+          <a:stretch>
+            <a:fillRect/>
+          </a:stretch>
+        </p:blipFill>
+        <p:spPr>
+          <a:xfrm>
+            <a:off x="2420032" y="5784027"/>
+            <a:ext cx="609600" cy="609600"/>
+          </a:xfrm>
+          <a:prstGeom prst="rect">
+            <a:avLst/>
+          </a:prstGeom>
+        </p:spPr>
+      </p:pic>
+      <p:pic>
+        <p:nvPicPr>
+          <p:cNvPr id="34" name="図 33" descr="アイコン&#10;&#10;自動的に生成された説明">
+            <a:extLst>
+              <a:ext uri="{FF2B5EF4-FFF2-40B4-BE49-F238E27FC236}">
+                <a16:creationId xmlns:a16="http://schemas.microsoft.com/office/drawing/2014/main" id="{41BF423E-3E02-4B24-99F8-AACB75F41F58}"/>
+              </a:ext>
+            </a:extLst>
+          </p:cNvPr>
+          <p:cNvPicPr>
+            <a:picLocks noChangeAspect="1"/>
+          </p:cNvPicPr>
+          <p:nvPr/>
+        </p:nvPicPr>
+        <p:blipFill>
+          <a:blip r:embed="rId4">
+            <a:extLst>
+              <a:ext uri="{28A0092B-C50C-407E-A947-70E740481C1C}">
+                <a14:useLocalDpi xmlns:a14="http://schemas.microsoft.com/office/drawing/2010/main" val="0"/>
+              </a:ext>
+            </a:extLst>
+          </a:blip>
+          <a:stretch>
+            <a:fillRect/>
+          </a:stretch>
+        </p:blipFill>
+        <p:spPr>
+          <a:xfrm>
+            <a:off x="1708802" y="4226057"/>
+            <a:ext cx="609600" cy="609600"/>
+          </a:xfrm>
+          <a:prstGeom prst="rect">
+            <a:avLst/>
+          </a:prstGeom>
+        </p:spPr>
+      </p:pic>
+      <p:pic>
+        <p:nvPicPr>
+          <p:cNvPr id="35" name="図 34" descr="アイコン&#10;&#10;自動的に生成された説明">
+            <a:extLst>
+              <a:ext uri="{FF2B5EF4-FFF2-40B4-BE49-F238E27FC236}">
+                <a16:creationId xmlns:a16="http://schemas.microsoft.com/office/drawing/2014/main" id="{1917167B-EAFD-421B-BF84-37487EBC71AA}"/>
+              </a:ext>
+            </a:extLst>
+          </p:cNvPr>
+          <p:cNvPicPr>
+            <a:picLocks noChangeAspect="1"/>
+          </p:cNvPicPr>
+          <p:nvPr/>
+        </p:nvPicPr>
+        <p:blipFill>
+          <a:blip r:embed="rId6">
+            <a:extLst>
+              <a:ext uri="{28A0092B-C50C-407E-A947-70E740481C1C}">
+                <a14:useLocalDpi xmlns:a14="http://schemas.microsoft.com/office/drawing/2010/main" val="0"/>
+              </a:ext>
+            </a:extLst>
+          </a:blip>
+          <a:stretch>
+            <a:fillRect/>
+          </a:stretch>
+        </p:blipFill>
+        <p:spPr>
+          <a:xfrm>
+            <a:off x="2358689" y="5276098"/>
+            <a:ext cx="609600" cy="609600"/>
+          </a:xfrm>
+          <a:prstGeom prst="rect">
+            <a:avLst/>
+          </a:prstGeom>
+        </p:spPr>
+      </p:pic>
+      <p:pic>
+        <p:nvPicPr>
+          <p:cNvPr id="36" name="図 35" descr="アイコン&#10;&#10;自動的に生成された説明">
+            <a:extLst>
+              <a:ext uri="{FF2B5EF4-FFF2-40B4-BE49-F238E27FC236}">
+                <a16:creationId xmlns:a16="http://schemas.microsoft.com/office/drawing/2014/main" id="{681D2A7D-02E2-4164-88F5-1E70FE58D681}"/>
+              </a:ext>
+            </a:extLst>
+          </p:cNvPr>
+          <p:cNvPicPr>
+            <a:picLocks noChangeAspect="1"/>
+          </p:cNvPicPr>
+          <p:nvPr/>
+        </p:nvPicPr>
+        <p:blipFill>
+          <a:blip r:embed="rId6">
+            <a:extLst>
+              <a:ext uri="{28A0092B-C50C-407E-A947-70E740481C1C}">
+                <a14:useLocalDpi xmlns:a14="http://schemas.microsoft.com/office/drawing/2010/main" val="0"/>
+              </a:ext>
+            </a:extLst>
+          </a:blip>
+          <a:stretch>
+            <a:fillRect/>
+          </a:stretch>
+        </p:blipFill>
+        <p:spPr>
+          <a:xfrm>
+            <a:off x="3533660" y="4534162"/>
+            <a:ext cx="609600" cy="609600"/>
+          </a:xfrm>
+          <a:prstGeom prst="rect">
+            <a:avLst/>
+          </a:prstGeom>
+        </p:spPr>
+      </p:pic>
+      <p:pic>
+        <p:nvPicPr>
+          <p:cNvPr id="37" name="図 36" descr="アイコン&#10;&#10;自動的に生成された説明">
+            <a:extLst>
+              <a:ext uri="{FF2B5EF4-FFF2-40B4-BE49-F238E27FC236}">
+                <a16:creationId xmlns:a16="http://schemas.microsoft.com/office/drawing/2014/main" id="{92B52A93-E361-4723-B62E-736F058EE340}"/>
+              </a:ext>
+            </a:extLst>
+          </p:cNvPr>
+          <p:cNvPicPr>
+            <a:picLocks noChangeAspect="1"/>
+          </p:cNvPicPr>
+          <p:nvPr/>
+        </p:nvPicPr>
+        <p:blipFill>
+          <a:blip r:embed="rId6">
+            <a:extLst>
+              <a:ext uri="{28A0092B-C50C-407E-A947-70E740481C1C}">
+                <a14:useLocalDpi xmlns:a14="http://schemas.microsoft.com/office/drawing/2010/main" val="0"/>
+              </a:ext>
+            </a:extLst>
+          </a:blip>
+          <a:stretch>
+            <a:fillRect/>
+          </a:stretch>
+        </p:blipFill>
+        <p:spPr>
+          <a:xfrm>
+            <a:off x="3542402" y="5197660"/>
+            <a:ext cx="609600" cy="609600"/>
+          </a:xfrm>
+          <a:prstGeom prst="rect">
+            <a:avLst/>
+          </a:prstGeom>
+        </p:spPr>
+      </p:pic>
+      <p:sp>
+        <p:nvSpPr>
+          <p:cNvPr id="38" name="正方形/長方形 37">
+            <a:extLst>
+              <a:ext uri="{FF2B5EF4-FFF2-40B4-BE49-F238E27FC236}">
+                <a16:creationId xmlns:a16="http://schemas.microsoft.com/office/drawing/2014/main" id="{66A5EB5B-EF76-41E1-8A65-2D6DB52726D1}"/>
+              </a:ext>
+            </a:extLst>
+          </p:cNvPr>
+          <p:cNvSpPr/>
+          <p:nvPr/>
+        </p:nvSpPr>
+        <p:spPr>
+          <a:xfrm>
+            <a:off x="5077400" y="536712"/>
+            <a:ext cx="660006" cy="1182758"/>
+          </a:xfrm>
+          <a:prstGeom prst="rect">
+            <a:avLst/>
+          </a:prstGeom>
+          <a:solidFill>
+            <a:schemeClr val="accent6">
+              <a:alpha val="40000"/>
+            </a:schemeClr>
+          </a:solidFill>
+        </p:spPr>
+        <p:style>
+          <a:lnRef idx="2">
+            <a:schemeClr val="accent6">
+              <a:shade val="50000"/>
+            </a:schemeClr>
+          </a:lnRef>
+          <a:fillRef idx="1">
+            <a:schemeClr val="accent6"/>
+          </a:fillRef>
+          <a:effectRef idx="0">
+            <a:schemeClr val="accent6"/>
+          </a:effectRef>
+          <a:fontRef idx="minor">
+            <a:schemeClr val="lt1"/>
+          </a:fontRef>
+        </p:style>
+        <p:txBody>
+          <a:bodyPr rtlCol="0" anchor="ctr"/>
+          <a:lstStyle/>
+          <a:p>
+            <a:pPr algn="ctr"/>
+            <a:endParaRPr kumimoji="1" lang="ja-JP" altLang="en-US"/>
+          </a:p>
+        </p:txBody>
+      </p:sp>
+      <p:pic>
+        <p:nvPicPr>
+          <p:cNvPr id="41" name="図 40" descr="アイコン&#10;&#10;自動的に生成された説明">
+            <a:extLst>
+              <a:ext uri="{FF2B5EF4-FFF2-40B4-BE49-F238E27FC236}">
+                <a16:creationId xmlns:a16="http://schemas.microsoft.com/office/drawing/2014/main" id="{E7828B94-83EA-4565-903C-E3A2F966D1EF}"/>
+              </a:ext>
+            </a:extLst>
+          </p:cNvPr>
+          <p:cNvPicPr>
+            <a:picLocks noChangeAspect="1"/>
+          </p:cNvPicPr>
+          <p:nvPr/>
+        </p:nvPicPr>
+        <p:blipFill>
+          <a:blip r:embed="rId6">
+            <a:extLst>
+              <a:ext uri="{28A0092B-C50C-407E-A947-70E740481C1C}">
+                <a14:useLocalDpi xmlns:a14="http://schemas.microsoft.com/office/drawing/2010/main" val="0"/>
+              </a:ext>
+            </a:extLst>
+          </a:blip>
+          <a:stretch>
+            <a:fillRect/>
+          </a:stretch>
+        </p:blipFill>
+        <p:spPr>
+          <a:xfrm>
+            <a:off x="1636713" y="1419009"/>
+            <a:ext cx="609600" cy="609600"/>
+          </a:xfrm>
+          <a:prstGeom prst="rect">
+            <a:avLst/>
+          </a:prstGeom>
+        </p:spPr>
+      </p:pic>
+      <p:pic>
+        <p:nvPicPr>
+          <p:cNvPr id="43" name="図 42" descr="アイコン&#10;&#10;自動的に生成された説明">
+            <a:extLst>
+              <a:ext uri="{FF2B5EF4-FFF2-40B4-BE49-F238E27FC236}">
+                <a16:creationId xmlns:a16="http://schemas.microsoft.com/office/drawing/2014/main" id="{126B1D97-23C8-49E8-8A6C-57B3B6DD35D3}"/>
+              </a:ext>
+            </a:extLst>
+          </p:cNvPr>
+          <p:cNvPicPr>
+            <a:picLocks noChangeAspect="1"/>
+          </p:cNvPicPr>
+          <p:nvPr/>
+        </p:nvPicPr>
+        <p:blipFill>
+          <a:blip r:embed="rId4">
+            <a:extLst>
+              <a:ext uri="{28A0092B-C50C-407E-A947-70E740481C1C}">
+                <a14:useLocalDpi xmlns:a14="http://schemas.microsoft.com/office/drawing/2010/main" val="0"/>
+              </a:ext>
+            </a:extLst>
+          </a:blip>
+          <a:stretch>
+            <a:fillRect/>
+          </a:stretch>
+        </p:blipFill>
+        <p:spPr>
+          <a:xfrm>
+            <a:off x="1636713" y="2007652"/>
+            <a:ext cx="609600" cy="609600"/>
+          </a:xfrm>
+          <a:prstGeom prst="rect">
+            <a:avLst/>
+          </a:prstGeom>
+        </p:spPr>
+      </p:pic>
+      <p:pic>
+        <p:nvPicPr>
+          <p:cNvPr id="44" name="図 43" descr="アイコン&#10;&#10;自動的に生成された説明">
+            <a:extLst>
+              <a:ext uri="{FF2B5EF4-FFF2-40B4-BE49-F238E27FC236}">
+                <a16:creationId xmlns:a16="http://schemas.microsoft.com/office/drawing/2014/main" id="{0BDF6C8D-EEA4-402D-9AA5-1CD6766069E0}"/>
+              </a:ext>
+            </a:extLst>
+          </p:cNvPr>
+          <p:cNvPicPr>
+            <a:picLocks noChangeAspect="1"/>
+          </p:cNvPicPr>
+          <p:nvPr/>
+        </p:nvPicPr>
+        <p:blipFill>
+          <a:blip r:embed="rId6">
+            <a:extLst>
+              <a:ext uri="{28A0092B-C50C-407E-A947-70E740481C1C}">
+                <a14:useLocalDpi xmlns:a14="http://schemas.microsoft.com/office/drawing/2010/main" val="0"/>
+              </a:ext>
+            </a:extLst>
+          </a:blip>
+          <a:stretch>
+            <a:fillRect/>
+          </a:stretch>
+        </p:blipFill>
+        <p:spPr>
+          <a:xfrm>
+            <a:off x="5048538" y="536712"/>
+            <a:ext cx="609600" cy="609600"/>
+          </a:xfrm>
+          <a:prstGeom prst="rect">
+            <a:avLst/>
+          </a:prstGeom>
+        </p:spPr>
+      </p:pic>
+      <p:pic>
+        <p:nvPicPr>
+          <p:cNvPr id="45" name="図 44" descr="アイコン&#10;&#10;自動的に生成された説明">
+            <a:extLst>
+              <a:ext uri="{FF2B5EF4-FFF2-40B4-BE49-F238E27FC236}">
+                <a16:creationId xmlns:a16="http://schemas.microsoft.com/office/drawing/2014/main" id="{156AC96F-6F10-48AD-8784-53F8C7BB2A8D}"/>
+              </a:ext>
+            </a:extLst>
+          </p:cNvPr>
+          <p:cNvPicPr>
+            <a:picLocks noChangeAspect="1"/>
+          </p:cNvPicPr>
+          <p:nvPr/>
+        </p:nvPicPr>
+        <p:blipFill>
+          <a:blip r:embed="rId7">
+            <a:extLst>
+              <a:ext uri="{28A0092B-C50C-407E-A947-70E740481C1C}">
+                <a14:useLocalDpi xmlns:a14="http://schemas.microsoft.com/office/drawing/2010/main" val="0"/>
+              </a:ext>
+            </a:extLst>
+          </a:blip>
+          <a:stretch>
+            <a:fillRect/>
+          </a:stretch>
+        </p:blipFill>
+        <p:spPr>
+          <a:xfrm>
+            <a:off x="5102603" y="975674"/>
+            <a:ext cx="609600" cy="609600"/>
+          </a:xfrm>
+          <a:prstGeom prst="rect">
+            <a:avLst/>
+          </a:prstGeom>
+        </p:spPr>
+      </p:pic>
+      <p:sp>
+        <p:nvSpPr>
+          <p:cNvPr id="46" name="吹き出し: 角を丸めた四角形 45">
+            <a:extLst>
+              <a:ext uri="{FF2B5EF4-FFF2-40B4-BE49-F238E27FC236}">
+                <a16:creationId xmlns:a16="http://schemas.microsoft.com/office/drawing/2014/main" id="{C286050C-76BB-4141-AFAD-BAAD5403DF15}"/>
+              </a:ext>
+            </a:extLst>
+          </p:cNvPr>
+          <p:cNvSpPr/>
+          <p:nvPr/>
+        </p:nvSpPr>
+        <p:spPr>
+          <a:xfrm>
+            <a:off x="6349152" y="518736"/>
+            <a:ext cx="3381257" cy="2462383"/>
+          </a:xfrm>
+          <a:prstGeom prst="wedgeRoundRectCallout">
+            <a:avLst>
+              <a:gd name="adj1" fmla="val 34373"/>
+              <a:gd name="adj2" fmla="val 61102"/>
+              <a:gd name="adj3" fmla="val 16667"/>
+            </a:avLst>
+          </a:prstGeom>
+          <a:ln w="25400"/>
+        </p:spPr>
+        <p:style>
+          <a:lnRef idx="2">
+            <a:schemeClr val="dk1"/>
+          </a:lnRef>
+          <a:fillRef idx="1">
+            <a:schemeClr val="lt1"/>
+          </a:fillRef>
+          <a:effectRef idx="0">
+            <a:schemeClr val="dk1"/>
+          </a:effectRef>
+          <a:fontRef idx="minor">
+            <a:schemeClr val="dk1"/>
+          </a:fontRef>
+        </p:style>
+        <p:txBody>
+          <a:bodyPr rtlCol="0" anchor="ctr"/>
+          <a:lstStyle/>
+          <a:p>
+            <a:pPr algn="ctr"/>
+            <a:endParaRPr kumimoji="1" lang="ja-JP" altLang="en-US"/>
+          </a:p>
+        </p:txBody>
+      </p:sp>
+      <p:pic>
+        <p:nvPicPr>
+          <p:cNvPr id="47" name="図 46" descr="アイコン&#10;&#10;自動的に生成された説明">
+            <a:extLst>
+              <a:ext uri="{FF2B5EF4-FFF2-40B4-BE49-F238E27FC236}">
+                <a16:creationId xmlns:a16="http://schemas.microsoft.com/office/drawing/2014/main" id="{29E53B29-542F-418F-9E96-32006A57A74C}"/>
+              </a:ext>
+            </a:extLst>
+          </p:cNvPr>
+          <p:cNvPicPr>
+            <a:picLocks noChangeAspect="1"/>
+          </p:cNvPicPr>
+          <p:nvPr/>
+        </p:nvPicPr>
+        <p:blipFill>
+          <a:blip r:embed="rId8">
+            <a:extLst>
+              <a:ext uri="{28A0092B-C50C-407E-A947-70E740481C1C}">
+                <a14:useLocalDpi xmlns:a14="http://schemas.microsoft.com/office/drawing/2010/main" val="0"/>
+              </a:ext>
+            </a:extLst>
+          </a:blip>
+          <a:stretch>
+            <a:fillRect/>
+          </a:stretch>
+        </p:blipFill>
+        <p:spPr>
+          <a:xfrm>
+            <a:off x="6732618" y="633743"/>
+            <a:ext cx="2574178" cy="1728590"/>
+          </a:xfrm>
+          <a:prstGeom prst="rect">
+            <a:avLst/>
+          </a:prstGeom>
+        </p:spPr>
+      </p:pic>
+      <p:pic>
+        <p:nvPicPr>
+          <p:cNvPr id="48" name="図 47" descr="アイコン&#10;&#10;自動的に生成された説明">
+            <a:extLst>
+              <a:ext uri="{FF2B5EF4-FFF2-40B4-BE49-F238E27FC236}">
+                <a16:creationId xmlns:a16="http://schemas.microsoft.com/office/drawing/2014/main" id="{D57F6B88-167E-41E3-94A8-1B58C1B12BA2}"/>
+              </a:ext>
+            </a:extLst>
+          </p:cNvPr>
+          <p:cNvPicPr>
+            <a:picLocks noChangeAspect="1"/>
+          </p:cNvPicPr>
+          <p:nvPr/>
+        </p:nvPicPr>
+        <p:blipFill>
+          <a:blip r:embed="rId4">
+            <a:alphaModFix/>
+            <a:grayscl/>
+            <a:extLst>
+              <a:ext uri="{28A0092B-C50C-407E-A947-70E740481C1C}">
+                <a14:useLocalDpi xmlns:a14="http://schemas.microsoft.com/office/drawing/2010/main" val="0"/>
+              </a:ext>
+            </a:extLst>
+          </a:blip>
+          <a:stretch>
+            <a:fillRect/>
+          </a:stretch>
+        </p:blipFill>
+        <p:spPr>
+          <a:xfrm>
+            <a:off x="6713586" y="2305716"/>
+            <a:ext cx="609600" cy="609600"/>
+          </a:xfrm>
+          <a:prstGeom prst="rect">
+            <a:avLst/>
+          </a:prstGeom>
+        </p:spPr>
+      </p:pic>
+      <p:pic>
+        <p:nvPicPr>
+          <p:cNvPr id="49" name="図 48">
+            <a:extLst>
+              <a:ext uri="{FF2B5EF4-FFF2-40B4-BE49-F238E27FC236}">
+                <a16:creationId xmlns:a16="http://schemas.microsoft.com/office/drawing/2014/main" id="{B2F783A4-9589-4EC1-8F0B-260101B58B5A}"/>
+              </a:ext>
+            </a:extLst>
+          </p:cNvPr>
+          <p:cNvPicPr>
+            <a:picLocks noChangeAspect="1"/>
+          </p:cNvPicPr>
+          <p:nvPr/>
+        </p:nvPicPr>
+        <p:blipFill>
+          <a:blip r:embed="rId5">
+            <a:extLst>
+              <a:ext uri="{28A0092B-C50C-407E-A947-70E740481C1C}">
+                <a14:useLocalDpi xmlns:a14="http://schemas.microsoft.com/office/drawing/2010/main" val="0"/>
+              </a:ext>
+            </a:extLst>
+          </a:blip>
+          <a:stretch>
+            <a:fillRect/>
+          </a:stretch>
+        </p:blipFill>
+        <p:spPr>
+          <a:xfrm>
+            <a:off x="7385772" y="2305716"/>
+            <a:ext cx="609600" cy="609600"/>
+          </a:xfrm>
+          <a:prstGeom prst="rect">
+            <a:avLst/>
+          </a:prstGeom>
+        </p:spPr>
+      </p:pic>
+      <p:pic>
+        <p:nvPicPr>
+          <p:cNvPr id="50" name="図 49" descr="アイコン&#10;&#10;自動的に生成された説明">
+            <a:extLst>
+              <a:ext uri="{FF2B5EF4-FFF2-40B4-BE49-F238E27FC236}">
+                <a16:creationId xmlns:a16="http://schemas.microsoft.com/office/drawing/2014/main" id="{92051EBD-5817-4532-A372-08169ABA627C}"/>
+              </a:ext>
+            </a:extLst>
+          </p:cNvPr>
+          <p:cNvPicPr>
+            <a:picLocks noChangeAspect="1"/>
+          </p:cNvPicPr>
+          <p:nvPr/>
+        </p:nvPicPr>
+        <p:blipFill>
+          <a:blip r:embed="rId6">
+            <a:extLst>
+              <a:ext uri="{28A0092B-C50C-407E-A947-70E740481C1C}">
+                <a14:useLocalDpi xmlns:a14="http://schemas.microsoft.com/office/drawing/2010/main" val="0"/>
+              </a:ext>
+            </a:extLst>
+          </a:blip>
+          <a:stretch>
+            <a:fillRect/>
+          </a:stretch>
+        </p:blipFill>
+        <p:spPr>
+          <a:xfrm>
+            <a:off x="7955771" y="2237793"/>
+            <a:ext cx="609600" cy="609600"/>
+          </a:xfrm>
+          <a:prstGeom prst="rect">
+            <a:avLst/>
+          </a:prstGeom>
+        </p:spPr>
+      </p:pic>
+      <p:pic>
+        <p:nvPicPr>
+          <p:cNvPr id="51" name="図 50" descr="アイコン&#10;&#10;自動的に生成された説明">
+            <a:extLst>
+              <a:ext uri="{FF2B5EF4-FFF2-40B4-BE49-F238E27FC236}">
+                <a16:creationId xmlns:a16="http://schemas.microsoft.com/office/drawing/2014/main" id="{17A48D30-F086-478F-ABEF-23037C173D33}"/>
+              </a:ext>
+            </a:extLst>
+          </p:cNvPr>
+          <p:cNvPicPr>
+            <a:picLocks noChangeAspect="1"/>
+          </p:cNvPicPr>
+          <p:nvPr/>
+        </p:nvPicPr>
+        <p:blipFill>
+          <a:blip r:embed="rId7">
+            <a:extLst>
+              <a:ext uri="{28A0092B-C50C-407E-A947-70E740481C1C}">
+                <a14:useLocalDpi xmlns:a14="http://schemas.microsoft.com/office/drawing/2010/main" val="0"/>
+              </a:ext>
+            </a:extLst>
+          </a:blip>
+          <a:stretch>
+            <a:fillRect/>
+          </a:stretch>
+        </p:blipFill>
+        <p:spPr>
+          <a:xfrm>
+            <a:off x="8525770" y="2237793"/>
+            <a:ext cx="609600" cy="609600"/>
+          </a:xfrm>
+          <a:prstGeom prst="rect">
+            <a:avLst/>
+          </a:prstGeom>
+        </p:spPr>
+      </p:pic>
+      <p:pic>
+        <p:nvPicPr>
+          <p:cNvPr id="52" name="図 51" descr="アイコン&#10;&#10;自動的に生成された説明">
+            <a:extLst>
+              <a:ext uri="{FF2B5EF4-FFF2-40B4-BE49-F238E27FC236}">
+                <a16:creationId xmlns:a16="http://schemas.microsoft.com/office/drawing/2014/main" id="{56610AEE-32FB-4F55-890D-39992CDD9D76}"/>
+              </a:ext>
+            </a:extLst>
+          </p:cNvPr>
+          <p:cNvPicPr>
+            <a:picLocks noChangeAspect="1"/>
+          </p:cNvPicPr>
+          <p:nvPr/>
+        </p:nvPicPr>
+        <p:blipFill>
+          <a:blip r:embed="rId4">
+            <a:extLst>
+              <a:ext uri="{28A0092B-C50C-407E-A947-70E740481C1C}">
+                <a14:useLocalDpi xmlns:a14="http://schemas.microsoft.com/office/drawing/2010/main" val="0"/>
+              </a:ext>
+            </a:extLst>
+          </a:blip>
+          <a:stretch>
+            <a:fillRect/>
+          </a:stretch>
+        </p:blipFill>
+        <p:spPr>
+          <a:xfrm>
+            <a:off x="6706306" y="2299518"/>
+            <a:ext cx="609600" cy="609600"/>
+          </a:xfrm>
+          <a:prstGeom prst="rect">
+            <a:avLst/>
+          </a:prstGeom>
+        </p:spPr>
+      </p:pic>
+      <p:sp>
+        <p:nvSpPr>
+          <p:cNvPr id="53" name="四角形: 角を丸くする 52">
+            <a:extLst>
+              <a:ext uri="{FF2B5EF4-FFF2-40B4-BE49-F238E27FC236}">
+                <a16:creationId xmlns:a16="http://schemas.microsoft.com/office/drawing/2014/main" id="{003E7592-F3B9-4A0E-B7EB-6325F4D957CC}"/>
+              </a:ext>
+            </a:extLst>
+          </p:cNvPr>
+          <p:cNvSpPr/>
+          <p:nvPr/>
+        </p:nvSpPr>
+        <p:spPr>
+          <a:xfrm>
+            <a:off x="1509717" y="154497"/>
+            <a:ext cx="1670884" cy="325102"/>
+          </a:xfrm>
+          <a:prstGeom prst="roundRect">
+            <a:avLst/>
+          </a:prstGeom>
+          <a:solidFill>
+            <a:schemeClr val="accent2">
+              <a:lumMod val="40000"/>
+              <a:lumOff val="60000"/>
+              <a:alpha val="60000"/>
+            </a:schemeClr>
+          </a:solidFill>
+          <a:ln>
+            <a:solidFill>
+              <a:schemeClr val="accent6">
+                <a:lumMod val="75000"/>
+              </a:schemeClr>
+            </a:solidFill>
+          </a:ln>
+        </p:spPr>
+        <p:style>
+          <a:lnRef idx="2">
+            <a:schemeClr val="accent1">
+              <a:shade val="50000"/>
+            </a:schemeClr>
+          </a:lnRef>
+          <a:fillRef idx="1">
+            <a:schemeClr val="accent1"/>
+          </a:fillRef>
+          <a:effectRef idx="0">
+            <a:schemeClr val="accent1"/>
+          </a:effectRef>
+          <a:fontRef idx="minor">
+            <a:schemeClr val="lt1"/>
+          </a:fontRef>
+        </p:style>
+        <p:txBody>
+          <a:bodyPr rtlCol="0" anchor="ctr"/>
+          <a:lstStyle/>
+          <a:p>
+            <a:pPr algn="ctr"/>
+            <a:endParaRPr kumimoji="1" lang="ja-JP" altLang="en-US" dirty="0"/>
+          </a:p>
+        </p:txBody>
+      </p:sp>
+      <p:sp>
+        <p:nvSpPr>
+          <p:cNvPr id="54" name="テキスト ボックス 53">
+            <a:extLst>
+              <a:ext uri="{FF2B5EF4-FFF2-40B4-BE49-F238E27FC236}">
+                <a16:creationId xmlns:a16="http://schemas.microsoft.com/office/drawing/2014/main" id="{37CDF2DF-7A7B-444E-9CF4-4163028A0250}"/>
+              </a:ext>
+            </a:extLst>
+          </p:cNvPr>
+          <p:cNvSpPr txBox="1"/>
+          <p:nvPr/>
+        </p:nvSpPr>
+        <p:spPr>
+          <a:xfrm>
+            <a:off x="2230225" y="135090"/>
+            <a:ext cx="1324575" cy="369332"/>
+          </a:xfrm>
+          <a:prstGeom prst="rect">
+            <a:avLst/>
+          </a:prstGeom>
+          <a:noFill/>
+        </p:spPr>
+        <p:txBody>
+          <a:bodyPr wrap="square" rtlCol="0">
+            <a:spAutoFit/>
+          </a:bodyPr>
+          <a:lstStyle/>
+          <a:p>
+            <a:r>
+              <a:rPr lang="en-US" altLang="ja-JP" dirty="0">
+                <a:latin typeface="Arial Black" panose="020B0A04020102020204" pitchFamily="34" charset="0"/>
+              </a:rPr>
+              <a:t>1,</a:t>
+            </a:r>
+            <a:r>
+              <a:rPr kumimoji="1" lang="en-US" altLang="ja-JP" dirty="0">
+                <a:latin typeface="Arial Black" panose="020B0A04020102020204" pitchFamily="34" charset="0"/>
+              </a:rPr>
+              <a:t>440</a:t>
+            </a:r>
+            <a:endParaRPr kumimoji="1" lang="ja-JP" altLang="en-US" dirty="0">
+              <a:latin typeface="Arial Black" panose="020B0A04020102020204" pitchFamily="34" charset="0"/>
+            </a:endParaRPr>
+          </a:p>
+        </p:txBody>
+      </p:sp>
+      <p:sp>
+        <p:nvSpPr>
+          <p:cNvPr id="55" name="テキスト ボックス 54">
+            <a:extLst>
+              <a:ext uri="{FF2B5EF4-FFF2-40B4-BE49-F238E27FC236}">
+                <a16:creationId xmlns:a16="http://schemas.microsoft.com/office/drawing/2014/main" id="{18B1B84B-6E14-41DF-9652-ACE88C45CDAB}"/>
+              </a:ext>
+            </a:extLst>
+          </p:cNvPr>
+          <p:cNvSpPr txBox="1"/>
+          <p:nvPr/>
+        </p:nvSpPr>
+        <p:spPr>
+          <a:xfrm>
+            <a:off x="375943" y="132382"/>
+            <a:ext cx="1324575" cy="369332"/>
+          </a:xfrm>
+          <a:prstGeom prst="rect">
+            <a:avLst/>
+          </a:prstGeom>
+          <a:noFill/>
+        </p:spPr>
+        <p:txBody>
+          <a:bodyPr wrap="square" rtlCol="0">
+            <a:spAutoFit/>
+          </a:bodyPr>
+          <a:lstStyle/>
+          <a:p>
+            <a:r>
+              <a:rPr kumimoji="1" lang="en-US" altLang="ja-JP" dirty="0">
+                <a:latin typeface="Arial Black" panose="020B0A04020102020204" pitchFamily="34" charset="0"/>
+              </a:rPr>
+              <a:t>SCORE</a:t>
+            </a:r>
+            <a:endParaRPr kumimoji="1" lang="ja-JP" altLang="en-US" dirty="0">
+              <a:latin typeface="Arial Black" panose="020B0A04020102020204" pitchFamily="34" charset="0"/>
+            </a:endParaRPr>
+          </a:p>
+        </p:txBody>
+      </p:sp>
+      <p:sp>
+        <p:nvSpPr>
+          <p:cNvPr id="56" name="四角形: 角を丸くする 55">
+            <a:extLst>
+              <a:ext uri="{FF2B5EF4-FFF2-40B4-BE49-F238E27FC236}">
+                <a16:creationId xmlns:a16="http://schemas.microsoft.com/office/drawing/2014/main" id="{5EE726D4-4C26-4B93-A6AB-72E8C5FA70D0}"/>
+              </a:ext>
+            </a:extLst>
+          </p:cNvPr>
+          <p:cNvSpPr/>
+          <p:nvPr/>
+        </p:nvSpPr>
+        <p:spPr>
+          <a:xfrm>
+            <a:off x="11589102" y="216473"/>
+            <a:ext cx="305412" cy="293614"/>
+          </a:xfrm>
+          <a:prstGeom prst="roundRect">
+            <a:avLst/>
+          </a:prstGeom>
+        </p:spPr>
+        <p:style>
+          <a:lnRef idx="2">
+            <a:schemeClr val="accent3">
+              <a:shade val="50000"/>
+            </a:schemeClr>
+          </a:lnRef>
+          <a:fillRef idx="1">
+            <a:schemeClr val="accent3"/>
+          </a:fillRef>
+          <a:effectRef idx="0">
+            <a:schemeClr val="accent3"/>
+          </a:effectRef>
+          <a:fontRef idx="minor">
+            <a:schemeClr val="lt1"/>
+          </a:fontRef>
+        </p:style>
+        <p:txBody>
+          <a:bodyPr rtlCol="0" anchor="ctr"/>
+          <a:lstStyle/>
+          <a:p>
+            <a:pPr algn="ctr"/>
+            <a:endParaRPr kumimoji="1" lang="ja-JP" altLang="en-US"/>
+          </a:p>
+        </p:txBody>
+      </p:sp>
+      <p:sp>
+        <p:nvSpPr>
+          <p:cNvPr id="57" name="テキスト ボックス 56">
+            <a:extLst>
+              <a:ext uri="{FF2B5EF4-FFF2-40B4-BE49-F238E27FC236}">
+                <a16:creationId xmlns:a16="http://schemas.microsoft.com/office/drawing/2014/main" id="{09D88AFF-D965-4A53-8833-65BFA96273E5}"/>
+              </a:ext>
+            </a:extLst>
+          </p:cNvPr>
+          <p:cNvSpPr txBox="1"/>
+          <p:nvPr/>
+        </p:nvSpPr>
+        <p:spPr>
+          <a:xfrm>
+            <a:off x="11563898" y="178614"/>
+            <a:ext cx="305412" cy="369332"/>
+          </a:xfrm>
+          <a:prstGeom prst="rect">
+            <a:avLst/>
+          </a:prstGeom>
+          <a:noFill/>
+        </p:spPr>
+        <p:txBody>
+          <a:bodyPr wrap="square" rtlCol="0">
+            <a:spAutoFit/>
+          </a:bodyPr>
+          <a:lstStyle/>
+          <a:p>
+            <a:r>
+              <a:rPr lang="en-US" altLang="ja-JP" b="1" dirty="0"/>
+              <a:t>+</a:t>
+            </a:r>
+            <a:endParaRPr kumimoji="1" lang="ja-JP" altLang="en-US" b="1" dirty="0"/>
+          </a:p>
+        </p:txBody>
+      </p:sp>
+    </p:spTree>
+    <p:extLst>
+      <p:ext uri="{BB962C8B-B14F-4D97-AF65-F5344CB8AC3E}">
+        <p14:creationId xmlns:p14="http://schemas.microsoft.com/office/powerpoint/2010/main" val="90564127"/>
+      </p:ext>
+    </p:extLst>
+  </p:cSld>
+  <p:clrMapOvr>
+    <a:masterClrMapping/>
+  </p:clrMapOvr>
+</p:sld>
+</file>
+
+<file path=ppt/slides/slide4.xml><?xml version="1.0" encoding="utf-8"?>
+<p:sld xmlns:a="http://schemas.openxmlformats.org/drawingml/2006/main" xmlns:r="http://schemas.openxmlformats.org/officeDocument/2006/relationships" xmlns:p="http://schemas.openxmlformats.org/presentationml/2006/main">
+  <p:cSld>
+    <p:spTree>
+      <p:nvGrpSpPr>
+        <p:cNvPr id="1" name=""/>
+        <p:cNvGrpSpPr/>
+        <p:nvPr/>
+      </p:nvGrpSpPr>
+      <p:grpSpPr>
+        <a:xfrm>
+          <a:off x="0" y="0"/>
+          <a:ext cx="0" cy="0"/>
+          <a:chOff x="0" y="0"/>
+          <a:chExt cx="0" cy="0"/>
+        </a:xfrm>
+      </p:grpSpPr>
+      <p:pic>
+        <p:nvPicPr>
+          <p:cNvPr id="6" name="図 5" descr="建物, 屋外, ストリート, レンガ が含まれている画像&#10;&#10;自動的に生成された説明">
+            <a:extLst>
+              <a:ext uri="{FF2B5EF4-FFF2-40B4-BE49-F238E27FC236}">
+                <a16:creationId xmlns:a16="http://schemas.microsoft.com/office/drawing/2014/main" id="{20EB8AE7-1E83-47C9-8EF7-F0D753D96EC0}"/>
+              </a:ext>
+            </a:extLst>
+          </p:cNvPr>
+          <p:cNvPicPr>
+            <a:picLocks noChangeAspect="1"/>
+          </p:cNvPicPr>
+          <p:nvPr/>
+        </p:nvPicPr>
+        <p:blipFill>
+          <a:blip r:embed="rId2">
+            <a:alphaModFix/>
+            <a:extLst>
+              <a:ext uri="{28A0092B-C50C-407E-A947-70E740481C1C}">
+                <a14:useLocalDpi xmlns:a14="http://schemas.microsoft.com/office/drawing/2010/main" val="0"/>
+              </a:ext>
+            </a:extLst>
+          </a:blip>
+          <a:stretch>
+            <a:fillRect/>
+          </a:stretch>
+        </p:blipFill>
+        <p:spPr>
+          <a:xfrm>
+            <a:off x="135006" y="104360"/>
+            <a:ext cx="11911219" cy="6670283"/>
+          </a:xfrm>
+          <a:prstGeom prst="rect">
+            <a:avLst/>
+          </a:prstGeom>
+        </p:spPr>
+      </p:pic>
+      <p:sp>
+        <p:nvSpPr>
+          <p:cNvPr id="7" name="正方形/長方形 6">
+            <a:extLst>
+              <a:ext uri="{FF2B5EF4-FFF2-40B4-BE49-F238E27FC236}">
+                <a16:creationId xmlns:a16="http://schemas.microsoft.com/office/drawing/2014/main" id="{307A6712-312C-48D8-B574-C8F8B9A43ED9}"/>
+              </a:ext>
+            </a:extLst>
+          </p:cNvPr>
+          <p:cNvSpPr/>
+          <p:nvPr/>
+        </p:nvSpPr>
+        <p:spPr>
+          <a:xfrm>
+            <a:off x="308180" y="536712"/>
+            <a:ext cx="4722220" cy="6115316"/>
+          </a:xfrm>
+          <a:prstGeom prst="rect">
+            <a:avLst/>
+          </a:prstGeom>
+          <a:solidFill>
+            <a:schemeClr val="accent2">
+              <a:lumMod val="40000"/>
+              <a:lumOff val="60000"/>
+              <a:alpha val="76000"/>
+            </a:schemeClr>
+          </a:solidFill>
+          <a:ln w="38100">
+            <a:solidFill>
+              <a:schemeClr val="accent6">
+                <a:lumMod val="75000"/>
+              </a:schemeClr>
+            </a:solidFill>
+          </a:ln>
+        </p:spPr>
+        <p:style>
+          <a:lnRef idx="2">
+            <a:schemeClr val="accent1">
+              <a:shade val="50000"/>
+            </a:schemeClr>
+          </a:lnRef>
+          <a:fillRef idx="1">
+            <a:schemeClr val="accent1"/>
+          </a:fillRef>
+          <a:effectRef idx="0">
+            <a:schemeClr val="accent1"/>
+          </a:effectRef>
+          <a:fontRef idx="minor">
+            <a:schemeClr val="lt1"/>
+          </a:fontRef>
+        </p:style>
+        <p:txBody>
+          <a:bodyPr rtlCol="0" anchor="ctr"/>
+          <a:lstStyle/>
+          <a:p>
+            <a:pPr algn="ctr"/>
+            <a:endParaRPr kumimoji="1" lang="ja-JP" altLang="en-US"/>
+          </a:p>
+        </p:txBody>
+      </p:sp>
+      <p:pic>
+        <p:nvPicPr>
+          <p:cNvPr id="21" name="図 20" descr="アイコン&#10;&#10;自動的に生成された説明">
+            <a:extLst>
+              <a:ext uri="{FF2B5EF4-FFF2-40B4-BE49-F238E27FC236}">
+                <a16:creationId xmlns:a16="http://schemas.microsoft.com/office/drawing/2014/main" id="{77EDF7BB-745B-4B00-988D-7D252A5CADB6}"/>
+              </a:ext>
+            </a:extLst>
+          </p:cNvPr>
+          <p:cNvPicPr>
+            <a:picLocks noChangeAspect="1"/>
+          </p:cNvPicPr>
+          <p:nvPr/>
+        </p:nvPicPr>
+        <p:blipFill>
+          <a:blip r:embed="rId3">
+            <a:extLst>
+              <a:ext uri="{28A0092B-C50C-407E-A947-70E740481C1C}">
+                <a14:useLocalDpi xmlns:a14="http://schemas.microsoft.com/office/drawing/2010/main" val="0"/>
+              </a:ext>
+            </a:extLst>
+          </a:blip>
+          <a:stretch>
+            <a:fillRect/>
+          </a:stretch>
+        </p:blipFill>
+        <p:spPr>
+          <a:xfrm>
+            <a:off x="1746002" y="5338007"/>
+            <a:ext cx="609600" cy="609600"/>
+          </a:xfrm>
+          <a:prstGeom prst="rect">
+            <a:avLst/>
+          </a:prstGeom>
+        </p:spPr>
+      </p:pic>
+      <p:pic>
+        <p:nvPicPr>
+          <p:cNvPr id="22" name="図 21" descr="アイコン&#10;&#10;自動的に生成された説明">
+            <a:extLst>
+              <a:ext uri="{FF2B5EF4-FFF2-40B4-BE49-F238E27FC236}">
+                <a16:creationId xmlns:a16="http://schemas.microsoft.com/office/drawing/2014/main" id="{0ACB5144-43FE-4797-99BE-01961535147A}"/>
+              </a:ext>
+            </a:extLst>
+          </p:cNvPr>
+          <p:cNvPicPr>
+            <a:picLocks noChangeAspect="1"/>
+          </p:cNvPicPr>
+          <p:nvPr/>
+        </p:nvPicPr>
+        <p:blipFill>
+          <a:blip r:embed="rId3">
+            <a:extLst>
+              <a:ext uri="{28A0092B-C50C-407E-A947-70E740481C1C}">
+                <a14:useLocalDpi xmlns:a14="http://schemas.microsoft.com/office/drawing/2010/main" val="0"/>
+              </a:ext>
+            </a:extLst>
+          </a:blip>
+          <a:stretch>
+            <a:fillRect/>
+          </a:stretch>
+        </p:blipFill>
+        <p:spPr>
+          <a:xfrm>
+            <a:off x="475117" y="5359905"/>
+            <a:ext cx="609600" cy="609600"/>
+          </a:xfrm>
+          <a:prstGeom prst="rect">
+            <a:avLst/>
+          </a:prstGeom>
+        </p:spPr>
+      </p:pic>
+      <p:pic>
+        <p:nvPicPr>
+          <p:cNvPr id="23" name="図 22" descr="アイコン&#10;&#10;自動的に生成された説明">
+            <a:extLst>
+              <a:ext uri="{FF2B5EF4-FFF2-40B4-BE49-F238E27FC236}">
+                <a16:creationId xmlns:a16="http://schemas.microsoft.com/office/drawing/2014/main" id="{90DFF7B7-929A-4160-B5C9-E8CDFA5D6347}"/>
+              </a:ext>
+            </a:extLst>
+          </p:cNvPr>
+          <p:cNvPicPr>
+            <a:picLocks noChangeAspect="1"/>
+          </p:cNvPicPr>
+          <p:nvPr/>
+        </p:nvPicPr>
+        <p:blipFill>
+          <a:blip r:embed="rId3">
+            <a:extLst>
+              <a:ext uri="{28A0092B-C50C-407E-A947-70E740481C1C}">
+                <a14:useLocalDpi xmlns:a14="http://schemas.microsoft.com/office/drawing/2010/main" val="0"/>
+              </a:ext>
+            </a:extLst>
+          </a:blip>
+          <a:stretch>
+            <a:fillRect/>
+          </a:stretch>
+        </p:blipFill>
+        <p:spPr>
+          <a:xfrm>
+            <a:off x="475117" y="5853583"/>
+            <a:ext cx="609600" cy="609600"/>
+          </a:xfrm>
+          <a:prstGeom prst="rect">
+            <a:avLst/>
+          </a:prstGeom>
+        </p:spPr>
+      </p:pic>
+      <p:pic>
+        <p:nvPicPr>
+          <p:cNvPr id="24" name="図 23">
+            <a:extLst>
+              <a:ext uri="{FF2B5EF4-FFF2-40B4-BE49-F238E27FC236}">
+                <a16:creationId xmlns:a16="http://schemas.microsoft.com/office/drawing/2014/main" id="{16342F97-719C-4F4C-860F-6C99E123DCA4}"/>
+              </a:ext>
+            </a:extLst>
+          </p:cNvPr>
+          <p:cNvPicPr>
+            <a:picLocks noChangeAspect="1"/>
+          </p:cNvPicPr>
+          <p:nvPr/>
+        </p:nvPicPr>
+        <p:blipFill>
+          <a:blip r:embed="rId4">
+            <a:extLst>
+              <a:ext uri="{28A0092B-C50C-407E-A947-70E740481C1C}">
+                <a14:useLocalDpi xmlns:a14="http://schemas.microsoft.com/office/drawing/2010/main" val="0"/>
+              </a:ext>
+            </a:extLst>
+          </a:blip>
+          <a:stretch>
+            <a:fillRect/>
+          </a:stretch>
+        </p:blipFill>
+        <p:spPr>
+          <a:xfrm>
+            <a:off x="489602" y="4848884"/>
+            <a:ext cx="609600" cy="609600"/>
+          </a:xfrm>
+          <a:prstGeom prst="rect">
+            <a:avLst/>
+          </a:prstGeom>
+        </p:spPr>
+      </p:pic>
+      <p:pic>
+        <p:nvPicPr>
+          <p:cNvPr id="25" name="図 24">
+            <a:extLst>
+              <a:ext uri="{FF2B5EF4-FFF2-40B4-BE49-F238E27FC236}">
+                <a16:creationId xmlns:a16="http://schemas.microsoft.com/office/drawing/2014/main" id="{847149EC-53F4-4DDC-A48D-4AD0A37C918D}"/>
+              </a:ext>
+            </a:extLst>
+          </p:cNvPr>
+          <p:cNvPicPr>
+            <a:picLocks noChangeAspect="1"/>
+          </p:cNvPicPr>
+          <p:nvPr/>
+        </p:nvPicPr>
+        <p:blipFill>
+          <a:blip r:embed="rId4">
+            <a:extLst>
+              <a:ext uri="{28A0092B-C50C-407E-A947-70E740481C1C}">
+                <a14:useLocalDpi xmlns:a14="http://schemas.microsoft.com/office/drawing/2010/main" val="0"/>
+              </a:ext>
+            </a:extLst>
+          </a:blip>
+          <a:stretch>
+            <a:fillRect/>
+          </a:stretch>
+        </p:blipFill>
+        <p:spPr>
+          <a:xfrm>
+            <a:off x="1778524" y="5853583"/>
+            <a:ext cx="609600" cy="609600"/>
+          </a:xfrm>
+          <a:prstGeom prst="rect">
+            <a:avLst/>
+          </a:prstGeom>
+        </p:spPr>
+      </p:pic>
+      <p:pic>
+        <p:nvPicPr>
+          <p:cNvPr id="26" name="図 25">
+            <a:extLst>
+              <a:ext uri="{FF2B5EF4-FFF2-40B4-BE49-F238E27FC236}">
+                <a16:creationId xmlns:a16="http://schemas.microsoft.com/office/drawing/2014/main" id="{5A01EE3E-E8C7-4372-A4C8-1A2358EA5F94}"/>
+              </a:ext>
+            </a:extLst>
+          </p:cNvPr>
+          <p:cNvPicPr>
+            <a:picLocks noChangeAspect="1"/>
+          </p:cNvPicPr>
+          <p:nvPr/>
+        </p:nvPicPr>
+        <p:blipFill>
+          <a:blip r:embed="rId4">
+            <a:extLst>
+              <a:ext uri="{28A0092B-C50C-407E-A947-70E740481C1C}">
+                <a14:useLocalDpi xmlns:a14="http://schemas.microsoft.com/office/drawing/2010/main" val="0"/>
+              </a:ext>
+            </a:extLst>
+          </a:blip>
+          <a:stretch>
+            <a:fillRect/>
+          </a:stretch>
+        </p:blipFill>
+        <p:spPr>
+          <a:xfrm>
+            <a:off x="1099202" y="5853583"/>
+            <a:ext cx="609600" cy="609600"/>
+          </a:xfrm>
+          <a:prstGeom prst="rect">
+            <a:avLst/>
+          </a:prstGeom>
+        </p:spPr>
+      </p:pic>
+      <p:pic>
+        <p:nvPicPr>
+          <p:cNvPr id="27" name="図 26" descr="アイコン&#10;&#10;自動的に生成された説明">
+            <a:extLst>
+              <a:ext uri="{FF2B5EF4-FFF2-40B4-BE49-F238E27FC236}">
+                <a16:creationId xmlns:a16="http://schemas.microsoft.com/office/drawing/2014/main" id="{A1B10F8C-1301-45B5-8A0A-44A846F9DE57}"/>
+              </a:ext>
+            </a:extLst>
+          </p:cNvPr>
+          <p:cNvPicPr>
+            <a:picLocks noChangeAspect="1"/>
+          </p:cNvPicPr>
+          <p:nvPr/>
+        </p:nvPicPr>
+        <p:blipFill>
+          <a:blip r:embed="rId5">
+            <a:extLst>
+              <a:ext uri="{28A0092B-C50C-407E-A947-70E740481C1C}">
+                <a14:useLocalDpi xmlns:a14="http://schemas.microsoft.com/office/drawing/2010/main" val="0"/>
+              </a:ext>
+            </a:extLst>
+          </a:blip>
+          <a:stretch>
+            <a:fillRect/>
+          </a:stretch>
+        </p:blipFill>
+        <p:spPr>
+          <a:xfrm>
+            <a:off x="1082633" y="5301911"/>
+            <a:ext cx="609600" cy="609600"/>
+          </a:xfrm>
+          <a:prstGeom prst="rect">
+            <a:avLst/>
+          </a:prstGeom>
+        </p:spPr>
+      </p:pic>
+      <p:pic>
+        <p:nvPicPr>
+          <p:cNvPr id="28" name="図 27" descr="アイコン&#10;&#10;自動的に生成された説明">
+            <a:extLst>
+              <a:ext uri="{FF2B5EF4-FFF2-40B4-BE49-F238E27FC236}">
+                <a16:creationId xmlns:a16="http://schemas.microsoft.com/office/drawing/2014/main" id="{8B53110A-376A-4A82-B786-E7177CF708BB}"/>
+              </a:ext>
+            </a:extLst>
+          </p:cNvPr>
+          <p:cNvPicPr>
+            <a:picLocks noChangeAspect="1"/>
+          </p:cNvPicPr>
+          <p:nvPr/>
+        </p:nvPicPr>
+        <p:blipFill>
+          <a:blip r:embed="rId6">
+            <a:extLst>
+              <a:ext uri="{28A0092B-C50C-407E-A947-70E740481C1C}">
+                <a14:useLocalDpi xmlns:a14="http://schemas.microsoft.com/office/drawing/2010/main" val="0"/>
+              </a:ext>
+            </a:extLst>
+          </a:blip>
+          <a:stretch>
+            <a:fillRect/>
+          </a:stretch>
+        </p:blipFill>
+        <p:spPr>
+          <a:xfrm>
+            <a:off x="4102565" y="5679647"/>
+            <a:ext cx="609600" cy="609600"/>
+          </a:xfrm>
+          <a:prstGeom prst="rect">
+            <a:avLst/>
+          </a:prstGeom>
+        </p:spPr>
+      </p:pic>
+      <p:pic>
+        <p:nvPicPr>
+          <p:cNvPr id="29" name="図 28" descr="アイコン&#10;&#10;自動的に生成された説明">
+            <a:extLst>
+              <a:ext uri="{FF2B5EF4-FFF2-40B4-BE49-F238E27FC236}">
+                <a16:creationId xmlns:a16="http://schemas.microsoft.com/office/drawing/2014/main" id="{0BA82064-F0A9-4F40-8863-C0ED8672E508}"/>
+              </a:ext>
+            </a:extLst>
+          </p:cNvPr>
+          <p:cNvPicPr>
+            <a:picLocks noChangeAspect="1"/>
+          </p:cNvPicPr>
+          <p:nvPr/>
+        </p:nvPicPr>
+        <p:blipFill>
+          <a:blip r:embed="rId6">
+            <a:extLst>
+              <a:ext uri="{28A0092B-C50C-407E-A947-70E740481C1C}">
+                <a14:useLocalDpi xmlns:a14="http://schemas.microsoft.com/office/drawing/2010/main" val="0"/>
+              </a:ext>
+            </a:extLst>
+          </a:blip>
+          <a:stretch>
+            <a:fillRect/>
+          </a:stretch>
+        </p:blipFill>
+        <p:spPr>
+          <a:xfrm>
+            <a:off x="1090918" y="4741634"/>
+            <a:ext cx="609600" cy="609600"/>
+          </a:xfrm>
+          <a:prstGeom prst="rect">
+            <a:avLst/>
+          </a:prstGeom>
+        </p:spPr>
+      </p:pic>
+      <p:pic>
+        <p:nvPicPr>
+          <p:cNvPr id="30" name="図 29" descr="アイコン&#10;&#10;自動的に生成された説明">
+            <a:extLst>
+              <a:ext uri="{FF2B5EF4-FFF2-40B4-BE49-F238E27FC236}">
+                <a16:creationId xmlns:a16="http://schemas.microsoft.com/office/drawing/2014/main" id="{51BBD268-D075-45B2-B728-9E7315FABC5B}"/>
+              </a:ext>
+            </a:extLst>
+          </p:cNvPr>
+          <p:cNvPicPr>
+            <a:picLocks noChangeAspect="1"/>
+          </p:cNvPicPr>
+          <p:nvPr/>
+        </p:nvPicPr>
+        <p:blipFill>
+          <a:blip r:embed="rId6">
+            <a:extLst>
+              <a:ext uri="{28A0092B-C50C-407E-A947-70E740481C1C}">
+                <a14:useLocalDpi xmlns:a14="http://schemas.microsoft.com/office/drawing/2010/main" val="0"/>
+              </a:ext>
+            </a:extLst>
+          </a:blip>
+          <a:stretch>
+            <a:fillRect/>
+          </a:stretch>
+        </p:blipFill>
+        <p:spPr>
+          <a:xfrm>
+            <a:off x="1743663" y="4708098"/>
+            <a:ext cx="609600" cy="609600"/>
+          </a:xfrm>
+          <a:prstGeom prst="rect">
+            <a:avLst/>
+          </a:prstGeom>
+        </p:spPr>
+      </p:pic>
+      <p:pic>
+        <p:nvPicPr>
+          <p:cNvPr id="31" name="図 30" descr="アイコン&#10;&#10;自動的に生成された説明">
+            <a:extLst>
+              <a:ext uri="{FF2B5EF4-FFF2-40B4-BE49-F238E27FC236}">
+                <a16:creationId xmlns:a16="http://schemas.microsoft.com/office/drawing/2014/main" id="{234AE3BD-1679-4115-AB95-5795B0131D97}"/>
+              </a:ext>
+            </a:extLst>
+          </p:cNvPr>
+          <p:cNvPicPr>
+            <a:picLocks noChangeAspect="1"/>
+          </p:cNvPicPr>
+          <p:nvPr/>
+        </p:nvPicPr>
+        <p:blipFill>
+          <a:blip r:embed="rId6">
+            <a:extLst>
+              <a:ext uri="{28A0092B-C50C-407E-A947-70E740481C1C}">
+                <a14:useLocalDpi xmlns:a14="http://schemas.microsoft.com/office/drawing/2010/main" val="0"/>
+              </a:ext>
+            </a:extLst>
+          </a:blip>
+          <a:stretch>
+            <a:fillRect/>
+          </a:stretch>
+        </p:blipFill>
+        <p:spPr>
+          <a:xfrm>
+            <a:off x="3555545" y="5679647"/>
+            <a:ext cx="609600" cy="609600"/>
+          </a:xfrm>
+          <a:prstGeom prst="rect">
+            <a:avLst/>
+          </a:prstGeom>
+        </p:spPr>
+      </p:pic>
+      <p:pic>
+        <p:nvPicPr>
+          <p:cNvPr id="34" name="図 33" descr="アイコン&#10;&#10;自動的に生成された説明">
+            <a:extLst>
+              <a:ext uri="{FF2B5EF4-FFF2-40B4-BE49-F238E27FC236}">
+                <a16:creationId xmlns:a16="http://schemas.microsoft.com/office/drawing/2014/main" id="{41BF423E-3E02-4B24-99F8-AACB75F41F58}"/>
+              </a:ext>
+            </a:extLst>
+          </p:cNvPr>
+          <p:cNvPicPr>
+            <a:picLocks noChangeAspect="1"/>
+          </p:cNvPicPr>
+          <p:nvPr/>
+        </p:nvPicPr>
+        <p:blipFill>
+          <a:blip r:embed="rId3">
+            <a:extLst>
+              <a:ext uri="{28A0092B-C50C-407E-A947-70E740481C1C}">
+                <a14:useLocalDpi xmlns:a14="http://schemas.microsoft.com/office/drawing/2010/main" val="0"/>
+              </a:ext>
+            </a:extLst>
+          </a:blip>
+          <a:stretch>
+            <a:fillRect/>
+          </a:stretch>
+        </p:blipFill>
+        <p:spPr>
+          <a:xfrm>
+            <a:off x="1708802" y="4226057"/>
+            <a:ext cx="609600" cy="609600"/>
+          </a:xfrm>
+          <a:prstGeom prst="rect">
+            <a:avLst/>
+          </a:prstGeom>
+        </p:spPr>
+      </p:pic>
+      <p:pic>
+        <p:nvPicPr>
+          <p:cNvPr id="35" name="図 34" descr="アイコン&#10;&#10;自動的に生成された説明">
+            <a:extLst>
+              <a:ext uri="{FF2B5EF4-FFF2-40B4-BE49-F238E27FC236}">
+                <a16:creationId xmlns:a16="http://schemas.microsoft.com/office/drawing/2014/main" id="{1917167B-EAFD-421B-BF84-37487EBC71AA}"/>
+              </a:ext>
+            </a:extLst>
+          </p:cNvPr>
+          <p:cNvPicPr>
+            <a:picLocks noChangeAspect="1"/>
+          </p:cNvPicPr>
+          <p:nvPr/>
+        </p:nvPicPr>
+        <p:blipFill>
+          <a:blip r:embed="rId5">
+            <a:extLst>
+              <a:ext uri="{28A0092B-C50C-407E-A947-70E740481C1C}">
+                <a14:useLocalDpi xmlns:a14="http://schemas.microsoft.com/office/drawing/2010/main" val="0"/>
+              </a:ext>
+            </a:extLst>
+          </a:blip>
+          <a:stretch>
+            <a:fillRect/>
+          </a:stretch>
+        </p:blipFill>
+        <p:spPr>
+          <a:xfrm>
+            <a:off x="2329712" y="5747783"/>
+            <a:ext cx="609600" cy="609600"/>
+          </a:xfrm>
+          <a:prstGeom prst="rect">
+            <a:avLst/>
+          </a:prstGeom>
+        </p:spPr>
+      </p:pic>
+      <p:pic>
+        <p:nvPicPr>
+          <p:cNvPr id="36" name="図 35" descr="アイコン&#10;&#10;自動的に生成された説明">
+            <a:extLst>
+              <a:ext uri="{FF2B5EF4-FFF2-40B4-BE49-F238E27FC236}">
+                <a16:creationId xmlns:a16="http://schemas.microsoft.com/office/drawing/2014/main" id="{681D2A7D-02E2-4164-88F5-1E70FE58D681}"/>
+              </a:ext>
+            </a:extLst>
+          </p:cNvPr>
+          <p:cNvPicPr>
+            <a:picLocks noChangeAspect="1"/>
+          </p:cNvPicPr>
+          <p:nvPr/>
+        </p:nvPicPr>
+        <p:blipFill>
+          <a:blip r:embed="rId5">
+            <a:extLst>
+              <a:ext uri="{28A0092B-C50C-407E-A947-70E740481C1C}">
+                <a14:useLocalDpi xmlns:a14="http://schemas.microsoft.com/office/drawing/2010/main" val="0"/>
+              </a:ext>
+            </a:extLst>
+          </a:blip>
+          <a:stretch>
+            <a:fillRect/>
+          </a:stretch>
+        </p:blipFill>
+        <p:spPr>
+          <a:xfrm>
+            <a:off x="3533660" y="4534162"/>
+            <a:ext cx="609600" cy="609600"/>
+          </a:xfrm>
+          <a:prstGeom prst="rect">
+            <a:avLst/>
+          </a:prstGeom>
+        </p:spPr>
+      </p:pic>
+      <p:pic>
+        <p:nvPicPr>
+          <p:cNvPr id="37" name="図 36" descr="アイコン&#10;&#10;自動的に生成された説明">
+            <a:extLst>
+              <a:ext uri="{FF2B5EF4-FFF2-40B4-BE49-F238E27FC236}">
+                <a16:creationId xmlns:a16="http://schemas.microsoft.com/office/drawing/2014/main" id="{92B52A93-E361-4723-B62E-736F058EE340}"/>
+              </a:ext>
+            </a:extLst>
+          </p:cNvPr>
+          <p:cNvPicPr>
+            <a:picLocks noChangeAspect="1"/>
+          </p:cNvPicPr>
+          <p:nvPr/>
+        </p:nvPicPr>
+        <p:blipFill>
+          <a:blip r:embed="rId5">
+            <a:extLst>
+              <a:ext uri="{28A0092B-C50C-407E-A947-70E740481C1C}">
+                <a14:useLocalDpi xmlns:a14="http://schemas.microsoft.com/office/drawing/2010/main" val="0"/>
+              </a:ext>
+            </a:extLst>
+          </a:blip>
+          <a:stretch>
+            <a:fillRect/>
+          </a:stretch>
+        </p:blipFill>
+        <p:spPr>
+          <a:xfrm>
+            <a:off x="3542402" y="5197660"/>
+            <a:ext cx="609600" cy="609600"/>
+          </a:xfrm>
+          <a:prstGeom prst="rect">
+            <a:avLst/>
+          </a:prstGeom>
+        </p:spPr>
+      </p:pic>
+      <p:sp>
+        <p:nvSpPr>
+          <p:cNvPr id="38" name="正方形/長方形 37">
+            <a:extLst>
+              <a:ext uri="{FF2B5EF4-FFF2-40B4-BE49-F238E27FC236}">
+                <a16:creationId xmlns:a16="http://schemas.microsoft.com/office/drawing/2014/main" id="{66A5EB5B-EF76-41E1-8A65-2D6DB52726D1}"/>
+              </a:ext>
+            </a:extLst>
+          </p:cNvPr>
+          <p:cNvSpPr/>
+          <p:nvPr/>
+        </p:nvSpPr>
+        <p:spPr>
+          <a:xfrm>
+            <a:off x="5077400" y="536712"/>
+            <a:ext cx="660006" cy="1182758"/>
+          </a:xfrm>
+          <a:prstGeom prst="rect">
+            <a:avLst/>
+          </a:prstGeom>
+          <a:solidFill>
+            <a:schemeClr val="accent6">
+              <a:alpha val="40000"/>
+            </a:schemeClr>
+          </a:solidFill>
+        </p:spPr>
+        <p:style>
+          <a:lnRef idx="2">
+            <a:schemeClr val="accent6">
+              <a:shade val="50000"/>
+            </a:schemeClr>
+          </a:lnRef>
+          <a:fillRef idx="1">
+            <a:schemeClr val="accent6"/>
+          </a:fillRef>
+          <a:effectRef idx="0">
+            <a:schemeClr val="accent6"/>
+          </a:effectRef>
+          <a:fontRef idx="minor">
+            <a:schemeClr val="lt1"/>
+          </a:fontRef>
+        </p:style>
+        <p:txBody>
+          <a:bodyPr rtlCol="0" anchor="ctr"/>
+          <a:lstStyle/>
+          <a:p>
+            <a:pPr algn="ctr"/>
+            <a:endParaRPr kumimoji="1" lang="ja-JP" altLang="en-US"/>
+          </a:p>
+        </p:txBody>
+      </p:sp>
+      <p:pic>
+        <p:nvPicPr>
+          <p:cNvPr id="39" name="図 38" descr="アイコン&#10;&#10;自動的に生成された説明">
+            <a:extLst>
+              <a:ext uri="{FF2B5EF4-FFF2-40B4-BE49-F238E27FC236}">
+                <a16:creationId xmlns:a16="http://schemas.microsoft.com/office/drawing/2014/main" id="{2714CD68-BA7E-499F-9E1E-1E7CAE07FA37}"/>
+              </a:ext>
+            </a:extLst>
+          </p:cNvPr>
+          <p:cNvPicPr>
+            <a:picLocks noChangeAspect="1"/>
+          </p:cNvPicPr>
+          <p:nvPr/>
+        </p:nvPicPr>
+        <p:blipFill>
+          <a:blip r:embed="rId3">
+            <a:extLst>
+              <a:ext uri="{28A0092B-C50C-407E-A947-70E740481C1C}">
+                <a14:useLocalDpi xmlns:a14="http://schemas.microsoft.com/office/drawing/2010/main" val="0"/>
+              </a:ext>
+            </a:extLst>
+          </a:blip>
+          <a:stretch>
+            <a:fillRect/>
+          </a:stretch>
+        </p:blipFill>
+        <p:spPr>
+          <a:xfrm>
+            <a:off x="5102603" y="1136385"/>
+            <a:ext cx="609600" cy="609600"/>
+          </a:xfrm>
+          <a:prstGeom prst="rect">
+            <a:avLst/>
+          </a:prstGeom>
+        </p:spPr>
+      </p:pic>
+      <p:pic>
+        <p:nvPicPr>
+          <p:cNvPr id="40" name="図 39">
+            <a:extLst>
+              <a:ext uri="{FF2B5EF4-FFF2-40B4-BE49-F238E27FC236}">
+                <a16:creationId xmlns:a16="http://schemas.microsoft.com/office/drawing/2014/main" id="{E2AA02A0-A457-46B3-AFB6-59AAC56F7F12}"/>
+              </a:ext>
+            </a:extLst>
+          </p:cNvPr>
+          <p:cNvPicPr>
+            <a:picLocks noChangeAspect="1"/>
+          </p:cNvPicPr>
+          <p:nvPr/>
+        </p:nvPicPr>
+        <p:blipFill>
+          <a:blip r:embed="rId4">
+            <a:extLst>
+              <a:ext uri="{28A0092B-C50C-407E-A947-70E740481C1C}">
+                <a14:useLocalDpi xmlns:a14="http://schemas.microsoft.com/office/drawing/2010/main" val="0"/>
+              </a:ext>
+            </a:extLst>
+          </a:blip>
+          <a:stretch>
+            <a:fillRect/>
+          </a:stretch>
+        </p:blipFill>
+        <p:spPr>
+          <a:xfrm>
+            <a:off x="5102603" y="571506"/>
+            <a:ext cx="609600" cy="609600"/>
+          </a:xfrm>
+          <a:prstGeom prst="rect">
+            <a:avLst/>
+          </a:prstGeom>
+        </p:spPr>
+      </p:pic>
+      <p:pic>
+        <p:nvPicPr>
+          <p:cNvPr id="41" name="図 40" descr="アイコン&#10;&#10;自動的に生成された説明">
+            <a:extLst>
+              <a:ext uri="{FF2B5EF4-FFF2-40B4-BE49-F238E27FC236}">
+                <a16:creationId xmlns:a16="http://schemas.microsoft.com/office/drawing/2014/main" id="{E7828B94-83EA-4565-903C-E3A2F966D1EF}"/>
+              </a:ext>
+            </a:extLst>
+          </p:cNvPr>
+          <p:cNvPicPr>
+            <a:picLocks noChangeAspect="1"/>
+          </p:cNvPicPr>
+          <p:nvPr/>
+        </p:nvPicPr>
+        <p:blipFill>
+          <a:blip r:embed="rId5">
+            <a:extLst>
+              <a:ext uri="{28A0092B-C50C-407E-A947-70E740481C1C}">
+                <a14:useLocalDpi xmlns:a14="http://schemas.microsoft.com/office/drawing/2010/main" val="0"/>
+              </a:ext>
+            </a:extLst>
+          </a:blip>
+          <a:stretch>
+            <a:fillRect/>
+          </a:stretch>
+        </p:blipFill>
+        <p:spPr>
+          <a:xfrm>
+            <a:off x="1636713" y="1419009"/>
+            <a:ext cx="609600" cy="609600"/>
+          </a:xfrm>
+          <a:prstGeom prst="rect">
+            <a:avLst/>
+          </a:prstGeom>
+        </p:spPr>
+      </p:pic>
+      <p:pic>
+        <p:nvPicPr>
+          <p:cNvPr id="42" name="図 41" descr="アイコン&#10;&#10;自動的に生成された説明">
+            <a:extLst>
+              <a:ext uri="{FF2B5EF4-FFF2-40B4-BE49-F238E27FC236}">
+                <a16:creationId xmlns:a16="http://schemas.microsoft.com/office/drawing/2014/main" id="{7FF013D9-1977-40DB-9769-69FF76F31670}"/>
+              </a:ext>
+            </a:extLst>
+          </p:cNvPr>
+          <p:cNvPicPr>
+            <a:picLocks noChangeAspect="1"/>
+          </p:cNvPicPr>
+          <p:nvPr/>
+        </p:nvPicPr>
+        <p:blipFill>
+          <a:blip r:embed="rId6">
+            <a:extLst>
+              <a:ext uri="{28A0092B-C50C-407E-A947-70E740481C1C}">
+                <a14:useLocalDpi xmlns:a14="http://schemas.microsoft.com/office/drawing/2010/main" val="0"/>
+              </a:ext>
+            </a:extLst>
+          </a:blip>
+          <a:stretch>
+            <a:fillRect/>
+          </a:stretch>
+        </p:blipFill>
+        <p:spPr>
+          <a:xfrm>
+            <a:off x="1626932" y="1939571"/>
+            <a:ext cx="609600" cy="609600"/>
+          </a:xfrm>
+          <a:prstGeom prst="rect">
+            <a:avLst/>
+          </a:prstGeom>
+        </p:spPr>
+      </p:pic>
+      <p:pic>
+        <p:nvPicPr>
+          <p:cNvPr id="43" name="図 42" descr="アイコン&#10;&#10;自動的に生成された説明">
+            <a:extLst>
+              <a:ext uri="{FF2B5EF4-FFF2-40B4-BE49-F238E27FC236}">
+                <a16:creationId xmlns:a16="http://schemas.microsoft.com/office/drawing/2014/main" id="{33B82B44-35EF-4D83-B893-206A8E7BF528}"/>
+              </a:ext>
+            </a:extLst>
+          </p:cNvPr>
+          <p:cNvPicPr>
+            <a:picLocks noChangeAspect="1"/>
+          </p:cNvPicPr>
+          <p:nvPr/>
+        </p:nvPicPr>
+        <p:blipFill>
+          <a:blip r:embed="rId5">
+            <a:extLst>
+              <a:ext uri="{28A0092B-C50C-407E-A947-70E740481C1C}">
+                <a14:useLocalDpi xmlns:a14="http://schemas.microsoft.com/office/drawing/2010/main" val="0"/>
+              </a:ext>
+            </a:extLst>
+          </a:blip>
+          <a:stretch>
+            <a:fillRect/>
+          </a:stretch>
+        </p:blipFill>
+        <p:spPr>
+          <a:xfrm>
+            <a:off x="2880900" y="5740142"/>
+            <a:ext cx="609600" cy="609600"/>
+          </a:xfrm>
+          <a:prstGeom prst="rect">
+            <a:avLst/>
+          </a:prstGeom>
+        </p:spPr>
+      </p:pic>
+      <p:pic>
+        <p:nvPicPr>
+          <p:cNvPr id="3" name="図 2">
+            <a:extLst>
+              <a:ext uri="{FF2B5EF4-FFF2-40B4-BE49-F238E27FC236}">
+                <a16:creationId xmlns:a16="http://schemas.microsoft.com/office/drawing/2014/main" id="{7D324DAC-83C1-4DD6-88E4-188446EE465D}"/>
+              </a:ext>
+            </a:extLst>
+          </p:cNvPr>
+          <p:cNvPicPr>
+            <a:picLocks noChangeAspect="1"/>
+          </p:cNvPicPr>
+          <p:nvPr/>
+        </p:nvPicPr>
+        <p:blipFill>
+          <a:blip r:embed="rId7">
+            <a:extLst>
+              <a:ext uri="{28A0092B-C50C-407E-A947-70E740481C1C}">
+                <a14:useLocalDpi xmlns:a14="http://schemas.microsoft.com/office/drawing/2010/main" val="0"/>
+              </a:ext>
+            </a:extLst>
+          </a:blip>
+          <a:stretch>
+            <a:fillRect/>
+          </a:stretch>
+        </p:blipFill>
+        <p:spPr>
+          <a:xfrm>
+            <a:off x="8887824" y="2843603"/>
+            <a:ext cx="2676074" cy="3796062"/>
+          </a:xfrm>
+          <a:prstGeom prst="rect">
+            <a:avLst/>
+          </a:prstGeom>
+        </p:spPr>
+      </p:pic>
+      <p:sp>
+        <p:nvSpPr>
+          <p:cNvPr id="44" name="吹き出し: 角を丸めた四角形 43">
+            <a:extLst>
+              <a:ext uri="{FF2B5EF4-FFF2-40B4-BE49-F238E27FC236}">
+                <a16:creationId xmlns:a16="http://schemas.microsoft.com/office/drawing/2014/main" id="{C3D1D372-5913-4DE4-86BB-B5E81886C38E}"/>
+              </a:ext>
+            </a:extLst>
+          </p:cNvPr>
+          <p:cNvSpPr/>
+          <p:nvPr/>
+        </p:nvSpPr>
+        <p:spPr>
+          <a:xfrm>
+            <a:off x="6349152" y="538614"/>
+            <a:ext cx="3381257" cy="2462383"/>
+          </a:xfrm>
+          <a:prstGeom prst="wedgeRoundRectCallout">
+            <a:avLst>
+              <a:gd name="adj1" fmla="val 34373"/>
+              <a:gd name="adj2" fmla="val 61102"/>
+              <a:gd name="adj3" fmla="val 16667"/>
+            </a:avLst>
+          </a:prstGeom>
+          <a:ln w="25400"/>
+        </p:spPr>
+        <p:style>
+          <a:lnRef idx="2">
+            <a:schemeClr val="dk1"/>
+          </a:lnRef>
+          <a:fillRef idx="1">
+            <a:schemeClr val="lt1"/>
+          </a:fillRef>
+          <a:effectRef idx="0">
+            <a:schemeClr val="dk1"/>
+          </a:effectRef>
+          <a:fontRef idx="minor">
+            <a:schemeClr val="dk1"/>
+          </a:fontRef>
+        </p:style>
+        <p:txBody>
+          <a:bodyPr rtlCol="0" anchor="ctr"/>
+          <a:lstStyle/>
+          <a:p>
+            <a:pPr algn="ctr"/>
+            <a:endParaRPr kumimoji="1" lang="ja-JP" altLang="en-US"/>
+          </a:p>
+        </p:txBody>
+      </p:sp>
+      <p:pic>
+        <p:nvPicPr>
+          <p:cNvPr id="45" name="図 44" descr="アイコン&#10;&#10;自動的に生成された説明">
+            <a:extLst>
+              <a:ext uri="{FF2B5EF4-FFF2-40B4-BE49-F238E27FC236}">
+                <a16:creationId xmlns:a16="http://schemas.microsoft.com/office/drawing/2014/main" id="{684EDBB6-9FB0-4D27-95A9-FDA55B576B17}"/>
+              </a:ext>
+            </a:extLst>
+          </p:cNvPr>
+          <p:cNvPicPr>
+            <a:picLocks noChangeAspect="1"/>
+          </p:cNvPicPr>
+          <p:nvPr/>
+        </p:nvPicPr>
+        <p:blipFill>
+          <a:blip r:embed="rId8">
+            <a:extLst>
+              <a:ext uri="{28A0092B-C50C-407E-A947-70E740481C1C}">
+                <a14:useLocalDpi xmlns:a14="http://schemas.microsoft.com/office/drawing/2010/main" val="0"/>
+              </a:ext>
+            </a:extLst>
+          </a:blip>
+          <a:stretch>
+            <a:fillRect/>
+          </a:stretch>
+        </p:blipFill>
+        <p:spPr>
+          <a:xfrm>
+            <a:off x="6732618" y="653621"/>
+            <a:ext cx="2574178" cy="1728590"/>
+          </a:xfrm>
+          <a:prstGeom prst="rect">
+            <a:avLst/>
+          </a:prstGeom>
+        </p:spPr>
+      </p:pic>
+      <p:pic>
+        <p:nvPicPr>
+          <p:cNvPr id="46" name="図 45" descr="アイコン&#10;&#10;自動的に生成された説明">
+            <a:extLst>
+              <a:ext uri="{FF2B5EF4-FFF2-40B4-BE49-F238E27FC236}">
+                <a16:creationId xmlns:a16="http://schemas.microsoft.com/office/drawing/2014/main" id="{42AD5AAF-4DB6-48DC-ADC8-84F626902BB8}"/>
+              </a:ext>
+            </a:extLst>
+          </p:cNvPr>
+          <p:cNvPicPr>
+            <a:picLocks noChangeAspect="1"/>
+          </p:cNvPicPr>
+          <p:nvPr/>
+        </p:nvPicPr>
+        <p:blipFill>
+          <a:blip r:embed="rId3">
+            <a:alphaModFix/>
+            <a:grayscl/>
+            <a:extLst>
+              <a:ext uri="{28A0092B-C50C-407E-A947-70E740481C1C}">
+                <a14:useLocalDpi xmlns:a14="http://schemas.microsoft.com/office/drawing/2010/main" val="0"/>
+              </a:ext>
+            </a:extLst>
+          </a:blip>
+          <a:stretch>
+            <a:fillRect/>
+          </a:stretch>
+        </p:blipFill>
+        <p:spPr>
+          <a:xfrm>
+            <a:off x="6713586" y="2325594"/>
+            <a:ext cx="609600" cy="609600"/>
+          </a:xfrm>
+          <a:prstGeom prst="rect">
+            <a:avLst/>
+          </a:prstGeom>
+        </p:spPr>
+      </p:pic>
+      <p:pic>
+        <p:nvPicPr>
+          <p:cNvPr id="47" name="図 46">
+            <a:extLst>
+              <a:ext uri="{FF2B5EF4-FFF2-40B4-BE49-F238E27FC236}">
+                <a16:creationId xmlns:a16="http://schemas.microsoft.com/office/drawing/2014/main" id="{A47B1919-DF6B-4332-8E22-503FE24D6BE8}"/>
+              </a:ext>
+            </a:extLst>
+          </p:cNvPr>
+          <p:cNvPicPr>
+            <a:picLocks noChangeAspect="1"/>
+          </p:cNvPicPr>
+          <p:nvPr/>
+        </p:nvPicPr>
+        <p:blipFill>
+          <a:blip r:embed="rId4">
+            <a:extLst>
+              <a:ext uri="{28A0092B-C50C-407E-A947-70E740481C1C}">
+                <a14:useLocalDpi xmlns:a14="http://schemas.microsoft.com/office/drawing/2010/main" val="0"/>
+              </a:ext>
+            </a:extLst>
+          </a:blip>
+          <a:stretch>
+            <a:fillRect/>
+          </a:stretch>
+        </p:blipFill>
+        <p:spPr>
+          <a:xfrm>
+            <a:off x="7385772" y="2325594"/>
+            <a:ext cx="609600" cy="609600"/>
+          </a:xfrm>
+          <a:prstGeom prst="rect">
+            <a:avLst/>
+          </a:prstGeom>
+        </p:spPr>
+      </p:pic>
+      <p:pic>
+        <p:nvPicPr>
+          <p:cNvPr id="48" name="図 47" descr="アイコン&#10;&#10;自動的に生成された説明">
+            <a:extLst>
+              <a:ext uri="{FF2B5EF4-FFF2-40B4-BE49-F238E27FC236}">
+                <a16:creationId xmlns:a16="http://schemas.microsoft.com/office/drawing/2014/main" id="{2DEEB281-D2E0-4B7B-8BC7-67B1861C6B21}"/>
+              </a:ext>
+            </a:extLst>
+          </p:cNvPr>
+          <p:cNvPicPr>
+            <a:picLocks noChangeAspect="1"/>
+          </p:cNvPicPr>
+          <p:nvPr/>
+        </p:nvPicPr>
+        <p:blipFill>
+          <a:blip r:embed="rId5">
+            <a:extLst>
+              <a:ext uri="{28A0092B-C50C-407E-A947-70E740481C1C}">
+                <a14:useLocalDpi xmlns:a14="http://schemas.microsoft.com/office/drawing/2010/main" val="0"/>
+              </a:ext>
+            </a:extLst>
+          </a:blip>
+          <a:stretch>
+            <a:fillRect/>
+          </a:stretch>
+        </p:blipFill>
+        <p:spPr>
+          <a:xfrm>
+            <a:off x="7955771" y="2257671"/>
+            <a:ext cx="609600" cy="609600"/>
+          </a:xfrm>
+          <a:prstGeom prst="rect">
+            <a:avLst/>
+          </a:prstGeom>
+        </p:spPr>
+      </p:pic>
+      <p:pic>
+        <p:nvPicPr>
+          <p:cNvPr id="49" name="図 48" descr="アイコン&#10;&#10;自動的に生成された説明">
+            <a:extLst>
+              <a:ext uri="{FF2B5EF4-FFF2-40B4-BE49-F238E27FC236}">
+                <a16:creationId xmlns:a16="http://schemas.microsoft.com/office/drawing/2014/main" id="{C2861846-AC26-4EFD-93AE-CD36B5B62090}"/>
+              </a:ext>
+            </a:extLst>
+          </p:cNvPr>
+          <p:cNvPicPr>
+            <a:picLocks noChangeAspect="1"/>
+          </p:cNvPicPr>
+          <p:nvPr/>
+        </p:nvPicPr>
+        <p:blipFill>
+          <a:blip r:embed="rId6">
+            <a:extLst>
+              <a:ext uri="{28A0092B-C50C-407E-A947-70E740481C1C}">
+                <a14:useLocalDpi xmlns:a14="http://schemas.microsoft.com/office/drawing/2010/main" val="0"/>
+              </a:ext>
+            </a:extLst>
+          </a:blip>
+          <a:stretch>
+            <a:fillRect/>
+          </a:stretch>
+        </p:blipFill>
+        <p:spPr>
+          <a:xfrm>
+            <a:off x="8525770" y="2257671"/>
+            <a:ext cx="609600" cy="609600"/>
+          </a:xfrm>
+          <a:prstGeom prst="rect">
+            <a:avLst/>
+          </a:prstGeom>
+        </p:spPr>
+      </p:pic>
+      <p:sp>
+        <p:nvSpPr>
+          <p:cNvPr id="50" name="四角形: 角を丸くする 49">
+            <a:extLst>
+              <a:ext uri="{FF2B5EF4-FFF2-40B4-BE49-F238E27FC236}">
+                <a16:creationId xmlns:a16="http://schemas.microsoft.com/office/drawing/2014/main" id="{3B673FF1-D8AC-45A7-9B0F-034FEA8F6A12}"/>
+              </a:ext>
+            </a:extLst>
+          </p:cNvPr>
+          <p:cNvSpPr/>
+          <p:nvPr/>
+        </p:nvSpPr>
+        <p:spPr>
+          <a:xfrm>
+            <a:off x="1509717" y="154497"/>
+            <a:ext cx="1670884" cy="325102"/>
+          </a:xfrm>
+          <a:prstGeom prst="roundRect">
+            <a:avLst/>
+          </a:prstGeom>
+          <a:solidFill>
+            <a:schemeClr val="accent2">
+              <a:lumMod val="40000"/>
+              <a:lumOff val="60000"/>
+              <a:alpha val="60000"/>
+            </a:schemeClr>
+          </a:solidFill>
+          <a:ln>
+            <a:solidFill>
+              <a:schemeClr val="accent6">
+                <a:lumMod val="75000"/>
+              </a:schemeClr>
+            </a:solidFill>
+          </a:ln>
+        </p:spPr>
+        <p:style>
+          <a:lnRef idx="2">
+            <a:schemeClr val="accent1">
+              <a:shade val="50000"/>
+            </a:schemeClr>
+          </a:lnRef>
+          <a:fillRef idx="1">
+            <a:schemeClr val="accent1"/>
+          </a:fillRef>
+          <a:effectRef idx="0">
+            <a:schemeClr val="accent1"/>
+          </a:effectRef>
+          <a:fontRef idx="minor">
+            <a:schemeClr val="lt1"/>
+          </a:fontRef>
+        </p:style>
+        <p:txBody>
+          <a:bodyPr rtlCol="0" anchor="ctr"/>
+          <a:lstStyle/>
+          <a:p>
+            <a:pPr algn="ctr"/>
+            <a:endParaRPr kumimoji="1" lang="ja-JP" altLang="en-US" dirty="0"/>
+          </a:p>
+        </p:txBody>
+      </p:sp>
+      <p:sp>
+        <p:nvSpPr>
+          <p:cNvPr id="51" name="テキスト ボックス 50">
+            <a:extLst>
+              <a:ext uri="{FF2B5EF4-FFF2-40B4-BE49-F238E27FC236}">
+                <a16:creationId xmlns:a16="http://schemas.microsoft.com/office/drawing/2014/main" id="{B845838D-6AF3-4259-A1B4-29A2C0E0DCFA}"/>
+              </a:ext>
+            </a:extLst>
+          </p:cNvPr>
+          <p:cNvSpPr txBox="1"/>
+          <p:nvPr/>
+        </p:nvSpPr>
+        <p:spPr>
+          <a:xfrm>
+            <a:off x="2230225" y="135090"/>
+            <a:ext cx="1324575" cy="369332"/>
+          </a:xfrm>
+          <a:prstGeom prst="rect">
+            <a:avLst/>
+          </a:prstGeom>
+          <a:noFill/>
+        </p:spPr>
+        <p:txBody>
+          <a:bodyPr wrap="square" rtlCol="0">
+            <a:spAutoFit/>
+          </a:bodyPr>
+          <a:lstStyle/>
+          <a:p>
+            <a:r>
+              <a:rPr lang="en-US" altLang="ja-JP" dirty="0">
+                <a:latin typeface="Arial Black" panose="020B0A04020102020204" pitchFamily="34" charset="0"/>
+              </a:rPr>
+              <a:t>1,</a:t>
+            </a:r>
+            <a:r>
+              <a:rPr kumimoji="1" lang="en-US" altLang="ja-JP" dirty="0">
+                <a:latin typeface="Arial Black" panose="020B0A04020102020204" pitchFamily="34" charset="0"/>
+              </a:rPr>
+              <a:t>440</a:t>
+            </a:r>
+            <a:endParaRPr kumimoji="1" lang="ja-JP" altLang="en-US" dirty="0">
+              <a:latin typeface="Arial Black" panose="020B0A04020102020204" pitchFamily="34" charset="0"/>
+            </a:endParaRPr>
+          </a:p>
+        </p:txBody>
+      </p:sp>
+      <p:sp>
+        <p:nvSpPr>
+          <p:cNvPr id="52" name="テキスト ボックス 51">
+            <a:extLst>
+              <a:ext uri="{FF2B5EF4-FFF2-40B4-BE49-F238E27FC236}">
+                <a16:creationId xmlns:a16="http://schemas.microsoft.com/office/drawing/2014/main" id="{95283D46-1D7B-483F-BDCA-5386DCF1A517}"/>
+              </a:ext>
+            </a:extLst>
+          </p:cNvPr>
+          <p:cNvSpPr txBox="1"/>
+          <p:nvPr/>
+        </p:nvSpPr>
+        <p:spPr>
+          <a:xfrm>
+            <a:off x="375943" y="132382"/>
+            <a:ext cx="1324575" cy="369332"/>
+          </a:xfrm>
+          <a:prstGeom prst="rect">
+            <a:avLst/>
+          </a:prstGeom>
+          <a:noFill/>
+        </p:spPr>
+        <p:txBody>
+          <a:bodyPr wrap="square" rtlCol="0">
+            <a:spAutoFit/>
+          </a:bodyPr>
+          <a:lstStyle/>
+          <a:p>
+            <a:r>
+              <a:rPr kumimoji="1" lang="en-US" altLang="ja-JP" dirty="0">
+                <a:latin typeface="Arial Black" panose="020B0A04020102020204" pitchFamily="34" charset="0"/>
+              </a:rPr>
+              <a:t>SCORE</a:t>
+            </a:r>
+            <a:endParaRPr kumimoji="1" lang="ja-JP" altLang="en-US" dirty="0">
+              <a:latin typeface="Arial Black" panose="020B0A04020102020204" pitchFamily="34" charset="0"/>
+            </a:endParaRPr>
+          </a:p>
+        </p:txBody>
+      </p:sp>
+      <p:sp>
+        <p:nvSpPr>
+          <p:cNvPr id="53" name="四角形: 角を丸くする 52">
+            <a:extLst>
+              <a:ext uri="{FF2B5EF4-FFF2-40B4-BE49-F238E27FC236}">
+                <a16:creationId xmlns:a16="http://schemas.microsoft.com/office/drawing/2014/main" id="{20638920-F5A1-4254-A734-F991957FD8D9}"/>
+              </a:ext>
+            </a:extLst>
+          </p:cNvPr>
+          <p:cNvSpPr/>
+          <p:nvPr/>
+        </p:nvSpPr>
+        <p:spPr>
+          <a:xfrm>
+            <a:off x="11589102" y="216473"/>
+            <a:ext cx="305412" cy="293614"/>
+          </a:xfrm>
+          <a:prstGeom prst="roundRect">
+            <a:avLst/>
+          </a:prstGeom>
+        </p:spPr>
+        <p:style>
+          <a:lnRef idx="2">
+            <a:schemeClr val="accent3">
+              <a:shade val="50000"/>
+            </a:schemeClr>
+          </a:lnRef>
+          <a:fillRef idx="1">
+            <a:schemeClr val="accent3"/>
+          </a:fillRef>
+          <a:effectRef idx="0">
+            <a:schemeClr val="accent3"/>
+          </a:effectRef>
+          <a:fontRef idx="minor">
+            <a:schemeClr val="lt1"/>
+          </a:fontRef>
+        </p:style>
+        <p:txBody>
+          <a:bodyPr rtlCol="0" anchor="ctr"/>
+          <a:lstStyle/>
+          <a:p>
+            <a:pPr algn="ctr"/>
+            <a:endParaRPr kumimoji="1" lang="ja-JP" altLang="en-US"/>
+          </a:p>
+        </p:txBody>
+      </p:sp>
+      <p:sp>
+        <p:nvSpPr>
+          <p:cNvPr id="54" name="テキスト ボックス 53">
+            <a:extLst>
+              <a:ext uri="{FF2B5EF4-FFF2-40B4-BE49-F238E27FC236}">
+                <a16:creationId xmlns:a16="http://schemas.microsoft.com/office/drawing/2014/main" id="{63FFBC57-4426-4A8C-9353-CBC006A19CB9}"/>
+              </a:ext>
+            </a:extLst>
+          </p:cNvPr>
+          <p:cNvSpPr txBox="1"/>
+          <p:nvPr/>
+        </p:nvSpPr>
+        <p:spPr>
+          <a:xfrm>
+            <a:off x="11563898" y="178614"/>
+            <a:ext cx="305412" cy="369332"/>
+          </a:xfrm>
+          <a:prstGeom prst="rect">
+            <a:avLst/>
+          </a:prstGeom>
+          <a:noFill/>
+        </p:spPr>
+        <p:txBody>
+          <a:bodyPr wrap="square" rtlCol="0">
+            <a:spAutoFit/>
+          </a:bodyPr>
+          <a:lstStyle/>
+          <a:p>
+            <a:r>
+              <a:rPr lang="en-US" altLang="ja-JP" b="1" dirty="0"/>
+              <a:t>+</a:t>
+            </a:r>
+            <a:endParaRPr kumimoji="1" lang="ja-JP" altLang="en-US" b="1" dirty="0"/>
+          </a:p>
+        </p:txBody>
+      </p:sp>
+    </p:spTree>
+    <p:extLst>
+      <p:ext uri="{BB962C8B-B14F-4D97-AF65-F5344CB8AC3E}">
+        <p14:creationId xmlns:p14="http://schemas.microsoft.com/office/powerpoint/2010/main" val="4129815324"/>
+      </p:ext>
+    </p:extLst>
+  </p:cSld>
+  <p:clrMapOvr>
+    <a:masterClrMapping/>
+  </p:clrMapOvr>
+</p:sld>
+</file>
+
+<file path=ppt/slides/slide5.xml><?xml version="1.0" encoding="utf-8"?>
+<p:sld xmlns:a="http://schemas.openxmlformats.org/drawingml/2006/main" xmlns:r="http://schemas.openxmlformats.org/officeDocument/2006/relationships" xmlns:p="http://schemas.openxmlformats.org/presentationml/2006/main">
+  <p:cSld>
+    <p:spTree>
+      <p:nvGrpSpPr>
+        <p:cNvPr id="1" name=""/>
+        <p:cNvGrpSpPr/>
+        <p:nvPr/>
+      </p:nvGrpSpPr>
+      <p:grpSpPr>
+        <a:xfrm>
+          <a:off x="0" y="0"/>
+          <a:ext cx="0" cy="0"/>
+          <a:chOff x="0" y="0"/>
+          <a:chExt cx="0" cy="0"/>
+        </a:xfrm>
+      </p:grpSpPr>
+      <p:pic>
+        <p:nvPicPr>
+          <p:cNvPr id="6" name="図 5" descr="建物, 屋外, ストリート, レンガ が含まれている画像&#10;&#10;自動的に生成された説明">
+            <a:extLst>
+              <a:ext uri="{FF2B5EF4-FFF2-40B4-BE49-F238E27FC236}">
+                <a16:creationId xmlns:a16="http://schemas.microsoft.com/office/drawing/2014/main" id="{20EB8AE7-1E83-47C9-8EF7-F0D753D96EC0}"/>
+              </a:ext>
+            </a:extLst>
+          </p:cNvPr>
+          <p:cNvPicPr>
+            <a:picLocks noChangeAspect="1"/>
+          </p:cNvPicPr>
+          <p:nvPr/>
+        </p:nvPicPr>
+        <p:blipFill>
+          <a:blip r:embed="rId2">
+            <a:alphaModFix/>
+            <a:extLst>
+              <a:ext uri="{28A0092B-C50C-407E-A947-70E740481C1C}">
+                <a14:useLocalDpi xmlns:a14="http://schemas.microsoft.com/office/drawing/2010/main" val="0"/>
+              </a:ext>
+            </a:extLst>
+          </a:blip>
+          <a:stretch>
+            <a:fillRect/>
+          </a:stretch>
+        </p:blipFill>
+        <p:spPr>
+          <a:xfrm>
+            <a:off x="140390" y="132382"/>
             <a:ext cx="11911219" cy="6670283"/>
           </a:xfrm>
           <a:prstGeom prst="rect">
